--- a/content/docs/theory-analysis/kubernetes-coredns/images/images.pptx
+++ b/content/docs/theory-analysis/kubernetes-coredns/images/images.pptx
@@ -5,10 +5,16 @@
     <p:sldMasterId id="2147483648" r:id="rId1"/>
   </p:sldMasterIdLst>
   <p:notesMasterIdLst>
-    <p:notesMasterId r:id="rId3"/>
+    <p:notesMasterId r:id="rId9"/>
   </p:notesMasterIdLst>
   <p:sldIdLst>
     <p:sldId id="428" r:id="rId2"/>
+    <p:sldId id="430" r:id="rId3"/>
+    <p:sldId id="434" r:id="rId4"/>
+    <p:sldId id="433" r:id="rId5"/>
+    <p:sldId id="432" r:id="rId6"/>
+    <p:sldId id="431" r:id="rId7"/>
+    <p:sldId id="429" r:id="rId8"/>
   </p:sldIdLst>
   <p:sldSz cx="9144000" cy="5143500" type="screen16x9"/>
   <p:notesSz cx="6858000" cy="9144000"/>
@@ -213,7 +219,7 @@
           <a:p>
             <a:fld id="{6CD5550B-26C4-49A9-A5BA-636EF7BE6CE9}" type="datetimeFigureOut">
               <a:rPr lang="ko-KR" altLang="en-US" smtClean="0"/>
-              <a:t>2020-09-24</a:t>
+              <a:t>2025. 4. 27.</a:t>
             </a:fld>
             <a:endParaRPr lang="ko-KR" altLang="en-US"/>
           </a:p>
@@ -480,6 +486,342 @@
 </p:notesMaster>
 </file>
 
+<file path=ppt/notesSlides/notesSlide1.xml><?xml version="1.0" encoding="utf-8"?>
+<p:notes xmlns:a="http://schemas.openxmlformats.org/drawingml/2006/main" xmlns:r="http://schemas.openxmlformats.org/officeDocument/2006/relationships" xmlns:p="http://schemas.openxmlformats.org/presentationml/2006/main">
+  <p:cSld>
+    <p:spTree>
+      <p:nvGrpSpPr>
+        <p:cNvPr id="1" name=""/>
+        <p:cNvGrpSpPr/>
+        <p:nvPr/>
+      </p:nvGrpSpPr>
+      <p:grpSpPr>
+        <a:xfrm>
+          <a:off x="0" y="0"/>
+          <a:ext cx="0" cy="0"/>
+          <a:chOff x="0" y="0"/>
+          <a:chExt cx="0" cy="0"/>
+        </a:xfrm>
+      </p:grpSpPr>
+      <p:sp>
+        <p:nvSpPr>
+          <p:cNvPr id="2" name="Slide Image Placeholder 1"/>
+          <p:cNvSpPr>
+            <a:spLocks noGrp="1" noRot="1" noChangeAspect="1"/>
+          </p:cNvSpPr>
+          <p:nvPr>
+            <p:ph type="sldImg"/>
+          </p:nvPr>
+        </p:nvSpPr>
+        <p:spPr/>
+      </p:sp>
+      <p:sp>
+        <p:nvSpPr>
+          <p:cNvPr id="3" name="Notes Placeholder 2"/>
+          <p:cNvSpPr>
+            <a:spLocks noGrp="1"/>
+          </p:cNvSpPr>
+          <p:nvPr>
+            <p:ph type="body" idx="1"/>
+          </p:nvPr>
+        </p:nvSpPr>
+        <p:spPr/>
+        <p:txBody>
+          <a:bodyPr/>
+          <a:lstStyle/>
+          <a:p>
+            <a:endParaRPr lang="en-KR"/>
+          </a:p>
+        </p:txBody>
+      </p:sp>
+      <p:sp>
+        <p:nvSpPr>
+          <p:cNvPr id="4" name="Slide Number Placeholder 3"/>
+          <p:cNvSpPr>
+            <a:spLocks noGrp="1"/>
+          </p:cNvSpPr>
+          <p:nvPr>
+            <p:ph type="sldNum" sz="quarter" idx="5"/>
+          </p:nvPr>
+        </p:nvSpPr>
+        <p:spPr/>
+        <p:txBody>
+          <a:bodyPr/>
+          <a:lstStyle/>
+          <a:p>
+            <a:fld id="{BA5DFA43-8D57-47FB-BC46-057616015C3B}" type="slidenum">
+              <a:rPr lang="ko-KR" altLang="en-US" smtClean="0"/>
+              <a:t>1</a:t>
+            </a:fld>
+            <a:endParaRPr lang="ko-KR" altLang="en-US"/>
+          </a:p>
+        </p:txBody>
+      </p:sp>
+    </p:spTree>
+    <p:extLst>
+      <p:ext uri="{BB962C8B-B14F-4D97-AF65-F5344CB8AC3E}">
+        <p14:creationId xmlns:p14="http://schemas.microsoft.com/office/powerpoint/2010/main" val="179864359"/>
+      </p:ext>
+    </p:extLst>
+  </p:cSld>
+  <p:clrMapOvr>
+    <a:masterClrMapping/>
+  </p:clrMapOvr>
+</p:notes>
+</file>
+
+<file path=ppt/notesSlides/notesSlide2.xml><?xml version="1.0" encoding="utf-8"?>
+<p:notes xmlns:a="http://schemas.openxmlformats.org/drawingml/2006/main" xmlns:r="http://schemas.openxmlformats.org/officeDocument/2006/relationships" xmlns:p="http://schemas.openxmlformats.org/presentationml/2006/main">
+  <p:cSld>
+    <p:spTree>
+      <p:nvGrpSpPr>
+        <p:cNvPr id="1" name=""/>
+        <p:cNvGrpSpPr/>
+        <p:nvPr/>
+      </p:nvGrpSpPr>
+      <p:grpSpPr>
+        <a:xfrm>
+          <a:off x="0" y="0"/>
+          <a:ext cx="0" cy="0"/>
+          <a:chOff x="0" y="0"/>
+          <a:chExt cx="0" cy="0"/>
+        </a:xfrm>
+      </p:grpSpPr>
+      <p:sp>
+        <p:nvSpPr>
+          <p:cNvPr id="2" name="Slide Image Placeholder 1"/>
+          <p:cNvSpPr>
+            <a:spLocks noGrp="1" noRot="1" noChangeAspect="1"/>
+          </p:cNvSpPr>
+          <p:nvPr>
+            <p:ph type="sldImg"/>
+          </p:nvPr>
+        </p:nvSpPr>
+        <p:spPr/>
+      </p:sp>
+      <p:sp>
+        <p:nvSpPr>
+          <p:cNvPr id="3" name="Notes Placeholder 2"/>
+          <p:cNvSpPr>
+            <a:spLocks noGrp="1"/>
+          </p:cNvSpPr>
+          <p:nvPr>
+            <p:ph type="body" idx="1"/>
+          </p:nvPr>
+        </p:nvSpPr>
+        <p:spPr/>
+        <p:txBody>
+          <a:bodyPr/>
+          <a:lstStyle/>
+          <a:p>
+            <a:endParaRPr lang="en-KR"/>
+          </a:p>
+        </p:txBody>
+      </p:sp>
+      <p:sp>
+        <p:nvSpPr>
+          <p:cNvPr id="4" name="Slide Number Placeholder 3"/>
+          <p:cNvSpPr>
+            <a:spLocks noGrp="1"/>
+          </p:cNvSpPr>
+          <p:nvPr>
+            <p:ph type="sldNum" sz="quarter" idx="5"/>
+          </p:nvPr>
+        </p:nvSpPr>
+        <p:spPr/>
+        <p:txBody>
+          <a:bodyPr/>
+          <a:lstStyle/>
+          <a:p>
+            <a:fld id="{BA5DFA43-8D57-47FB-BC46-057616015C3B}" type="slidenum">
+              <a:rPr lang="ko-KR" altLang="en-US" smtClean="0"/>
+              <a:t>3</a:t>
+            </a:fld>
+            <a:endParaRPr lang="ko-KR" altLang="en-US"/>
+          </a:p>
+        </p:txBody>
+      </p:sp>
+    </p:spTree>
+    <p:extLst>
+      <p:ext uri="{BB962C8B-B14F-4D97-AF65-F5344CB8AC3E}">
+        <p14:creationId xmlns:p14="http://schemas.microsoft.com/office/powerpoint/2010/main" val="2491883306"/>
+      </p:ext>
+    </p:extLst>
+  </p:cSld>
+  <p:clrMapOvr>
+    <a:masterClrMapping/>
+  </p:clrMapOvr>
+</p:notes>
+</file>
+
+<file path=ppt/notesSlides/notesSlide3.xml><?xml version="1.0" encoding="utf-8"?>
+<p:notes xmlns:a="http://schemas.openxmlformats.org/drawingml/2006/main" xmlns:r="http://schemas.openxmlformats.org/officeDocument/2006/relationships" xmlns:p="http://schemas.openxmlformats.org/presentationml/2006/main">
+  <p:cSld>
+    <p:spTree>
+      <p:nvGrpSpPr>
+        <p:cNvPr id="1" name=""/>
+        <p:cNvGrpSpPr/>
+        <p:nvPr/>
+      </p:nvGrpSpPr>
+      <p:grpSpPr>
+        <a:xfrm>
+          <a:off x="0" y="0"/>
+          <a:ext cx="0" cy="0"/>
+          <a:chOff x="0" y="0"/>
+          <a:chExt cx="0" cy="0"/>
+        </a:xfrm>
+      </p:grpSpPr>
+      <p:sp>
+        <p:nvSpPr>
+          <p:cNvPr id="2" name="Slide Image Placeholder 1"/>
+          <p:cNvSpPr>
+            <a:spLocks noGrp="1" noRot="1" noChangeAspect="1"/>
+          </p:cNvSpPr>
+          <p:nvPr>
+            <p:ph type="sldImg"/>
+          </p:nvPr>
+        </p:nvSpPr>
+        <p:spPr/>
+      </p:sp>
+      <p:sp>
+        <p:nvSpPr>
+          <p:cNvPr id="3" name="Notes Placeholder 2"/>
+          <p:cNvSpPr>
+            <a:spLocks noGrp="1"/>
+          </p:cNvSpPr>
+          <p:nvPr>
+            <p:ph type="body" idx="1"/>
+          </p:nvPr>
+        </p:nvSpPr>
+        <p:spPr/>
+        <p:txBody>
+          <a:bodyPr/>
+          <a:lstStyle/>
+          <a:p>
+            <a:endParaRPr lang="en-KR"/>
+          </a:p>
+        </p:txBody>
+      </p:sp>
+      <p:sp>
+        <p:nvSpPr>
+          <p:cNvPr id="4" name="Slide Number Placeholder 3"/>
+          <p:cNvSpPr>
+            <a:spLocks noGrp="1"/>
+          </p:cNvSpPr>
+          <p:nvPr>
+            <p:ph type="sldNum" sz="quarter" idx="5"/>
+          </p:nvPr>
+        </p:nvSpPr>
+        <p:spPr/>
+        <p:txBody>
+          <a:bodyPr/>
+          <a:lstStyle/>
+          <a:p>
+            <a:fld id="{BA5DFA43-8D57-47FB-BC46-057616015C3B}" type="slidenum">
+              <a:rPr lang="ko-KR" altLang="en-US" smtClean="0"/>
+              <a:t>4</a:t>
+            </a:fld>
+            <a:endParaRPr lang="ko-KR" altLang="en-US"/>
+          </a:p>
+        </p:txBody>
+      </p:sp>
+    </p:spTree>
+    <p:extLst>
+      <p:ext uri="{BB962C8B-B14F-4D97-AF65-F5344CB8AC3E}">
+        <p14:creationId xmlns:p14="http://schemas.microsoft.com/office/powerpoint/2010/main" val="1934986500"/>
+      </p:ext>
+    </p:extLst>
+  </p:cSld>
+  <p:clrMapOvr>
+    <a:masterClrMapping/>
+  </p:clrMapOvr>
+</p:notes>
+</file>
+
+<file path=ppt/notesSlides/notesSlide4.xml><?xml version="1.0" encoding="utf-8"?>
+<p:notes xmlns:a="http://schemas.openxmlformats.org/drawingml/2006/main" xmlns:r="http://schemas.openxmlformats.org/officeDocument/2006/relationships" xmlns:p="http://schemas.openxmlformats.org/presentationml/2006/main">
+  <p:cSld>
+    <p:spTree>
+      <p:nvGrpSpPr>
+        <p:cNvPr id="1" name=""/>
+        <p:cNvGrpSpPr/>
+        <p:nvPr/>
+      </p:nvGrpSpPr>
+      <p:grpSpPr>
+        <a:xfrm>
+          <a:off x="0" y="0"/>
+          <a:ext cx="0" cy="0"/>
+          <a:chOff x="0" y="0"/>
+          <a:chExt cx="0" cy="0"/>
+        </a:xfrm>
+      </p:grpSpPr>
+      <p:sp>
+        <p:nvSpPr>
+          <p:cNvPr id="2" name="Slide Image Placeholder 1"/>
+          <p:cNvSpPr>
+            <a:spLocks noGrp="1" noRot="1" noChangeAspect="1"/>
+          </p:cNvSpPr>
+          <p:nvPr>
+            <p:ph type="sldImg"/>
+          </p:nvPr>
+        </p:nvSpPr>
+        <p:spPr/>
+      </p:sp>
+      <p:sp>
+        <p:nvSpPr>
+          <p:cNvPr id="3" name="Notes Placeholder 2"/>
+          <p:cNvSpPr>
+            <a:spLocks noGrp="1"/>
+          </p:cNvSpPr>
+          <p:nvPr>
+            <p:ph type="body" idx="1"/>
+          </p:nvPr>
+        </p:nvSpPr>
+        <p:spPr/>
+        <p:txBody>
+          <a:bodyPr/>
+          <a:lstStyle/>
+          <a:p>
+            <a:endParaRPr lang="en-KR"/>
+          </a:p>
+        </p:txBody>
+      </p:sp>
+      <p:sp>
+        <p:nvSpPr>
+          <p:cNvPr id="4" name="Slide Number Placeholder 3"/>
+          <p:cNvSpPr>
+            <a:spLocks noGrp="1"/>
+          </p:cNvSpPr>
+          <p:nvPr>
+            <p:ph type="sldNum" sz="quarter" idx="5"/>
+          </p:nvPr>
+        </p:nvSpPr>
+        <p:spPr/>
+        <p:txBody>
+          <a:bodyPr/>
+          <a:lstStyle/>
+          <a:p>
+            <a:fld id="{BA5DFA43-8D57-47FB-BC46-057616015C3B}" type="slidenum">
+              <a:rPr lang="ko-KR" altLang="en-US" smtClean="0"/>
+              <a:t>5</a:t>
+            </a:fld>
+            <a:endParaRPr lang="ko-KR" altLang="en-US"/>
+          </a:p>
+        </p:txBody>
+      </p:sp>
+    </p:spTree>
+    <p:extLst>
+      <p:ext uri="{BB962C8B-B14F-4D97-AF65-F5344CB8AC3E}">
+        <p14:creationId xmlns:p14="http://schemas.microsoft.com/office/powerpoint/2010/main" val="2074380990"/>
+      </p:ext>
+    </p:extLst>
+  </p:cSld>
+  <p:clrMapOvr>
+    <a:masterClrMapping/>
+  </p:clrMapOvr>
+</p:notes>
+</file>
+
 <file path=ppt/slideLayouts/slideLayout1.xml><?xml version="1.0" encoding="utf-8"?>
 <p:sldLayout xmlns:a="http://schemas.openxmlformats.org/drawingml/2006/main" xmlns:r="http://schemas.openxmlformats.org/officeDocument/2006/relationships" xmlns:p="http://schemas.openxmlformats.org/presentationml/2006/main" type="title" preserve="1">
   <p:cSld name="제목 슬라이드">
@@ -659,7 +1001,7 @@
           <a:p>
             <a:fld id="{FB30EDBD-1C2D-4C1E-B459-B60219FAB484}" type="datetimeFigureOut">
               <a:rPr lang="ko-KR" altLang="en-US" smtClean="0"/>
-              <a:t>2020-09-24</a:t>
+              <a:t>2025. 4. 27.</a:t>
             </a:fld>
             <a:endParaRPr lang="ko-KR" altLang="en-US"/>
           </a:p>
@@ -822,7 +1164,7 @@
           <a:p>
             <a:fld id="{FB30EDBD-1C2D-4C1E-B459-B60219FAB484}" type="datetimeFigureOut">
               <a:rPr lang="ko-KR" altLang="en-US" smtClean="0"/>
-              <a:t>2020-09-24</a:t>
+              <a:t>2025. 4. 27.</a:t>
             </a:fld>
             <a:endParaRPr lang="ko-KR" altLang="en-US"/>
           </a:p>
@@ -995,7 +1337,7 @@
           <a:p>
             <a:fld id="{FB30EDBD-1C2D-4C1E-B459-B60219FAB484}" type="datetimeFigureOut">
               <a:rPr lang="ko-KR" altLang="en-US" smtClean="0"/>
-              <a:t>2020-09-24</a:t>
+              <a:t>2025. 4. 27.</a:t>
             </a:fld>
             <a:endParaRPr lang="ko-KR" altLang="en-US"/>
           </a:p>
@@ -1158,7 +1500,7 @@
           <a:p>
             <a:fld id="{FB30EDBD-1C2D-4C1E-B459-B60219FAB484}" type="datetimeFigureOut">
               <a:rPr lang="ko-KR" altLang="en-US" smtClean="0"/>
-              <a:t>2020-09-24</a:t>
+              <a:t>2025. 4. 27.</a:t>
             </a:fld>
             <a:endParaRPr lang="ko-KR" altLang="en-US"/>
           </a:p>
@@ -1398,7 +1740,7 @@
           <a:p>
             <a:fld id="{FB30EDBD-1C2D-4C1E-B459-B60219FAB484}" type="datetimeFigureOut">
               <a:rPr lang="ko-KR" altLang="en-US" smtClean="0"/>
-              <a:t>2020-09-24</a:t>
+              <a:t>2025. 4. 27.</a:t>
             </a:fld>
             <a:endParaRPr lang="ko-KR" altLang="en-US"/>
           </a:p>
@@ -1678,7 +2020,7 @@
           <a:p>
             <a:fld id="{FB30EDBD-1C2D-4C1E-B459-B60219FAB484}" type="datetimeFigureOut">
               <a:rPr lang="ko-KR" altLang="en-US" smtClean="0"/>
-              <a:t>2020-09-24</a:t>
+              <a:t>2025. 4. 27.</a:t>
             </a:fld>
             <a:endParaRPr lang="ko-KR" altLang="en-US"/>
           </a:p>
@@ -2092,7 +2434,7 @@
           <a:p>
             <a:fld id="{FB30EDBD-1C2D-4C1E-B459-B60219FAB484}" type="datetimeFigureOut">
               <a:rPr lang="ko-KR" altLang="en-US" smtClean="0"/>
-              <a:t>2020-09-24</a:t>
+              <a:t>2025. 4. 27.</a:t>
             </a:fld>
             <a:endParaRPr lang="ko-KR" altLang="en-US"/>
           </a:p>
@@ -2204,7 +2546,7 @@
           <a:p>
             <a:fld id="{FB30EDBD-1C2D-4C1E-B459-B60219FAB484}" type="datetimeFigureOut">
               <a:rPr lang="ko-KR" altLang="en-US" smtClean="0"/>
-              <a:t>2020-09-24</a:t>
+              <a:t>2025. 4. 27.</a:t>
             </a:fld>
             <a:endParaRPr lang="ko-KR" altLang="en-US"/>
           </a:p>
@@ -2294,7 +2636,7 @@
           <a:p>
             <a:fld id="{FB30EDBD-1C2D-4C1E-B459-B60219FAB484}" type="datetimeFigureOut">
               <a:rPr lang="ko-KR" altLang="en-US" smtClean="0"/>
-              <a:t>2020-09-24</a:t>
+              <a:t>2025. 4. 27.</a:t>
             </a:fld>
             <a:endParaRPr lang="ko-KR" altLang="en-US"/>
           </a:p>
@@ -2564,7 +2906,7 @@
           <a:p>
             <a:fld id="{FB30EDBD-1C2D-4C1E-B459-B60219FAB484}" type="datetimeFigureOut">
               <a:rPr lang="ko-KR" altLang="en-US" smtClean="0"/>
-              <a:t>2020-09-24</a:t>
+              <a:t>2025. 4. 27.</a:t>
             </a:fld>
             <a:endParaRPr lang="ko-KR" altLang="en-US"/>
           </a:p>
@@ -2811,7 +3153,7 @@
           <a:p>
             <a:fld id="{FB30EDBD-1C2D-4C1E-B459-B60219FAB484}" type="datetimeFigureOut">
               <a:rPr lang="ko-KR" altLang="en-US" smtClean="0"/>
-              <a:t>2020-09-24</a:t>
+              <a:t>2025. 4. 27.</a:t>
             </a:fld>
             <a:endParaRPr lang="ko-KR" altLang="en-US"/>
           </a:p>
@@ -3017,7 +3359,7 @@
           <a:p>
             <a:fld id="{FB30EDBD-1C2D-4C1E-B459-B60219FAB484}" type="datetimeFigureOut">
               <a:rPr lang="ko-KR" altLang="en-US" smtClean="0"/>
-              <a:t>2020-09-24</a:t>
+              <a:t>2025. 4. 27.</a:t>
             </a:fld>
             <a:endParaRPr lang="ko-KR" altLang="en-US"/>
           </a:p>
@@ -3389,10 +3731,10 @@
       </p:grpSpPr>
       <p:sp>
         <p:nvSpPr>
-          <p:cNvPr id="33" name="사각형: 둥근 모서리 32">
-            <a:extLst>
-              <a:ext uri="{FF2B5EF4-FFF2-40B4-BE49-F238E27FC236}">
-                <a16:creationId xmlns:a16="http://schemas.microsoft.com/office/drawing/2014/main" id="{DC11C9C1-1BEB-4DD2-ADD8-9092EE5997B8}"/>
+          <p:cNvPr id="84" name="사각형: 둥근 모서리 83">
+            <a:extLst>
+              <a:ext uri="{FF2B5EF4-FFF2-40B4-BE49-F238E27FC236}">
+                <a16:creationId xmlns:a16="http://schemas.microsoft.com/office/drawing/2014/main" id="{32714130-B837-4076-A581-218296D0A3C2}"/>
               </a:ext>
             </a:extLst>
           </p:cNvPr>
@@ -3401,15 +3743,66 @@
         </p:nvSpPr>
         <p:spPr>
           <a:xfrm>
-            <a:off x="5502168" y="1474559"/>
-            <a:ext cx="1439500" cy="449119"/>
+            <a:off x="971600" y="2536642"/>
+            <a:ext cx="3168352" cy="1800200"/>
           </a:xfrm>
           <a:prstGeom prst="roundRect">
             <a:avLst>
-              <a:gd name="adj" fmla="val 9318"/>
-            </a:avLst>
-          </a:prstGeom>
-          <a:ln>
+              <a:gd name="adj" fmla="val 4007"/>
+            </a:avLst>
+          </a:prstGeom>
+          <a:ln w="12700"/>
+        </p:spPr>
+        <p:style>
+          <a:lnRef idx="2">
+            <a:schemeClr val="dk1"/>
+          </a:lnRef>
+          <a:fillRef idx="1">
+            <a:schemeClr val="lt1"/>
+          </a:fillRef>
+          <a:effectRef idx="0">
+            <a:schemeClr val="dk1"/>
+          </a:effectRef>
+          <a:fontRef idx="minor">
+            <a:schemeClr val="dk1"/>
+          </a:fontRef>
+        </p:style>
+        <p:txBody>
+          <a:bodyPr rtlCol="0" anchor="b"/>
+          <a:lstStyle/>
+          <a:p>
+            <a:pPr algn="ctr"/>
+            <a:r>
+              <a:rPr lang="en-US" altLang="ko-KR" sz="1200"/>
+              <a:t>Worker Node</a:t>
+            </a:r>
+            <a:endParaRPr lang="ko-KR" altLang="en-US" sz="1200"/>
+          </a:p>
+        </p:txBody>
+      </p:sp>
+      <p:sp>
+        <p:nvSpPr>
+          <p:cNvPr id="85" name="사각형: 둥근 모서리 84">
+            <a:extLst>
+              <a:ext uri="{FF2B5EF4-FFF2-40B4-BE49-F238E27FC236}">
+                <a16:creationId xmlns:a16="http://schemas.microsoft.com/office/drawing/2014/main" id="{EA53FE2B-0A6D-49AD-9710-62B141CD003A}"/>
+              </a:ext>
+            </a:extLst>
+          </p:cNvPr>
+          <p:cNvSpPr/>
+          <p:nvPr/>
+        </p:nvSpPr>
+        <p:spPr>
+          <a:xfrm>
+            <a:off x="2608684" y="2623974"/>
+            <a:ext cx="1439500" cy="1352828"/>
+          </a:xfrm>
+          <a:prstGeom prst="roundRect">
+            <a:avLst>
+              <a:gd name="adj" fmla="val 6172"/>
+            </a:avLst>
+          </a:prstGeom>
+          <a:ln w="12700">
             <a:solidFill>
               <a:schemeClr val="tx1"/>
             </a:solidFill>
@@ -3430,30 +3823,23 @@
           </a:fontRef>
         </p:style>
         <p:txBody>
-          <a:bodyPr rtlCol="0" anchor="t"/>
+          <a:bodyPr rtlCol="0" anchor="b"/>
           <a:lstStyle/>
           <a:p>
             <a:pPr algn="ctr"/>
             <a:r>
               <a:rPr lang="en-US" altLang="ko-KR" sz="1200"/>
-              <a:t>CoreDNS Service</a:t>
-            </a:r>
-          </a:p>
-          <a:p>
-            <a:pPr algn="ctr"/>
-            <a:r>
-              <a:rPr lang="en-US" altLang="ko-KR" sz="1200"/>
-              <a:t>10.96.0.10</a:t>
-            </a:r>
-          </a:p>
-        </p:txBody>
-      </p:sp>
-      <p:sp>
-        <p:nvSpPr>
-          <p:cNvPr id="47" name="사각형: 둥근 모서리 46">
-            <a:extLst>
-              <a:ext uri="{FF2B5EF4-FFF2-40B4-BE49-F238E27FC236}">
-                <a16:creationId xmlns:a16="http://schemas.microsoft.com/office/drawing/2014/main" id="{1D72265D-3716-4CA6-9E4F-2FDC3EDBDEDF}"/>
+              <a:t>CoreDNS Pod</a:t>
+            </a:r>
+          </a:p>
+        </p:txBody>
+      </p:sp>
+      <p:sp>
+        <p:nvSpPr>
+          <p:cNvPr id="86" name="사각형: 둥근 모서리 85">
+            <a:extLst>
+              <a:ext uri="{FF2B5EF4-FFF2-40B4-BE49-F238E27FC236}">
+                <a16:creationId xmlns:a16="http://schemas.microsoft.com/office/drawing/2014/main" id="{4402F469-A30C-4F03-B350-302F8FB08D71}"/>
               </a:ext>
             </a:extLst>
           </p:cNvPr>
@@ -3462,65 +3848,15 @@
         </p:nvSpPr>
         <p:spPr>
           <a:xfrm>
-            <a:off x="2107877" y="1162792"/>
-            <a:ext cx="1603346" cy="832894"/>
+            <a:off x="1120303" y="3577902"/>
+            <a:ext cx="1296144" cy="397851"/>
           </a:xfrm>
           <a:prstGeom prst="roundRect">
             <a:avLst>
-              <a:gd name="adj" fmla="val 8959"/>
-            </a:avLst>
-          </a:prstGeom>
-        </p:spPr>
-        <p:style>
-          <a:lnRef idx="2">
-            <a:schemeClr val="dk1"/>
-          </a:lnRef>
-          <a:fillRef idx="1">
-            <a:schemeClr val="lt1"/>
-          </a:fillRef>
-          <a:effectRef idx="0">
-            <a:schemeClr val="dk1"/>
-          </a:effectRef>
-          <a:fontRef idx="minor">
-            <a:schemeClr val="dk1"/>
-          </a:fontRef>
-        </p:style>
-        <p:txBody>
-          <a:bodyPr rtlCol="0" anchor="t"/>
-          <a:lstStyle/>
-          <a:p>
-            <a:pPr algn="ctr"/>
-            <a:r>
-              <a:rPr lang="en-US" altLang="ko-KR" sz="1400" b="1"/>
-              <a:t>Master Node</a:t>
-            </a:r>
-            <a:endParaRPr lang="ko-KR" altLang="en-US" sz="1400" b="1"/>
-          </a:p>
-        </p:txBody>
-      </p:sp>
-      <p:sp>
-        <p:nvSpPr>
-          <p:cNvPr id="54" name="사각형: 둥근 모서리 53">
-            <a:extLst>
-              <a:ext uri="{FF2B5EF4-FFF2-40B4-BE49-F238E27FC236}">
-                <a16:creationId xmlns:a16="http://schemas.microsoft.com/office/drawing/2014/main" id="{CBFBD54E-577A-4E12-B1EA-CA94261F39D0}"/>
-              </a:ext>
-            </a:extLst>
-          </p:cNvPr>
-          <p:cNvSpPr/>
-          <p:nvPr/>
-        </p:nvSpPr>
-        <p:spPr>
-          <a:xfrm>
-            <a:off x="2261808" y="1522832"/>
-            <a:ext cx="1295484" cy="379509"/>
-          </a:xfrm>
-          <a:prstGeom prst="roundRect">
-            <a:avLst>
               <a:gd name="adj" fmla="val 9318"/>
             </a:avLst>
           </a:prstGeom>
-          <a:ln>
+          <a:ln w="12700">
             <a:solidFill>
               <a:schemeClr val="tx1"/>
             </a:solidFill>
@@ -3546,6 +3882,1513 @@
           <a:p>
             <a:pPr algn="ctr"/>
             <a:r>
+              <a:rPr lang="en-US" altLang="ko-KR" sz="1100" b="1">
+                <a:solidFill>
+                  <a:schemeClr val="accent3"/>
+                </a:solidFill>
+              </a:rPr>
+              <a:t>8.8.8.8</a:t>
+            </a:r>
+          </a:p>
+          <a:p>
+            <a:pPr algn="ctr"/>
+            <a:r>
+              <a:rPr lang="en-US" altLang="ko-KR" sz="1100"/>
+              <a:t>/etc/resolv.conf</a:t>
+            </a:r>
+            <a:endParaRPr lang="ko-KR" altLang="en-US" sz="1100"/>
+          </a:p>
+        </p:txBody>
+      </p:sp>
+      <p:sp>
+        <p:nvSpPr>
+          <p:cNvPr id="87" name="사각형: 둥근 모서리 86">
+            <a:extLst>
+              <a:ext uri="{FF2B5EF4-FFF2-40B4-BE49-F238E27FC236}">
+                <a16:creationId xmlns:a16="http://schemas.microsoft.com/office/drawing/2014/main" id="{9AB0A42E-64B9-43ED-AE71-B6B1024FABCE}"/>
+              </a:ext>
+            </a:extLst>
+          </p:cNvPr>
+          <p:cNvSpPr/>
+          <p:nvPr/>
+        </p:nvSpPr>
+        <p:spPr>
+          <a:xfrm>
+            <a:off x="2680362" y="3260795"/>
+            <a:ext cx="1296144" cy="397851"/>
+          </a:xfrm>
+          <a:prstGeom prst="roundRect">
+            <a:avLst>
+              <a:gd name="adj" fmla="val 9318"/>
+            </a:avLst>
+          </a:prstGeom>
+          <a:ln w="12700">
+            <a:solidFill>
+              <a:schemeClr val="tx1"/>
+            </a:solidFill>
+          </a:ln>
+        </p:spPr>
+        <p:style>
+          <a:lnRef idx="2">
+            <a:schemeClr val="dk1"/>
+          </a:lnRef>
+          <a:fillRef idx="1">
+            <a:schemeClr val="lt1"/>
+          </a:fillRef>
+          <a:effectRef idx="0">
+            <a:schemeClr val="dk1"/>
+          </a:effectRef>
+          <a:fontRef idx="minor">
+            <a:schemeClr val="dk1"/>
+          </a:fontRef>
+        </p:style>
+        <p:txBody>
+          <a:bodyPr rtlCol="0" anchor="ctr"/>
+          <a:lstStyle/>
+          <a:p>
+            <a:pPr algn="ctr"/>
+            <a:r>
+              <a:rPr lang="en-US" altLang="ko-KR" sz="1100" b="1">
+                <a:solidFill>
+                  <a:schemeClr val="accent3"/>
+                </a:solidFill>
+              </a:rPr>
+              <a:t>8.8.8.8</a:t>
+            </a:r>
+          </a:p>
+          <a:p>
+            <a:pPr algn="ctr"/>
+            <a:r>
+              <a:rPr lang="en-US" altLang="ko-KR" sz="1100"/>
+              <a:t>/etc/resolv.conf</a:t>
+            </a:r>
+            <a:endParaRPr lang="ko-KR" altLang="en-US" sz="1100"/>
+          </a:p>
+        </p:txBody>
+      </p:sp>
+      <p:sp>
+        <p:nvSpPr>
+          <p:cNvPr id="88" name="사각형: 둥근 모서리 87">
+            <a:extLst>
+              <a:ext uri="{FF2B5EF4-FFF2-40B4-BE49-F238E27FC236}">
+                <a16:creationId xmlns:a16="http://schemas.microsoft.com/office/drawing/2014/main" id="{DFF6966F-BE93-4498-8665-127FC560470D}"/>
+              </a:ext>
+            </a:extLst>
+          </p:cNvPr>
+          <p:cNvSpPr/>
+          <p:nvPr/>
+        </p:nvSpPr>
+        <p:spPr>
+          <a:xfrm>
+            <a:off x="1049769" y="2623975"/>
+            <a:ext cx="1439500" cy="776763"/>
+          </a:xfrm>
+          <a:prstGeom prst="roundRect">
+            <a:avLst>
+              <a:gd name="adj" fmla="val 9318"/>
+            </a:avLst>
+          </a:prstGeom>
+          <a:ln w="12700">
+            <a:solidFill>
+              <a:schemeClr val="tx1"/>
+            </a:solidFill>
+          </a:ln>
+        </p:spPr>
+        <p:style>
+          <a:lnRef idx="2">
+            <a:schemeClr val="dk1"/>
+          </a:lnRef>
+          <a:fillRef idx="1">
+            <a:schemeClr val="lt1"/>
+          </a:fillRef>
+          <a:effectRef idx="0">
+            <a:schemeClr val="dk1"/>
+          </a:effectRef>
+          <a:fontRef idx="minor">
+            <a:schemeClr val="dk1"/>
+          </a:fontRef>
+        </p:style>
+        <p:txBody>
+          <a:bodyPr rtlCol="0" anchor="b"/>
+          <a:lstStyle/>
+          <a:p>
+            <a:pPr algn="ctr"/>
+            <a:r>
+              <a:rPr lang="en-US" altLang="ko-KR" sz="1200"/>
+              <a:t>Pod</a:t>
+            </a:r>
+          </a:p>
+        </p:txBody>
+      </p:sp>
+      <p:sp>
+        <p:nvSpPr>
+          <p:cNvPr id="89" name="사각형: 둥근 모서리 88">
+            <a:extLst>
+              <a:ext uri="{FF2B5EF4-FFF2-40B4-BE49-F238E27FC236}">
+                <a16:creationId xmlns:a16="http://schemas.microsoft.com/office/drawing/2014/main" id="{D273A666-2B5E-415E-8A01-A0A441D1B3C5}"/>
+              </a:ext>
+            </a:extLst>
+          </p:cNvPr>
+          <p:cNvSpPr/>
+          <p:nvPr/>
+        </p:nvSpPr>
+        <p:spPr>
+          <a:xfrm>
+            <a:off x="1121447" y="2709747"/>
+            <a:ext cx="1296144" cy="397851"/>
+          </a:xfrm>
+          <a:prstGeom prst="roundRect">
+            <a:avLst>
+              <a:gd name="adj" fmla="val 9318"/>
+            </a:avLst>
+          </a:prstGeom>
+          <a:ln w="12700">
+            <a:solidFill>
+              <a:schemeClr val="tx1"/>
+            </a:solidFill>
+          </a:ln>
+        </p:spPr>
+        <p:style>
+          <a:lnRef idx="2">
+            <a:schemeClr val="dk1"/>
+          </a:lnRef>
+          <a:fillRef idx="1">
+            <a:schemeClr val="lt1"/>
+          </a:fillRef>
+          <a:effectRef idx="0">
+            <a:schemeClr val="dk1"/>
+          </a:effectRef>
+          <a:fontRef idx="minor">
+            <a:schemeClr val="dk1"/>
+          </a:fontRef>
+        </p:style>
+        <p:txBody>
+          <a:bodyPr rtlCol="0" anchor="ctr"/>
+          <a:lstStyle/>
+          <a:p>
+            <a:pPr algn="ctr"/>
+            <a:r>
+              <a:rPr lang="en-US" altLang="ko-KR" sz="1100" b="1">
+                <a:solidFill>
+                  <a:schemeClr val="tx2"/>
+                </a:solidFill>
+              </a:rPr>
+              <a:t>10.96.0.10</a:t>
+            </a:r>
+          </a:p>
+          <a:p>
+            <a:pPr algn="ctr"/>
+            <a:r>
+              <a:rPr lang="en-US" altLang="ko-KR" sz="1100"/>
+              <a:t>/etc/resolv.conf</a:t>
+            </a:r>
+            <a:endParaRPr lang="ko-KR" altLang="en-US" sz="1100"/>
+          </a:p>
+        </p:txBody>
+      </p:sp>
+      <p:sp>
+        <p:nvSpPr>
+          <p:cNvPr id="90" name="사각형: 둥근 모서리 89">
+            <a:extLst>
+              <a:ext uri="{FF2B5EF4-FFF2-40B4-BE49-F238E27FC236}">
+                <a16:creationId xmlns:a16="http://schemas.microsoft.com/office/drawing/2014/main" id="{53B6AE80-0E49-44EB-9444-D363F8A494F2}"/>
+              </a:ext>
+            </a:extLst>
+          </p:cNvPr>
+          <p:cNvSpPr/>
+          <p:nvPr/>
+        </p:nvSpPr>
+        <p:spPr>
+          <a:xfrm>
+            <a:off x="2680362" y="2982416"/>
+            <a:ext cx="1296144" cy="278379"/>
+          </a:xfrm>
+          <a:prstGeom prst="roundRect">
+            <a:avLst>
+              <a:gd name="adj" fmla="val 14823"/>
+            </a:avLst>
+          </a:prstGeom>
+          <a:ln w="12700">
+            <a:solidFill>
+              <a:schemeClr val="tx1"/>
+            </a:solidFill>
+          </a:ln>
+        </p:spPr>
+        <p:style>
+          <a:lnRef idx="2">
+            <a:schemeClr val="dk1"/>
+          </a:lnRef>
+          <a:fillRef idx="1">
+            <a:schemeClr val="lt1"/>
+          </a:fillRef>
+          <a:effectRef idx="0">
+            <a:schemeClr val="dk1"/>
+          </a:effectRef>
+          <a:fontRef idx="minor">
+            <a:schemeClr val="dk1"/>
+          </a:fontRef>
+        </p:style>
+        <p:txBody>
+          <a:bodyPr rtlCol="0" anchor="ctr"/>
+          <a:lstStyle/>
+          <a:p>
+            <a:pPr algn="ctr"/>
+            <a:r>
+              <a:rPr lang="en-US" altLang="ko-KR" sz="1100"/>
+              <a:t>CoreDNS Config</a:t>
+            </a:r>
+            <a:endParaRPr lang="ko-KR" altLang="en-US" sz="1100"/>
+          </a:p>
+        </p:txBody>
+      </p:sp>
+      <p:sp>
+        <p:nvSpPr>
+          <p:cNvPr id="91" name="사각형: 둥근 모서리 90">
+            <a:extLst>
+              <a:ext uri="{FF2B5EF4-FFF2-40B4-BE49-F238E27FC236}">
+                <a16:creationId xmlns:a16="http://schemas.microsoft.com/office/drawing/2014/main" id="{1DF497C8-EDFC-4771-A9B6-D420BC34F367}"/>
+              </a:ext>
+            </a:extLst>
+          </p:cNvPr>
+          <p:cNvSpPr/>
+          <p:nvPr/>
+        </p:nvSpPr>
+        <p:spPr>
+          <a:xfrm>
+            <a:off x="2680362" y="2703775"/>
+            <a:ext cx="1296144" cy="278379"/>
+          </a:xfrm>
+          <a:prstGeom prst="roundRect">
+            <a:avLst>
+              <a:gd name="adj" fmla="val 14823"/>
+            </a:avLst>
+          </a:prstGeom>
+          <a:ln w="12700">
+            <a:solidFill>
+              <a:schemeClr val="tx1"/>
+            </a:solidFill>
+          </a:ln>
+        </p:spPr>
+        <p:style>
+          <a:lnRef idx="2">
+            <a:schemeClr val="dk1"/>
+          </a:lnRef>
+          <a:fillRef idx="1">
+            <a:schemeClr val="lt1"/>
+          </a:fillRef>
+          <a:effectRef idx="0">
+            <a:schemeClr val="dk1"/>
+          </a:effectRef>
+          <a:fontRef idx="minor">
+            <a:schemeClr val="dk1"/>
+          </a:fontRef>
+        </p:style>
+        <p:txBody>
+          <a:bodyPr rtlCol="0" anchor="ctr"/>
+          <a:lstStyle/>
+          <a:p>
+            <a:pPr algn="ctr"/>
+            <a:r>
+              <a:rPr lang="en-US" altLang="ko-KR" sz="1100" b="1"/>
+              <a:t>CoreDNS</a:t>
+            </a:r>
+            <a:endParaRPr lang="ko-KR" altLang="en-US" sz="1100" b="1"/>
+          </a:p>
+        </p:txBody>
+      </p:sp>
+      <p:sp>
+        <p:nvSpPr>
+          <p:cNvPr id="123" name="사각형: 둥근 모서리 2">
+            <a:extLst>
+              <a:ext uri="{FF2B5EF4-FFF2-40B4-BE49-F238E27FC236}">
+                <a16:creationId xmlns:a16="http://schemas.microsoft.com/office/drawing/2014/main" id="{CEFB6033-FC9D-D14D-92D5-D30D8E637F58}"/>
+              </a:ext>
+            </a:extLst>
+          </p:cNvPr>
+          <p:cNvSpPr/>
+          <p:nvPr/>
+        </p:nvSpPr>
+        <p:spPr>
+          <a:xfrm>
+            <a:off x="971600" y="846923"/>
+            <a:ext cx="3168352" cy="1224695"/>
+          </a:xfrm>
+          <a:prstGeom prst="roundRect">
+            <a:avLst>
+              <a:gd name="adj" fmla="val 4007"/>
+            </a:avLst>
+          </a:prstGeom>
+          <a:ln w="12700"/>
+        </p:spPr>
+        <p:style>
+          <a:lnRef idx="2">
+            <a:schemeClr val="dk1"/>
+          </a:lnRef>
+          <a:fillRef idx="1">
+            <a:schemeClr val="lt1"/>
+          </a:fillRef>
+          <a:effectRef idx="0">
+            <a:schemeClr val="dk1"/>
+          </a:effectRef>
+          <a:fontRef idx="minor">
+            <a:schemeClr val="dk1"/>
+          </a:fontRef>
+        </p:style>
+        <p:txBody>
+          <a:bodyPr rtlCol="0" anchor="t"/>
+          <a:lstStyle/>
+          <a:p>
+            <a:pPr algn="ctr"/>
+            <a:r>
+              <a:rPr lang="en-US" altLang="ko-KR" sz="1200"/>
+              <a:t>Worker Node</a:t>
+            </a:r>
+            <a:endParaRPr lang="ko-KR" altLang="en-US" sz="1200"/>
+          </a:p>
+        </p:txBody>
+      </p:sp>
+      <p:sp>
+        <p:nvSpPr>
+          <p:cNvPr id="127" name="사각형: 둥근 모서리 23">
+            <a:extLst>
+              <a:ext uri="{FF2B5EF4-FFF2-40B4-BE49-F238E27FC236}">
+                <a16:creationId xmlns:a16="http://schemas.microsoft.com/office/drawing/2014/main" id="{7865F93E-9A39-2A4F-8C04-B98542397C14}"/>
+              </a:ext>
+            </a:extLst>
+          </p:cNvPr>
+          <p:cNvSpPr/>
+          <p:nvPr/>
+        </p:nvSpPr>
+        <p:spPr>
+          <a:xfrm>
+            <a:off x="2608684" y="1207523"/>
+            <a:ext cx="1439500" cy="776763"/>
+          </a:xfrm>
+          <a:prstGeom prst="roundRect">
+            <a:avLst>
+              <a:gd name="adj" fmla="val 9318"/>
+            </a:avLst>
+          </a:prstGeom>
+          <a:ln w="12700">
+            <a:solidFill>
+              <a:schemeClr val="tx1"/>
+            </a:solidFill>
+          </a:ln>
+        </p:spPr>
+        <p:style>
+          <a:lnRef idx="2">
+            <a:schemeClr val="dk1"/>
+          </a:lnRef>
+          <a:fillRef idx="1">
+            <a:schemeClr val="lt1"/>
+          </a:fillRef>
+          <a:effectRef idx="0">
+            <a:schemeClr val="dk1"/>
+          </a:effectRef>
+          <a:fontRef idx="minor">
+            <a:schemeClr val="dk1"/>
+          </a:fontRef>
+        </p:style>
+        <p:txBody>
+          <a:bodyPr rtlCol="0" anchor="b"/>
+          <a:lstStyle/>
+          <a:p>
+            <a:pPr algn="ctr"/>
+            <a:r>
+              <a:rPr lang="en-US" altLang="ko-KR" sz="1200"/>
+              <a:t>Pod</a:t>
+            </a:r>
+          </a:p>
+        </p:txBody>
+      </p:sp>
+      <p:sp>
+        <p:nvSpPr>
+          <p:cNvPr id="128" name="사각형: 둥근 모서리 24">
+            <a:extLst>
+              <a:ext uri="{FF2B5EF4-FFF2-40B4-BE49-F238E27FC236}">
+                <a16:creationId xmlns:a16="http://schemas.microsoft.com/office/drawing/2014/main" id="{E429823E-A993-F744-AA6C-308663B66434}"/>
+              </a:ext>
+            </a:extLst>
+          </p:cNvPr>
+          <p:cNvSpPr/>
+          <p:nvPr/>
+        </p:nvSpPr>
+        <p:spPr>
+          <a:xfrm>
+            <a:off x="2680362" y="1293295"/>
+            <a:ext cx="1296144" cy="397851"/>
+          </a:xfrm>
+          <a:prstGeom prst="roundRect">
+            <a:avLst>
+              <a:gd name="adj" fmla="val 9318"/>
+            </a:avLst>
+          </a:prstGeom>
+          <a:ln w="12700">
+            <a:solidFill>
+              <a:schemeClr val="tx1"/>
+            </a:solidFill>
+          </a:ln>
+        </p:spPr>
+        <p:style>
+          <a:lnRef idx="2">
+            <a:schemeClr val="dk1"/>
+          </a:lnRef>
+          <a:fillRef idx="1">
+            <a:schemeClr val="lt1"/>
+          </a:fillRef>
+          <a:effectRef idx="0">
+            <a:schemeClr val="dk1"/>
+          </a:effectRef>
+          <a:fontRef idx="minor">
+            <a:schemeClr val="dk1"/>
+          </a:fontRef>
+        </p:style>
+        <p:txBody>
+          <a:bodyPr rtlCol="0" anchor="ctr"/>
+          <a:lstStyle/>
+          <a:p>
+            <a:pPr algn="ctr"/>
+            <a:r>
+              <a:rPr lang="en-US" altLang="ko-KR" sz="1100" b="1">
+                <a:solidFill>
+                  <a:schemeClr val="tx2"/>
+                </a:solidFill>
+              </a:rPr>
+              <a:t>10.96.0.10</a:t>
+            </a:r>
+          </a:p>
+          <a:p>
+            <a:pPr algn="ctr"/>
+            <a:r>
+              <a:rPr lang="en-US" altLang="ko-KR" sz="1100"/>
+              <a:t>/etc/resolv.conf</a:t>
+            </a:r>
+            <a:endParaRPr lang="ko-KR" altLang="en-US" sz="1100"/>
+          </a:p>
+        </p:txBody>
+      </p:sp>
+      <p:sp>
+        <p:nvSpPr>
+          <p:cNvPr id="131" name="사각형: 둥근 모서리 23">
+            <a:extLst>
+              <a:ext uri="{FF2B5EF4-FFF2-40B4-BE49-F238E27FC236}">
+                <a16:creationId xmlns:a16="http://schemas.microsoft.com/office/drawing/2014/main" id="{0D2D6D9E-F133-CE4F-93A7-2F893893BDE7}"/>
+              </a:ext>
+            </a:extLst>
+          </p:cNvPr>
+          <p:cNvSpPr/>
+          <p:nvPr/>
+        </p:nvSpPr>
+        <p:spPr>
+          <a:xfrm>
+            <a:off x="1053214" y="1203997"/>
+            <a:ext cx="1439500" cy="776763"/>
+          </a:xfrm>
+          <a:prstGeom prst="roundRect">
+            <a:avLst>
+              <a:gd name="adj" fmla="val 9318"/>
+            </a:avLst>
+          </a:prstGeom>
+          <a:ln w="12700">
+            <a:solidFill>
+              <a:schemeClr val="tx1"/>
+            </a:solidFill>
+          </a:ln>
+        </p:spPr>
+        <p:style>
+          <a:lnRef idx="2">
+            <a:schemeClr val="dk1"/>
+          </a:lnRef>
+          <a:fillRef idx="1">
+            <a:schemeClr val="lt1"/>
+          </a:fillRef>
+          <a:effectRef idx="0">
+            <a:schemeClr val="dk1"/>
+          </a:effectRef>
+          <a:fontRef idx="minor">
+            <a:schemeClr val="dk1"/>
+          </a:fontRef>
+        </p:style>
+        <p:txBody>
+          <a:bodyPr rtlCol="0" anchor="b"/>
+          <a:lstStyle/>
+          <a:p>
+            <a:pPr algn="ctr"/>
+            <a:r>
+              <a:rPr lang="en-US" altLang="ko-KR" sz="1200"/>
+              <a:t>Pod</a:t>
+            </a:r>
+          </a:p>
+        </p:txBody>
+      </p:sp>
+      <p:sp>
+        <p:nvSpPr>
+          <p:cNvPr id="132" name="사각형: 둥근 모서리 24">
+            <a:extLst>
+              <a:ext uri="{FF2B5EF4-FFF2-40B4-BE49-F238E27FC236}">
+                <a16:creationId xmlns:a16="http://schemas.microsoft.com/office/drawing/2014/main" id="{906B07DC-8B28-6447-B14A-E8188F067B0D}"/>
+              </a:ext>
+            </a:extLst>
+          </p:cNvPr>
+          <p:cNvSpPr/>
+          <p:nvPr/>
+        </p:nvSpPr>
+        <p:spPr>
+          <a:xfrm>
+            <a:off x="1124892" y="1289769"/>
+            <a:ext cx="1296144" cy="397851"/>
+          </a:xfrm>
+          <a:prstGeom prst="roundRect">
+            <a:avLst>
+              <a:gd name="adj" fmla="val 9318"/>
+            </a:avLst>
+          </a:prstGeom>
+          <a:ln w="12700">
+            <a:solidFill>
+              <a:schemeClr val="tx1"/>
+            </a:solidFill>
+          </a:ln>
+        </p:spPr>
+        <p:style>
+          <a:lnRef idx="2">
+            <a:schemeClr val="dk1"/>
+          </a:lnRef>
+          <a:fillRef idx="1">
+            <a:schemeClr val="lt1"/>
+          </a:fillRef>
+          <a:effectRef idx="0">
+            <a:schemeClr val="dk1"/>
+          </a:effectRef>
+          <a:fontRef idx="minor">
+            <a:schemeClr val="dk1"/>
+          </a:fontRef>
+        </p:style>
+        <p:txBody>
+          <a:bodyPr rtlCol="0" anchor="ctr"/>
+          <a:lstStyle/>
+          <a:p>
+            <a:pPr algn="ctr"/>
+            <a:r>
+              <a:rPr lang="en-US" altLang="ko-KR" sz="1100" b="1">
+                <a:solidFill>
+                  <a:schemeClr val="tx2"/>
+                </a:solidFill>
+              </a:rPr>
+              <a:t>10.96.0.10</a:t>
+            </a:r>
+          </a:p>
+          <a:p>
+            <a:pPr algn="ctr"/>
+            <a:r>
+              <a:rPr lang="en-US" altLang="ko-KR" sz="1100"/>
+              <a:t>/etc/resolv.conf</a:t>
+            </a:r>
+            <a:endParaRPr lang="ko-KR" altLang="en-US" sz="1100"/>
+          </a:p>
+        </p:txBody>
+      </p:sp>
+      <p:cxnSp>
+        <p:nvCxnSpPr>
+          <p:cNvPr id="156" name="Elbow Connector 155">
+            <a:extLst>
+              <a:ext uri="{FF2B5EF4-FFF2-40B4-BE49-F238E27FC236}">
+                <a16:creationId xmlns:a16="http://schemas.microsoft.com/office/drawing/2014/main" id="{D96DF85A-558D-4C4A-AAE2-D45BB41EB306}"/>
+              </a:ext>
+            </a:extLst>
+          </p:cNvPr>
+          <p:cNvCxnSpPr>
+            <a:cxnSpLocks/>
+            <a:stCxn id="86" idx="3"/>
+            <a:endCxn id="87" idx="1"/>
+          </p:cNvCxnSpPr>
+          <p:nvPr/>
+        </p:nvCxnSpPr>
+        <p:spPr>
+          <a:xfrm flipV="1">
+            <a:off x="2416447" y="3459721"/>
+            <a:ext cx="263915" cy="317107"/>
+          </a:xfrm>
+          <a:prstGeom prst="bentConnector3">
+            <a:avLst>
+              <a:gd name="adj1" fmla="val 50000"/>
+            </a:avLst>
+          </a:prstGeom>
+          <a:ln w="12700">
+            <a:solidFill>
+              <a:schemeClr val="tx1"/>
+            </a:solidFill>
+            <a:prstDash val="dash"/>
+            <a:tailEnd type="triangle"/>
+          </a:ln>
+        </p:spPr>
+        <p:style>
+          <a:lnRef idx="1">
+            <a:schemeClr val="accent1"/>
+          </a:lnRef>
+          <a:fillRef idx="0">
+            <a:schemeClr val="accent1"/>
+          </a:fillRef>
+          <a:effectRef idx="0">
+            <a:schemeClr val="accent1"/>
+          </a:effectRef>
+          <a:fontRef idx="minor">
+            <a:schemeClr val="tx1"/>
+          </a:fontRef>
+        </p:style>
+      </p:cxnSp>
+      <p:cxnSp>
+        <p:nvCxnSpPr>
+          <p:cNvPr id="249" name="Elbow Connector 248">
+            <a:extLst>
+              <a:ext uri="{FF2B5EF4-FFF2-40B4-BE49-F238E27FC236}">
+                <a16:creationId xmlns:a16="http://schemas.microsoft.com/office/drawing/2014/main" id="{044FD7EC-4B72-2447-B9DF-219729942A6C}"/>
+              </a:ext>
+            </a:extLst>
+          </p:cNvPr>
+          <p:cNvCxnSpPr>
+            <a:cxnSpLocks/>
+            <a:stCxn id="89" idx="0"/>
+            <a:endCxn id="91" idx="0"/>
+          </p:cNvCxnSpPr>
+          <p:nvPr/>
+        </p:nvCxnSpPr>
+        <p:spPr>
+          <a:xfrm rot="5400000" flipH="1" flipV="1">
+            <a:off x="2545990" y="1927304"/>
+            <a:ext cx="5972" cy="1558915"/>
+          </a:xfrm>
+          <a:prstGeom prst="bentConnector3">
+            <a:avLst>
+              <a:gd name="adj1" fmla="val 3927863"/>
+            </a:avLst>
+          </a:prstGeom>
+          <a:ln w="12700">
+            <a:solidFill>
+              <a:schemeClr val="tx2"/>
+            </a:solidFill>
+            <a:tailEnd type="triangle"/>
+          </a:ln>
+        </p:spPr>
+        <p:style>
+          <a:lnRef idx="1">
+            <a:schemeClr val="accent1"/>
+          </a:lnRef>
+          <a:fillRef idx="0">
+            <a:schemeClr val="accent1"/>
+          </a:fillRef>
+          <a:effectRef idx="0">
+            <a:schemeClr val="accent1"/>
+          </a:effectRef>
+          <a:fontRef idx="minor">
+            <a:schemeClr val="tx1"/>
+          </a:fontRef>
+        </p:style>
+      </p:cxnSp>
+      <p:cxnSp>
+        <p:nvCxnSpPr>
+          <p:cNvPr id="254" name="직선 화살표 연결선 42">
+            <a:extLst>
+              <a:ext uri="{FF2B5EF4-FFF2-40B4-BE49-F238E27FC236}">
+                <a16:creationId xmlns:a16="http://schemas.microsoft.com/office/drawing/2014/main" id="{8F53E5A0-4FD2-DD48-B901-3B9140ADA02D}"/>
+              </a:ext>
+            </a:extLst>
+          </p:cNvPr>
+          <p:cNvCxnSpPr>
+            <a:cxnSpLocks/>
+            <a:stCxn id="89" idx="0"/>
+            <a:endCxn id="131" idx="2"/>
+          </p:cNvCxnSpPr>
+          <p:nvPr/>
+        </p:nvCxnSpPr>
+        <p:spPr>
+          <a:xfrm flipV="1">
+            <a:off x="1769519" y="1980760"/>
+            <a:ext cx="3445" cy="728987"/>
+          </a:xfrm>
+          <a:prstGeom prst="straightConnector1">
+            <a:avLst/>
+          </a:prstGeom>
+          <a:ln w="12700">
+            <a:solidFill>
+              <a:schemeClr val="tx2"/>
+            </a:solidFill>
+            <a:headEnd type="none" w="med" len="med"/>
+            <a:tailEnd type="none" w="med" len="med"/>
+          </a:ln>
+        </p:spPr>
+        <p:style>
+          <a:lnRef idx="1">
+            <a:schemeClr val="accent1"/>
+          </a:lnRef>
+          <a:fillRef idx="0">
+            <a:schemeClr val="accent1"/>
+          </a:fillRef>
+          <a:effectRef idx="0">
+            <a:schemeClr val="accent1"/>
+          </a:effectRef>
+          <a:fontRef idx="minor">
+            <a:schemeClr val="tx1"/>
+          </a:fontRef>
+        </p:style>
+      </p:cxnSp>
+      <p:cxnSp>
+        <p:nvCxnSpPr>
+          <p:cNvPr id="258" name="직선 화살표 연결선 42">
+            <a:extLst>
+              <a:ext uri="{FF2B5EF4-FFF2-40B4-BE49-F238E27FC236}">
+                <a16:creationId xmlns:a16="http://schemas.microsoft.com/office/drawing/2014/main" id="{960112F8-466A-A94D-91BE-52BE7B43EBC2}"/>
+              </a:ext>
+            </a:extLst>
+          </p:cNvPr>
+          <p:cNvCxnSpPr>
+            <a:cxnSpLocks/>
+            <a:stCxn id="91" idx="0"/>
+            <a:endCxn id="127" idx="2"/>
+          </p:cNvCxnSpPr>
+          <p:nvPr/>
+        </p:nvCxnSpPr>
+        <p:spPr>
+          <a:xfrm flipV="1">
+            <a:off x="3328434" y="1984286"/>
+            <a:ext cx="0" cy="719489"/>
+          </a:xfrm>
+          <a:prstGeom prst="straightConnector1">
+            <a:avLst/>
+          </a:prstGeom>
+          <a:ln w="12700">
+            <a:solidFill>
+              <a:schemeClr val="tx2"/>
+            </a:solidFill>
+            <a:headEnd type="none" w="med" len="med"/>
+            <a:tailEnd type="none" w="med" len="med"/>
+          </a:ln>
+        </p:spPr>
+        <p:style>
+          <a:lnRef idx="1">
+            <a:schemeClr val="accent1"/>
+          </a:lnRef>
+          <a:fillRef idx="0">
+            <a:schemeClr val="accent1"/>
+          </a:fillRef>
+          <a:effectRef idx="0">
+            <a:schemeClr val="accent1"/>
+          </a:effectRef>
+          <a:fontRef idx="minor">
+            <a:schemeClr val="tx1"/>
+          </a:fontRef>
+        </p:style>
+      </p:cxnSp>
+      <p:sp>
+        <p:nvSpPr>
+          <p:cNvPr id="293" name="사각형: 둥근 모서리 83">
+            <a:extLst>
+              <a:ext uri="{FF2B5EF4-FFF2-40B4-BE49-F238E27FC236}">
+                <a16:creationId xmlns:a16="http://schemas.microsoft.com/office/drawing/2014/main" id="{A976E40A-DC17-364F-BAD5-BD20467CDEDF}"/>
+              </a:ext>
+            </a:extLst>
+          </p:cNvPr>
+          <p:cNvSpPr/>
+          <p:nvPr/>
+        </p:nvSpPr>
+        <p:spPr>
+          <a:xfrm>
+            <a:off x="5083451" y="2536642"/>
+            <a:ext cx="3168352" cy="1800200"/>
+          </a:xfrm>
+          <a:prstGeom prst="roundRect">
+            <a:avLst>
+              <a:gd name="adj" fmla="val 4007"/>
+            </a:avLst>
+          </a:prstGeom>
+          <a:ln w="12700"/>
+        </p:spPr>
+        <p:style>
+          <a:lnRef idx="2">
+            <a:schemeClr val="dk1"/>
+          </a:lnRef>
+          <a:fillRef idx="1">
+            <a:schemeClr val="lt1"/>
+          </a:fillRef>
+          <a:effectRef idx="0">
+            <a:schemeClr val="dk1"/>
+          </a:effectRef>
+          <a:fontRef idx="minor">
+            <a:schemeClr val="dk1"/>
+          </a:fontRef>
+        </p:style>
+        <p:txBody>
+          <a:bodyPr rtlCol="0" anchor="b"/>
+          <a:lstStyle/>
+          <a:p>
+            <a:pPr algn="ctr"/>
+            <a:r>
+              <a:rPr lang="en-US" altLang="ko-KR" sz="1200"/>
+              <a:t>Worker Node</a:t>
+            </a:r>
+            <a:endParaRPr lang="ko-KR" altLang="en-US" sz="1200"/>
+          </a:p>
+        </p:txBody>
+      </p:sp>
+      <p:sp>
+        <p:nvSpPr>
+          <p:cNvPr id="294" name="사각형: 둥근 모서리 84">
+            <a:extLst>
+              <a:ext uri="{FF2B5EF4-FFF2-40B4-BE49-F238E27FC236}">
+                <a16:creationId xmlns:a16="http://schemas.microsoft.com/office/drawing/2014/main" id="{E51EB871-0249-3D45-8E60-7FFA6763A219}"/>
+              </a:ext>
+            </a:extLst>
+          </p:cNvPr>
+          <p:cNvSpPr/>
+          <p:nvPr/>
+        </p:nvSpPr>
+        <p:spPr>
+          <a:xfrm>
+            <a:off x="5170784" y="2623974"/>
+            <a:ext cx="1439500" cy="1352828"/>
+          </a:xfrm>
+          <a:prstGeom prst="roundRect">
+            <a:avLst>
+              <a:gd name="adj" fmla="val 6172"/>
+            </a:avLst>
+          </a:prstGeom>
+          <a:ln w="12700">
+            <a:solidFill>
+              <a:schemeClr val="tx1"/>
+            </a:solidFill>
+          </a:ln>
+        </p:spPr>
+        <p:style>
+          <a:lnRef idx="2">
+            <a:schemeClr val="dk1"/>
+          </a:lnRef>
+          <a:fillRef idx="1">
+            <a:schemeClr val="lt1"/>
+          </a:fillRef>
+          <a:effectRef idx="0">
+            <a:schemeClr val="dk1"/>
+          </a:effectRef>
+          <a:fontRef idx="minor">
+            <a:schemeClr val="dk1"/>
+          </a:fontRef>
+        </p:style>
+        <p:txBody>
+          <a:bodyPr rtlCol="0" anchor="b"/>
+          <a:lstStyle/>
+          <a:p>
+            <a:pPr algn="ctr"/>
+            <a:r>
+              <a:rPr lang="en-US" altLang="ko-KR" sz="1200"/>
+              <a:t>CoreDNS Pod</a:t>
+            </a:r>
+          </a:p>
+        </p:txBody>
+      </p:sp>
+      <p:sp>
+        <p:nvSpPr>
+          <p:cNvPr id="295" name="사각형: 둥근 모서리 85">
+            <a:extLst>
+              <a:ext uri="{FF2B5EF4-FFF2-40B4-BE49-F238E27FC236}">
+                <a16:creationId xmlns:a16="http://schemas.microsoft.com/office/drawing/2014/main" id="{19D43827-C215-BD40-BA76-0EEC33230C81}"/>
+              </a:ext>
+            </a:extLst>
+          </p:cNvPr>
+          <p:cNvSpPr/>
+          <p:nvPr/>
+        </p:nvSpPr>
+        <p:spPr>
+          <a:xfrm>
+            <a:off x="6782971" y="3577902"/>
+            <a:ext cx="1296144" cy="397851"/>
+          </a:xfrm>
+          <a:prstGeom prst="roundRect">
+            <a:avLst>
+              <a:gd name="adj" fmla="val 9318"/>
+            </a:avLst>
+          </a:prstGeom>
+          <a:ln w="12700">
+            <a:solidFill>
+              <a:schemeClr val="tx1"/>
+            </a:solidFill>
+          </a:ln>
+        </p:spPr>
+        <p:style>
+          <a:lnRef idx="2">
+            <a:schemeClr val="dk1"/>
+          </a:lnRef>
+          <a:fillRef idx="1">
+            <a:schemeClr val="lt1"/>
+          </a:fillRef>
+          <a:effectRef idx="0">
+            <a:schemeClr val="dk1"/>
+          </a:effectRef>
+          <a:fontRef idx="minor">
+            <a:schemeClr val="dk1"/>
+          </a:fontRef>
+        </p:style>
+        <p:txBody>
+          <a:bodyPr rtlCol="0" anchor="ctr"/>
+          <a:lstStyle/>
+          <a:p>
+            <a:pPr algn="ctr"/>
+            <a:r>
+              <a:rPr lang="en-US" altLang="ko-KR" sz="1100" b="1">
+                <a:solidFill>
+                  <a:schemeClr val="accent3"/>
+                </a:solidFill>
+              </a:rPr>
+              <a:t>8.8.8.8</a:t>
+            </a:r>
+          </a:p>
+          <a:p>
+            <a:pPr algn="ctr"/>
+            <a:r>
+              <a:rPr lang="en-US" altLang="ko-KR" sz="1100"/>
+              <a:t>/etc/resolv.conf</a:t>
+            </a:r>
+            <a:endParaRPr lang="ko-KR" altLang="en-US" sz="1100"/>
+          </a:p>
+        </p:txBody>
+      </p:sp>
+      <p:sp>
+        <p:nvSpPr>
+          <p:cNvPr id="296" name="사각형: 둥근 모서리 86">
+            <a:extLst>
+              <a:ext uri="{FF2B5EF4-FFF2-40B4-BE49-F238E27FC236}">
+                <a16:creationId xmlns:a16="http://schemas.microsoft.com/office/drawing/2014/main" id="{F8B5DF97-1D47-CC43-9C5E-5ED44A4876C5}"/>
+              </a:ext>
+            </a:extLst>
+          </p:cNvPr>
+          <p:cNvSpPr/>
+          <p:nvPr/>
+        </p:nvSpPr>
+        <p:spPr>
+          <a:xfrm>
+            <a:off x="5242462" y="3260795"/>
+            <a:ext cx="1296144" cy="397851"/>
+          </a:xfrm>
+          <a:prstGeom prst="roundRect">
+            <a:avLst>
+              <a:gd name="adj" fmla="val 9318"/>
+            </a:avLst>
+          </a:prstGeom>
+          <a:ln w="12700">
+            <a:solidFill>
+              <a:schemeClr val="tx1"/>
+            </a:solidFill>
+          </a:ln>
+        </p:spPr>
+        <p:style>
+          <a:lnRef idx="2">
+            <a:schemeClr val="dk1"/>
+          </a:lnRef>
+          <a:fillRef idx="1">
+            <a:schemeClr val="lt1"/>
+          </a:fillRef>
+          <a:effectRef idx="0">
+            <a:schemeClr val="dk1"/>
+          </a:effectRef>
+          <a:fontRef idx="minor">
+            <a:schemeClr val="dk1"/>
+          </a:fontRef>
+        </p:style>
+        <p:txBody>
+          <a:bodyPr rtlCol="0" anchor="ctr"/>
+          <a:lstStyle/>
+          <a:p>
+            <a:pPr algn="ctr"/>
+            <a:r>
+              <a:rPr lang="en-US" altLang="ko-KR" sz="1100" b="1">
+                <a:solidFill>
+                  <a:schemeClr val="accent3"/>
+                </a:solidFill>
+              </a:rPr>
+              <a:t>8.8.8.8</a:t>
+            </a:r>
+          </a:p>
+          <a:p>
+            <a:pPr algn="ctr"/>
+            <a:r>
+              <a:rPr lang="en-US" altLang="ko-KR" sz="1100"/>
+              <a:t>/etc/resolv.conf</a:t>
+            </a:r>
+            <a:endParaRPr lang="ko-KR" altLang="en-US" sz="1100"/>
+          </a:p>
+        </p:txBody>
+      </p:sp>
+      <p:sp>
+        <p:nvSpPr>
+          <p:cNvPr id="297" name="사각형: 둥근 모서리 87">
+            <a:extLst>
+              <a:ext uri="{FF2B5EF4-FFF2-40B4-BE49-F238E27FC236}">
+                <a16:creationId xmlns:a16="http://schemas.microsoft.com/office/drawing/2014/main" id="{1144933C-5A22-3843-8E54-C63BFB45F6EA}"/>
+              </a:ext>
+            </a:extLst>
+          </p:cNvPr>
+          <p:cNvSpPr/>
+          <p:nvPr/>
+        </p:nvSpPr>
+        <p:spPr>
+          <a:xfrm>
+            <a:off x="6712437" y="2623975"/>
+            <a:ext cx="1439500" cy="776763"/>
+          </a:xfrm>
+          <a:prstGeom prst="roundRect">
+            <a:avLst>
+              <a:gd name="adj" fmla="val 9318"/>
+            </a:avLst>
+          </a:prstGeom>
+          <a:ln w="12700">
+            <a:solidFill>
+              <a:schemeClr val="tx1"/>
+            </a:solidFill>
+          </a:ln>
+        </p:spPr>
+        <p:style>
+          <a:lnRef idx="2">
+            <a:schemeClr val="dk1"/>
+          </a:lnRef>
+          <a:fillRef idx="1">
+            <a:schemeClr val="lt1"/>
+          </a:fillRef>
+          <a:effectRef idx="0">
+            <a:schemeClr val="dk1"/>
+          </a:effectRef>
+          <a:fontRef idx="minor">
+            <a:schemeClr val="dk1"/>
+          </a:fontRef>
+        </p:style>
+        <p:txBody>
+          <a:bodyPr rtlCol="0" anchor="b"/>
+          <a:lstStyle/>
+          <a:p>
+            <a:pPr algn="ctr"/>
+            <a:r>
+              <a:rPr lang="en-US" altLang="ko-KR" sz="1200"/>
+              <a:t>Pod</a:t>
+            </a:r>
+          </a:p>
+        </p:txBody>
+      </p:sp>
+      <p:sp>
+        <p:nvSpPr>
+          <p:cNvPr id="298" name="사각형: 둥근 모서리 88">
+            <a:extLst>
+              <a:ext uri="{FF2B5EF4-FFF2-40B4-BE49-F238E27FC236}">
+                <a16:creationId xmlns:a16="http://schemas.microsoft.com/office/drawing/2014/main" id="{A0DB2DC3-CE1C-6D46-BEA3-40E20E6EF36C}"/>
+              </a:ext>
+            </a:extLst>
+          </p:cNvPr>
+          <p:cNvSpPr/>
+          <p:nvPr/>
+        </p:nvSpPr>
+        <p:spPr>
+          <a:xfrm>
+            <a:off x="6784115" y="2709747"/>
+            <a:ext cx="1296144" cy="397851"/>
+          </a:xfrm>
+          <a:prstGeom prst="roundRect">
+            <a:avLst>
+              <a:gd name="adj" fmla="val 9318"/>
+            </a:avLst>
+          </a:prstGeom>
+          <a:ln w="12700">
+            <a:solidFill>
+              <a:schemeClr val="tx1"/>
+            </a:solidFill>
+          </a:ln>
+        </p:spPr>
+        <p:style>
+          <a:lnRef idx="2">
+            <a:schemeClr val="dk1"/>
+          </a:lnRef>
+          <a:fillRef idx="1">
+            <a:schemeClr val="lt1"/>
+          </a:fillRef>
+          <a:effectRef idx="0">
+            <a:schemeClr val="dk1"/>
+          </a:effectRef>
+          <a:fontRef idx="minor">
+            <a:schemeClr val="dk1"/>
+          </a:fontRef>
+        </p:style>
+        <p:txBody>
+          <a:bodyPr rtlCol="0" anchor="ctr"/>
+          <a:lstStyle/>
+          <a:p>
+            <a:pPr algn="ctr"/>
+            <a:r>
+              <a:rPr lang="en-US" altLang="ko-KR" sz="1100" b="1">
+                <a:solidFill>
+                  <a:schemeClr val="tx2"/>
+                </a:solidFill>
+              </a:rPr>
+              <a:t>10.96.0.10</a:t>
+            </a:r>
+          </a:p>
+          <a:p>
+            <a:pPr algn="ctr"/>
+            <a:r>
+              <a:rPr lang="en-US" altLang="ko-KR" sz="1100"/>
+              <a:t>/etc/resolv.conf</a:t>
+            </a:r>
+            <a:endParaRPr lang="ko-KR" altLang="en-US" sz="1100"/>
+          </a:p>
+        </p:txBody>
+      </p:sp>
+      <p:sp>
+        <p:nvSpPr>
+          <p:cNvPr id="299" name="사각형: 둥근 모서리 89">
+            <a:extLst>
+              <a:ext uri="{FF2B5EF4-FFF2-40B4-BE49-F238E27FC236}">
+                <a16:creationId xmlns:a16="http://schemas.microsoft.com/office/drawing/2014/main" id="{B9A70C20-7D20-E54B-96B9-43E33942E32E}"/>
+              </a:ext>
+            </a:extLst>
+          </p:cNvPr>
+          <p:cNvSpPr/>
+          <p:nvPr/>
+        </p:nvSpPr>
+        <p:spPr>
+          <a:xfrm>
+            <a:off x="5242462" y="2982416"/>
+            <a:ext cx="1296144" cy="278379"/>
+          </a:xfrm>
+          <a:prstGeom prst="roundRect">
+            <a:avLst>
+              <a:gd name="adj" fmla="val 14823"/>
+            </a:avLst>
+          </a:prstGeom>
+          <a:ln w="12700">
+            <a:solidFill>
+              <a:schemeClr val="tx1"/>
+            </a:solidFill>
+          </a:ln>
+        </p:spPr>
+        <p:style>
+          <a:lnRef idx="2">
+            <a:schemeClr val="dk1"/>
+          </a:lnRef>
+          <a:fillRef idx="1">
+            <a:schemeClr val="lt1"/>
+          </a:fillRef>
+          <a:effectRef idx="0">
+            <a:schemeClr val="dk1"/>
+          </a:effectRef>
+          <a:fontRef idx="minor">
+            <a:schemeClr val="dk1"/>
+          </a:fontRef>
+        </p:style>
+        <p:txBody>
+          <a:bodyPr rtlCol="0" anchor="ctr"/>
+          <a:lstStyle/>
+          <a:p>
+            <a:pPr algn="ctr"/>
+            <a:r>
+              <a:rPr lang="en-US" altLang="ko-KR" sz="1100"/>
+              <a:t>CoreDNS Config</a:t>
+            </a:r>
+            <a:endParaRPr lang="ko-KR" altLang="en-US" sz="1100"/>
+          </a:p>
+        </p:txBody>
+      </p:sp>
+      <p:sp>
+        <p:nvSpPr>
+          <p:cNvPr id="300" name="사각형: 둥근 모서리 90">
+            <a:extLst>
+              <a:ext uri="{FF2B5EF4-FFF2-40B4-BE49-F238E27FC236}">
+                <a16:creationId xmlns:a16="http://schemas.microsoft.com/office/drawing/2014/main" id="{3818B884-206E-6E48-8052-9FB42439544C}"/>
+              </a:ext>
+            </a:extLst>
+          </p:cNvPr>
+          <p:cNvSpPr/>
+          <p:nvPr/>
+        </p:nvSpPr>
+        <p:spPr>
+          <a:xfrm>
+            <a:off x="5242462" y="2703775"/>
+            <a:ext cx="1296144" cy="278379"/>
+          </a:xfrm>
+          <a:prstGeom prst="roundRect">
+            <a:avLst>
+              <a:gd name="adj" fmla="val 14823"/>
+            </a:avLst>
+          </a:prstGeom>
+          <a:ln w="12700">
+            <a:solidFill>
+              <a:schemeClr val="tx1"/>
+            </a:solidFill>
+          </a:ln>
+        </p:spPr>
+        <p:style>
+          <a:lnRef idx="2">
+            <a:schemeClr val="dk1"/>
+          </a:lnRef>
+          <a:fillRef idx="1">
+            <a:schemeClr val="lt1"/>
+          </a:fillRef>
+          <a:effectRef idx="0">
+            <a:schemeClr val="dk1"/>
+          </a:effectRef>
+          <a:fontRef idx="minor">
+            <a:schemeClr val="dk1"/>
+          </a:fontRef>
+        </p:style>
+        <p:txBody>
+          <a:bodyPr rtlCol="0" anchor="ctr"/>
+          <a:lstStyle/>
+          <a:p>
+            <a:pPr algn="ctr"/>
+            <a:r>
+              <a:rPr lang="en-US" altLang="ko-KR" sz="1100" b="1"/>
+              <a:t>CoreDNS</a:t>
+            </a:r>
+            <a:endParaRPr lang="ko-KR" altLang="en-US" sz="1100" b="1"/>
+          </a:p>
+        </p:txBody>
+      </p:sp>
+      <p:cxnSp>
+        <p:nvCxnSpPr>
+          <p:cNvPr id="301" name="Elbow Connector 300">
+            <a:extLst>
+              <a:ext uri="{FF2B5EF4-FFF2-40B4-BE49-F238E27FC236}">
+                <a16:creationId xmlns:a16="http://schemas.microsoft.com/office/drawing/2014/main" id="{7E49E1A0-B116-304F-A1D7-B20B3D9EAD2A}"/>
+              </a:ext>
+            </a:extLst>
+          </p:cNvPr>
+          <p:cNvCxnSpPr>
+            <a:cxnSpLocks/>
+            <a:stCxn id="298" idx="0"/>
+            <a:endCxn id="91" idx="0"/>
+          </p:cNvCxnSpPr>
+          <p:nvPr/>
+        </p:nvCxnSpPr>
+        <p:spPr>
+          <a:xfrm rot="16200000" flipV="1">
+            <a:off x="5377325" y="654884"/>
+            <a:ext cx="5972" cy="4103753"/>
+          </a:xfrm>
+          <a:prstGeom prst="bentConnector3">
+            <a:avLst>
+              <a:gd name="adj1" fmla="val 3927863"/>
+            </a:avLst>
+          </a:prstGeom>
+          <a:ln w="12700">
+            <a:solidFill>
+              <a:schemeClr val="tx2"/>
+            </a:solidFill>
+            <a:tailEnd type="triangle"/>
+          </a:ln>
+        </p:spPr>
+        <p:style>
+          <a:lnRef idx="1">
+            <a:schemeClr val="accent1"/>
+          </a:lnRef>
+          <a:fillRef idx="0">
+            <a:schemeClr val="accent1"/>
+          </a:fillRef>
+          <a:effectRef idx="0">
+            <a:schemeClr val="accent1"/>
+          </a:effectRef>
+          <a:fontRef idx="minor">
+            <a:schemeClr val="tx1"/>
+          </a:fontRef>
+        </p:style>
+      </p:cxnSp>
+      <p:cxnSp>
+        <p:nvCxnSpPr>
+          <p:cNvPr id="304" name="Elbow Connector 303">
+            <a:extLst>
+              <a:ext uri="{FF2B5EF4-FFF2-40B4-BE49-F238E27FC236}">
+                <a16:creationId xmlns:a16="http://schemas.microsoft.com/office/drawing/2014/main" id="{27C77E2E-DC5D-024D-9C53-B014DF963319}"/>
+              </a:ext>
+            </a:extLst>
+          </p:cNvPr>
+          <p:cNvCxnSpPr>
+            <a:cxnSpLocks/>
+            <a:stCxn id="298" idx="0"/>
+            <a:endCxn id="300" idx="0"/>
+          </p:cNvCxnSpPr>
+          <p:nvPr/>
+        </p:nvCxnSpPr>
+        <p:spPr>
+          <a:xfrm rot="16200000" flipV="1">
+            <a:off x="6658375" y="1935934"/>
+            <a:ext cx="5972" cy="1541653"/>
+          </a:xfrm>
+          <a:prstGeom prst="bentConnector3">
+            <a:avLst>
+              <a:gd name="adj1" fmla="val 3927863"/>
+            </a:avLst>
+          </a:prstGeom>
+          <a:ln w="12700">
+            <a:solidFill>
+              <a:schemeClr val="tx2"/>
+            </a:solidFill>
+            <a:tailEnd type="triangle"/>
+          </a:ln>
+        </p:spPr>
+        <p:style>
+          <a:lnRef idx="1">
+            <a:schemeClr val="accent1"/>
+          </a:lnRef>
+          <a:fillRef idx="0">
+            <a:schemeClr val="accent1"/>
+          </a:fillRef>
+          <a:effectRef idx="0">
+            <a:schemeClr val="accent1"/>
+          </a:effectRef>
+          <a:fontRef idx="minor">
+            <a:schemeClr val="tx1"/>
+          </a:fontRef>
+        </p:style>
+      </p:cxnSp>
+      <p:cxnSp>
+        <p:nvCxnSpPr>
+          <p:cNvPr id="307" name="Elbow Connector 306">
+            <a:extLst>
+              <a:ext uri="{FF2B5EF4-FFF2-40B4-BE49-F238E27FC236}">
+                <a16:creationId xmlns:a16="http://schemas.microsoft.com/office/drawing/2014/main" id="{C9295FF0-4275-3545-9385-D9BCCEC8FAA2}"/>
+              </a:ext>
+            </a:extLst>
+          </p:cNvPr>
+          <p:cNvCxnSpPr>
+            <a:cxnSpLocks/>
+            <a:stCxn id="295" idx="1"/>
+            <a:endCxn id="296" idx="3"/>
+          </p:cNvCxnSpPr>
+          <p:nvPr/>
+        </p:nvCxnSpPr>
+        <p:spPr>
+          <a:xfrm rot="10800000">
+            <a:off x="6538607" y="3459722"/>
+            <a:ext cx="244365" cy="317107"/>
+          </a:xfrm>
+          <a:prstGeom prst="bentConnector3">
+            <a:avLst>
+              <a:gd name="adj1" fmla="val 50000"/>
+            </a:avLst>
+          </a:prstGeom>
+          <a:ln w="12700">
+            <a:solidFill>
+              <a:schemeClr val="tx1"/>
+            </a:solidFill>
+            <a:prstDash val="dash"/>
+            <a:tailEnd type="triangle"/>
+          </a:ln>
+        </p:spPr>
+        <p:style>
+          <a:lnRef idx="1">
+            <a:schemeClr val="accent1"/>
+          </a:lnRef>
+          <a:fillRef idx="0">
+            <a:schemeClr val="accent1"/>
+          </a:fillRef>
+          <a:effectRef idx="0">
+            <a:schemeClr val="accent1"/>
+          </a:effectRef>
+          <a:fontRef idx="minor">
+            <a:schemeClr val="tx1"/>
+          </a:fontRef>
+        </p:style>
+      </p:cxnSp>
+      <p:sp>
+        <p:nvSpPr>
+          <p:cNvPr id="310" name="사각형: 둥근 모서리 46">
+            <a:extLst>
+              <a:ext uri="{FF2B5EF4-FFF2-40B4-BE49-F238E27FC236}">
+                <a16:creationId xmlns:a16="http://schemas.microsoft.com/office/drawing/2014/main" id="{7F2CC5CC-FF37-2540-A6FA-CD561D5D3BBD}"/>
+              </a:ext>
+            </a:extLst>
+          </p:cNvPr>
+          <p:cNvSpPr/>
+          <p:nvPr/>
+        </p:nvSpPr>
+        <p:spPr>
+          <a:xfrm>
+            <a:off x="5077789" y="408439"/>
+            <a:ext cx="1618537" cy="1663179"/>
+          </a:xfrm>
+          <a:prstGeom prst="roundRect">
+            <a:avLst>
+              <a:gd name="adj" fmla="val 4921"/>
+            </a:avLst>
+          </a:prstGeom>
+          <a:ln w="12700"/>
+        </p:spPr>
+        <p:style>
+          <a:lnRef idx="2">
+            <a:schemeClr val="dk1"/>
+          </a:lnRef>
+          <a:fillRef idx="1">
+            <a:schemeClr val="lt1"/>
+          </a:fillRef>
+          <a:effectRef idx="0">
+            <a:schemeClr val="dk1"/>
+          </a:effectRef>
+          <a:fontRef idx="minor">
+            <a:schemeClr val="dk1"/>
+          </a:fontRef>
+        </p:style>
+        <p:txBody>
+          <a:bodyPr rtlCol="0" anchor="t"/>
+          <a:lstStyle/>
+          <a:p>
+            <a:pPr algn="ctr"/>
+            <a:r>
+              <a:rPr lang="en-US" altLang="ko-KR" sz="1200"/>
+              <a:t>Master Node</a:t>
+            </a:r>
+            <a:endParaRPr lang="ko-KR" altLang="en-US" sz="1200"/>
+          </a:p>
+        </p:txBody>
+      </p:sp>
+      <p:sp>
+        <p:nvSpPr>
+          <p:cNvPr id="311" name="사각형: 둥근 모서리 53">
+            <a:extLst>
+              <a:ext uri="{FF2B5EF4-FFF2-40B4-BE49-F238E27FC236}">
+                <a16:creationId xmlns:a16="http://schemas.microsoft.com/office/drawing/2014/main" id="{629C7805-2024-6941-B1FD-CFBC52378889}"/>
+              </a:ext>
+            </a:extLst>
+          </p:cNvPr>
+          <p:cNvSpPr/>
+          <p:nvPr/>
+        </p:nvSpPr>
+        <p:spPr>
+          <a:xfrm>
+            <a:off x="5170784" y="731200"/>
+            <a:ext cx="1439500" cy="1240687"/>
+          </a:xfrm>
+          <a:prstGeom prst="roundRect">
+            <a:avLst>
+              <a:gd name="adj" fmla="val 6660"/>
+            </a:avLst>
+          </a:prstGeom>
+          <a:ln w="12700">
+            <a:solidFill>
+              <a:schemeClr val="tx1"/>
+            </a:solidFill>
+          </a:ln>
+        </p:spPr>
+        <p:style>
+          <a:lnRef idx="2">
+            <a:schemeClr val="dk1"/>
+          </a:lnRef>
+          <a:fillRef idx="1">
+            <a:schemeClr val="lt1"/>
+          </a:fillRef>
+          <a:effectRef idx="0">
+            <a:schemeClr val="dk1"/>
+          </a:effectRef>
+          <a:fontRef idx="minor">
+            <a:schemeClr val="dk1"/>
+          </a:fontRef>
+        </p:style>
+        <p:txBody>
+          <a:bodyPr rtlCol="0" anchor="b"/>
+          <a:lstStyle/>
+          <a:p>
+            <a:pPr algn="ctr"/>
+            <a:r>
               <a:rPr lang="en-US" altLang="ko-KR" sz="1200"/>
               <a:t>K8s API Server</a:t>
             </a:r>
@@ -3554,10 +5397,172 @@
       </p:sp>
       <p:sp>
         <p:nvSpPr>
-          <p:cNvPr id="67" name="TextBox 66">
-            <a:extLst>
-              <a:ext uri="{FF2B5EF4-FFF2-40B4-BE49-F238E27FC236}">
-                <a16:creationId xmlns:a16="http://schemas.microsoft.com/office/drawing/2014/main" id="{20AE42F4-C3B8-4A2C-96DF-EDCE3332630D}"/>
+          <p:cNvPr id="313" name="사각형: 둥근 모서리 46">
+            <a:extLst>
+              <a:ext uri="{FF2B5EF4-FFF2-40B4-BE49-F238E27FC236}">
+                <a16:creationId xmlns:a16="http://schemas.microsoft.com/office/drawing/2014/main" id="{1BCAB2F9-BDEA-4748-8156-4D486FBD4056}"/>
+              </a:ext>
+            </a:extLst>
+          </p:cNvPr>
+          <p:cNvSpPr/>
+          <p:nvPr/>
+        </p:nvSpPr>
+        <p:spPr>
+          <a:xfrm>
+            <a:off x="6782369" y="1622499"/>
+            <a:ext cx="1296746" cy="449119"/>
+          </a:xfrm>
+          <a:prstGeom prst="roundRect">
+            <a:avLst>
+              <a:gd name="adj" fmla="val 8959"/>
+            </a:avLst>
+          </a:prstGeom>
+          <a:ln w="12700"/>
+        </p:spPr>
+        <p:style>
+          <a:lnRef idx="2">
+            <a:schemeClr val="dk1"/>
+          </a:lnRef>
+          <a:fillRef idx="1">
+            <a:schemeClr val="lt1"/>
+          </a:fillRef>
+          <a:effectRef idx="0">
+            <a:schemeClr val="dk1"/>
+          </a:effectRef>
+          <a:fontRef idx="minor">
+            <a:schemeClr val="dk1"/>
+          </a:fontRef>
+        </p:style>
+        <p:txBody>
+          <a:bodyPr rtlCol="0" anchor="ctr"/>
+          <a:lstStyle/>
+          <a:p>
+            <a:pPr algn="ctr"/>
+            <a:r>
+              <a:rPr lang="en-US" altLang="ko-KR" sz="1200"/>
+              <a:t>External DNS</a:t>
+            </a:r>
+          </a:p>
+          <a:p>
+            <a:pPr algn="ctr"/>
+            <a:r>
+              <a:rPr lang="en-US" altLang="ko-KR" sz="1200" b="1">
+                <a:solidFill>
+                  <a:schemeClr val="accent3"/>
+                </a:solidFill>
+              </a:rPr>
+              <a:t>8.8.8.8</a:t>
+            </a:r>
+            <a:endParaRPr lang="ko-KR" altLang="en-US" sz="1200" b="1">
+              <a:solidFill>
+                <a:schemeClr val="accent3"/>
+              </a:solidFill>
+            </a:endParaRPr>
+          </a:p>
+        </p:txBody>
+      </p:sp>
+      <p:cxnSp>
+        <p:nvCxnSpPr>
+          <p:cNvPr id="315" name="Elbow Connector 314">
+            <a:extLst>
+              <a:ext uri="{FF2B5EF4-FFF2-40B4-BE49-F238E27FC236}">
+                <a16:creationId xmlns:a16="http://schemas.microsoft.com/office/drawing/2014/main" id="{B9D7D499-9F9E-A34E-8C33-178F73A3B058}"/>
+              </a:ext>
+            </a:extLst>
+          </p:cNvPr>
+          <p:cNvCxnSpPr>
+            <a:cxnSpLocks/>
+            <a:stCxn id="300" idx="1"/>
+            <a:endCxn id="311" idx="1"/>
+          </p:cNvCxnSpPr>
+          <p:nvPr/>
+        </p:nvCxnSpPr>
+        <p:spPr>
+          <a:xfrm rot="10800000">
+            <a:off x="5170784" y="1351545"/>
+            <a:ext cx="71678" cy="1491421"/>
+          </a:xfrm>
+          <a:prstGeom prst="bentConnector3">
+            <a:avLst>
+              <a:gd name="adj1" fmla="val 889255"/>
+            </a:avLst>
+          </a:prstGeom>
+          <a:ln w="12700">
+            <a:solidFill>
+              <a:srgbClr val="C00000"/>
+            </a:solidFill>
+            <a:tailEnd type="triangle"/>
+          </a:ln>
+        </p:spPr>
+        <p:style>
+          <a:lnRef idx="1">
+            <a:schemeClr val="accent1"/>
+          </a:lnRef>
+          <a:fillRef idx="0">
+            <a:schemeClr val="accent1"/>
+          </a:fillRef>
+          <a:effectRef idx="0">
+            <a:schemeClr val="accent1"/>
+          </a:effectRef>
+          <a:fontRef idx="minor">
+            <a:schemeClr val="tx1"/>
+          </a:fontRef>
+        </p:style>
+      </p:cxnSp>
+      <p:cxnSp>
+        <p:nvCxnSpPr>
+          <p:cNvPr id="318" name="Elbow Connector 317">
+            <a:extLst>
+              <a:ext uri="{FF2B5EF4-FFF2-40B4-BE49-F238E27FC236}">
+                <a16:creationId xmlns:a16="http://schemas.microsoft.com/office/drawing/2014/main" id="{9527371B-6300-C64B-A98D-51A6057F6717}"/>
+              </a:ext>
+            </a:extLst>
+          </p:cNvPr>
+          <p:cNvCxnSpPr>
+            <a:cxnSpLocks/>
+            <a:stCxn id="91" idx="3"/>
+            <a:endCxn id="311" idx="1"/>
+          </p:cNvCxnSpPr>
+          <p:nvPr/>
+        </p:nvCxnSpPr>
+        <p:spPr>
+          <a:xfrm flipV="1">
+            <a:off x="3976506" y="1351544"/>
+            <a:ext cx="1194278" cy="1491421"/>
+          </a:xfrm>
+          <a:prstGeom prst="bentConnector3">
+            <a:avLst>
+              <a:gd name="adj1" fmla="val 52878"/>
+            </a:avLst>
+          </a:prstGeom>
+          <a:ln w="12700">
+            <a:solidFill>
+              <a:srgbClr val="C00000"/>
+            </a:solidFill>
+            <a:tailEnd type="triangle"/>
+          </a:ln>
+        </p:spPr>
+        <p:style>
+          <a:lnRef idx="1">
+            <a:schemeClr val="accent1"/>
+          </a:lnRef>
+          <a:fillRef idx="0">
+            <a:schemeClr val="accent1"/>
+          </a:fillRef>
+          <a:effectRef idx="0">
+            <a:schemeClr val="accent1"/>
+          </a:effectRef>
+          <a:fontRef idx="minor">
+            <a:schemeClr val="tx1"/>
+          </a:fontRef>
+        </p:style>
+      </p:cxnSp>
+      <p:sp>
+        <p:nvSpPr>
+          <p:cNvPr id="345" name="TextBox 344">
+            <a:extLst>
+              <a:ext uri="{FF2B5EF4-FFF2-40B4-BE49-F238E27FC236}">
+                <a16:creationId xmlns:a16="http://schemas.microsoft.com/office/drawing/2014/main" id="{A12BDAC8-72E1-4B45-8B25-9FEDB2F6DBE7}"/>
               </a:ext>
             </a:extLst>
           </p:cNvPr>
@@ -3566,7 +5571,1817 @@
         </p:nvSpPr>
         <p:spPr>
           <a:xfrm>
-            <a:off x="2729070" y="1934711"/>
+            <a:off x="4135517" y="2838363"/>
+            <a:ext cx="942272" cy="400110"/>
+          </a:xfrm>
+          <a:prstGeom prst="rect">
+            <a:avLst/>
+          </a:prstGeom>
+          <a:noFill/>
+          <a:ln>
+            <a:noFill/>
+          </a:ln>
+        </p:spPr>
+        <p:txBody>
+          <a:bodyPr wrap="square" rtlCol="0">
+            <a:spAutoFit/>
+          </a:bodyPr>
+          <a:lstStyle/>
+          <a:p>
+            <a:r>
+              <a:rPr lang="en-US" altLang="ko-KR" sz="1000">
+                <a:solidFill>
+                  <a:srgbClr val="C00000"/>
+                </a:solidFill>
+              </a:rPr>
+              <a:t>Watch</a:t>
+            </a:r>
+          </a:p>
+          <a:p>
+            <a:r>
+              <a:rPr lang="en-US" altLang="ko-KR" sz="1000">
+                <a:solidFill>
+                  <a:srgbClr val="C00000"/>
+                </a:solidFill>
+              </a:rPr>
+              <a:t>Pod, Service</a:t>
+            </a:r>
+            <a:endParaRPr lang="ko-KR" altLang="en-US" sz="1000">
+              <a:solidFill>
+                <a:srgbClr val="C00000"/>
+              </a:solidFill>
+            </a:endParaRPr>
+          </a:p>
+        </p:txBody>
+      </p:sp>
+      <p:cxnSp>
+        <p:nvCxnSpPr>
+          <p:cNvPr id="352" name="Elbow Connector 351">
+            <a:extLst>
+              <a:ext uri="{FF2B5EF4-FFF2-40B4-BE49-F238E27FC236}">
+                <a16:creationId xmlns:a16="http://schemas.microsoft.com/office/drawing/2014/main" id="{FE06E5F4-51B4-AD43-A149-64FBA3E67A2C}"/>
+              </a:ext>
+            </a:extLst>
+          </p:cNvPr>
+          <p:cNvCxnSpPr>
+            <a:cxnSpLocks/>
+          </p:cNvCxnSpPr>
+          <p:nvPr/>
+        </p:nvCxnSpPr>
+        <p:spPr>
+          <a:xfrm rot="5400000" flipH="1" flipV="1">
+            <a:off x="5143251" y="336543"/>
+            <a:ext cx="632157" cy="4102308"/>
+          </a:xfrm>
+          <a:prstGeom prst="bentConnector3">
+            <a:avLst>
+              <a:gd name="adj1" fmla="val 50000"/>
+            </a:avLst>
+          </a:prstGeom>
+          <a:ln w="12700">
+            <a:solidFill>
+              <a:schemeClr val="accent3"/>
+            </a:solidFill>
+            <a:tailEnd type="triangle"/>
+          </a:ln>
+        </p:spPr>
+        <p:style>
+          <a:lnRef idx="1">
+            <a:schemeClr val="accent1"/>
+          </a:lnRef>
+          <a:fillRef idx="0">
+            <a:schemeClr val="accent1"/>
+          </a:fillRef>
+          <a:effectRef idx="0">
+            <a:schemeClr val="accent1"/>
+          </a:effectRef>
+          <a:fontRef idx="minor">
+            <a:schemeClr val="tx1"/>
+          </a:fontRef>
+        </p:style>
+      </p:cxnSp>
+      <p:cxnSp>
+        <p:nvCxnSpPr>
+          <p:cNvPr id="355" name="Elbow Connector 354">
+            <a:extLst>
+              <a:ext uri="{FF2B5EF4-FFF2-40B4-BE49-F238E27FC236}">
+                <a16:creationId xmlns:a16="http://schemas.microsoft.com/office/drawing/2014/main" id="{E99C7F55-8FE2-E24D-9F4A-5A0D29CAB9DE}"/>
+              </a:ext>
+            </a:extLst>
+          </p:cNvPr>
+          <p:cNvCxnSpPr>
+            <a:cxnSpLocks/>
+          </p:cNvCxnSpPr>
+          <p:nvPr/>
+        </p:nvCxnSpPr>
+        <p:spPr>
+          <a:xfrm rot="5400000" flipH="1" flipV="1">
+            <a:off x="6424301" y="1617593"/>
+            <a:ext cx="632157" cy="1540208"/>
+          </a:xfrm>
+          <a:prstGeom prst="bentConnector3">
+            <a:avLst>
+              <a:gd name="adj1" fmla="val 50000"/>
+            </a:avLst>
+          </a:prstGeom>
+          <a:ln w="12700">
+            <a:solidFill>
+              <a:schemeClr val="accent3"/>
+            </a:solidFill>
+            <a:tailEnd type="triangle"/>
+          </a:ln>
+        </p:spPr>
+        <p:style>
+          <a:lnRef idx="1">
+            <a:schemeClr val="accent1"/>
+          </a:lnRef>
+          <a:fillRef idx="0">
+            <a:schemeClr val="accent1"/>
+          </a:fillRef>
+          <a:effectRef idx="0">
+            <a:schemeClr val="accent1"/>
+          </a:effectRef>
+          <a:fontRef idx="minor">
+            <a:schemeClr val="tx1"/>
+          </a:fontRef>
+        </p:style>
+      </p:cxnSp>
+      <p:sp>
+        <p:nvSpPr>
+          <p:cNvPr id="366" name="사각형: 둥근 모서리 32">
+            <a:extLst>
+              <a:ext uri="{FF2B5EF4-FFF2-40B4-BE49-F238E27FC236}">
+                <a16:creationId xmlns:a16="http://schemas.microsoft.com/office/drawing/2014/main" id="{40B9D805-4416-5D48-AF57-B4DEB50692D8}"/>
+              </a:ext>
+            </a:extLst>
+          </p:cNvPr>
+          <p:cNvSpPr/>
+          <p:nvPr/>
+        </p:nvSpPr>
+        <p:spPr>
+          <a:xfrm>
+            <a:off x="5241860" y="1152754"/>
+            <a:ext cx="1296746" cy="539026"/>
+          </a:xfrm>
+          <a:prstGeom prst="roundRect">
+            <a:avLst>
+              <a:gd name="adj" fmla="val 9318"/>
+            </a:avLst>
+          </a:prstGeom>
+          <a:ln w="12700">
+            <a:solidFill>
+              <a:schemeClr val="tx1"/>
+            </a:solidFill>
+          </a:ln>
+        </p:spPr>
+        <p:style>
+          <a:lnRef idx="2">
+            <a:schemeClr val="dk1"/>
+          </a:lnRef>
+          <a:fillRef idx="1">
+            <a:schemeClr val="lt1"/>
+          </a:fillRef>
+          <a:effectRef idx="0">
+            <a:schemeClr val="dk1"/>
+          </a:effectRef>
+          <a:fontRef idx="minor">
+            <a:schemeClr val="dk1"/>
+          </a:fontRef>
+        </p:style>
+        <p:txBody>
+          <a:bodyPr rtlCol="0" anchor="ctr"/>
+          <a:lstStyle/>
+          <a:p>
+            <a:pPr algn="ctr"/>
+            <a:r>
+              <a:rPr lang="en-US" altLang="ko-KR" sz="1000"/>
+              <a:t>CoreDNS Service</a:t>
+            </a:r>
+          </a:p>
+          <a:p>
+            <a:pPr algn="ctr"/>
+            <a:r>
+              <a:rPr lang="en-US" altLang="ko-KR" sz="1000"/>
+              <a:t>ClusterIP</a:t>
+            </a:r>
+          </a:p>
+          <a:p>
+            <a:pPr algn="ctr"/>
+            <a:r>
+              <a:rPr lang="en-US" altLang="ko-KR" sz="1000" b="1">
+                <a:solidFill>
+                  <a:schemeClr val="tx2"/>
+                </a:solidFill>
+              </a:rPr>
+              <a:t>10.96.0.10</a:t>
+            </a:r>
+            <a:endParaRPr lang="en-US" altLang="ko-KR" sz="1200" b="1">
+              <a:solidFill>
+                <a:schemeClr val="tx2"/>
+              </a:solidFill>
+            </a:endParaRPr>
+          </a:p>
+        </p:txBody>
+      </p:sp>
+      <p:sp>
+        <p:nvSpPr>
+          <p:cNvPr id="379" name="TextBox 378">
+            <a:extLst>
+              <a:ext uri="{FF2B5EF4-FFF2-40B4-BE49-F238E27FC236}">
+                <a16:creationId xmlns:a16="http://schemas.microsoft.com/office/drawing/2014/main" id="{B8E1C05E-D73D-1040-9F77-A9D65F3663E4}"/>
+              </a:ext>
+            </a:extLst>
+          </p:cNvPr>
+          <p:cNvSpPr txBox="1"/>
+          <p:nvPr/>
+        </p:nvSpPr>
+        <p:spPr>
+          <a:xfrm>
+            <a:off x="1759870" y="2225151"/>
+            <a:ext cx="1446759" cy="246221"/>
+          </a:xfrm>
+          <a:prstGeom prst="rect">
+            <a:avLst/>
+          </a:prstGeom>
+          <a:noFill/>
+          <a:ln>
+            <a:noFill/>
+          </a:ln>
+        </p:spPr>
+        <p:txBody>
+          <a:bodyPr wrap="square" rtlCol="0">
+            <a:spAutoFit/>
+          </a:bodyPr>
+          <a:lstStyle/>
+          <a:p>
+            <a:r>
+              <a:rPr lang="en-US" altLang="ko-KR" sz="1000">
+                <a:solidFill>
+                  <a:schemeClr val="tx2"/>
+                </a:solidFill>
+              </a:rPr>
+              <a:t>Resolve to CoreDNS</a:t>
+            </a:r>
+            <a:endParaRPr lang="ko-KR" altLang="en-US" sz="1000">
+              <a:solidFill>
+                <a:schemeClr val="tx2"/>
+              </a:solidFill>
+            </a:endParaRPr>
+          </a:p>
+        </p:txBody>
+      </p:sp>
+      <p:sp>
+        <p:nvSpPr>
+          <p:cNvPr id="392" name="사각형: 둥근 모서리 32">
+            <a:extLst>
+              <a:ext uri="{FF2B5EF4-FFF2-40B4-BE49-F238E27FC236}">
+                <a16:creationId xmlns:a16="http://schemas.microsoft.com/office/drawing/2014/main" id="{4D6D85F4-88F7-1C46-BEE2-CC4FF85F70E4}"/>
+              </a:ext>
+            </a:extLst>
+          </p:cNvPr>
+          <p:cNvSpPr/>
+          <p:nvPr/>
+        </p:nvSpPr>
+        <p:spPr>
+          <a:xfrm>
+            <a:off x="5239502" y="822495"/>
+            <a:ext cx="545010" cy="266656"/>
+          </a:xfrm>
+          <a:prstGeom prst="roundRect">
+            <a:avLst>
+              <a:gd name="adj" fmla="val 16462"/>
+            </a:avLst>
+          </a:prstGeom>
+          <a:ln w="12700">
+            <a:solidFill>
+              <a:schemeClr val="tx1"/>
+            </a:solidFill>
+          </a:ln>
+        </p:spPr>
+        <p:style>
+          <a:lnRef idx="2">
+            <a:schemeClr val="dk1"/>
+          </a:lnRef>
+          <a:fillRef idx="1">
+            <a:schemeClr val="lt1"/>
+          </a:fillRef>
+          <a:effectRef idx="0">
+            <a:schemeClr val="dk1"/>
+          </a:effectRef>
+          <a:fontRef idx="minor">
+            <a:schemeClr val="dk1"/>
+          </a:fontRef>
+        </p:style>
+        <p:txBody>
+          <a:bodyPr rtlCol="0" anchor="ctr"/>
+          <a:lstStyle/>
+          <a:p>
+            <a:pPr algn="ctr"/>
+            <a:r>
+              <a:rPr lang="en-US" altLang="ko-KR" sz="1000"/>
+              <a:t>Pods</a:t>
+            </a:r>
+            <a:endParaRPr lang="en-US" altLang="ko-KR" sz="1200" b="1">
+              <a:solidFill>
+                <a:schemeClr val="tx2"/>
+              </a:solidFill>
+            </a:endParaRPr>
+          </a:p>
+        </p:txBody>
+      </p:sp>
+      <p:sp>
+        <p:nvSpPr>
+          <p:cNvPr id="393" name="사각형: 둥근 모서리 32">
+            <a:extLst>
+              <a:ext uri="{FF2B5EF4-FFF2-40B4-BE49-F238E27FC236}">
+                <a16:creationId xmlns:a16="http://schemas.microsoft.com/office/drawing/2014/main" id="{EDB6362F-0E85-4E46-B828-4CFBA438F5C4}"/>
+              </a:ext>
+            </a:extLst>
+          </p:cNvPr>
+          <p:cNvSpPr/>
+          <p:nvPr/>
+        </p:nvSpPr>
+        <p:spPr>
+          <a:xfrm>
+            <a:off x="5853230" y="822495"/>
+            <a:ext cx="685376" cy="266656"/>
+          </a:xfrm>
+          <a:prstGeom prst="roundRect">
+            <a:avLst>
+              <a:gd name="adj" fmla="val 16462"/>
+            </a:avLst>
+          </a:prstGeom>
+          <a:ln w="12700">
+            <a:solidFill>
+              <a:schemeClr val="tx1"/>
+            </a:solidFill>
+          </a:ln>
+        </p:spPr>
+        <p:style>
+          <a:lnRef idx="2">
+            <a:schemeClr val="dk1"/>
+          </a:lnRef>
+          <a:fillRef idx="1">
+            <a:schemeClr val="lt1"/>
+          </a:fillRef>
+          <a:effectRef idx="0">
+            <a:schemeClr val="dk1"/>
+          </a:effectRef>
+          <a:fontRef idx="minor">
+            <a:schemeClr val="dk1"/>
+          </a:fontRef>
+        </p:style>
+        <p:txBody>
+          <a:bodyPr rtlCol="0" anchor="ctr"/>
+          <a:lstStyle/>
+          <a:p>
+            <a:pPr algn="ctr"/>
+            <a:r>
+              <a:rPr lang="en-US" altLang="ko-KR" sz="1000"/>
+              <a:t>Services</a:t>
+            </a:r>
+            <a:endParaRPr lang="en-US" altLang="ko-KR" sz="1200" b="1">
+              <a:solidFill>
+                <a:schemeClr val="tx2"/>
+              </a:solidFill>
+            </a:endParaRPr>
+          </a:p>
+        </p:txBody>
+      </p:sp>
+      <p:sp>
+        <p:nvSpPr>
+          <p:cNvPr id="411" name="TextBox 410">
+            <a:extLst>
+              <a:ext uri="{FF2B5EF4-FFF2-40B4-BE49-F238E27FC236}">
+                <a16:creationId xmlns:a16="http://schemas.microsoft.com/office/drawing/2014/main" id="{8FA87AF7-20BB-444E-A411-D5F92B44D3F4}"/>
+              </a:ext>
+            </a:extLst>
+          </p:cNvPr>
+          <p:cNvSpPr txBox="1"/>
+          <p:nvPr/>
+        </p:nvSpPr>
+        <p:spPr>
+          <a:xfrm>
+            <a:off x="5939864" y="2143761"/>
+            <a:ext cx="1685009" cy="246221"/>
+          </a:xfrm>
+          <a:prstGeom prst="rect">
+            <a:avLst/>
+          </a:prstGeom>
+          <a:noFill/>
+          <a:ln>
+            <a:noFill/>
+          </a:ln>
+        </p:spPr>
+        <p:txBody>
+          <a:bodyPr wrap="square" rtlCol="0">
+            <a:spAutoFit/>
+          </a:bodyPr>
+          <a:lstStyle/>
+          <a:p>
+            <a:r>
+              <a:rPr lang="en-US" altLang="ko-KR" sz="1000">
+                <a:solidFill>
+                  <a:schemeClr val="accent3"/>
+                </a:solidFill>
+              </a:rPr>
+              <a:t>Resolve to External DNS</a:t>
+            </a:r>
+            <a:endParaRPr lang="ko-KR" altLang="en-US" sz="1000">
+              <a:solidFill>
+                <a:schemeClr val="accent3"/>
+              </a:solidFill>
+            </a:endParaRPr>
+          </a:p>
+        </p:txBody>
+      </p:sp>
+    </p:spTree>
+    <p:extLst>
+      <p:ext uri="{BB962C8B-B14F-4D97-AF65-F5344CB8AC3E}">
+        <p14:creationId xmlns:p14="http://schemas.microsoft.com/office/powerpoint/2010/main" val="3240817009"/>
+      </p:ext>
+    </p:extLst>
+  </p:cSld>
+  <p:clrMapOvr>
+    <a:masterClrMapping/>
+  </p:clrMapOvr>
+</p:sld>
+</file>
+
+<file path=ppt/slides/slide2.xml><?xml version="1.0" encoding="utf-8"?>
+<p:sld xmlns:a="http://schemas.openxmlformats.org/drawingml/2006/main" xmlns:r="http://schemas.openxmlformats.org/officeDocument/2006/relationships" xmlns:p="http://schemas.openxmlformats.org/presentationml/2006/main">
+  <p:cSld>
+    <p:spTree>
+      <p:nvGrpSpPr>
+        <p:cNvPr id="1" name=""/>
+        <p:cNvGrpSpPr/>
+        <p:nvPr/>
+      </p:nvGrpSpPr>
+      <p:grpSpPr>
+        <a:xfrm>
+          <a:off x="0" y="0"/>
+          <a:ext cx="0" cy="0"/>
+          <a:chOff x="0" y="0"/>
+          <a:chExt cx="0" cy="0"/>
+        </a:xfrm>
+      </p:grpSpPr>
+    </p:spTree>
+    <p:extLst>
+      <p:ext uri="{BB962C8B-B14F-4D97-AF65-F5344CB8AC3E}">
+        <p14:creationId xmlns:p14="http://schemas.microsoft.com/office/powerpoint/2010/main" val="818033109"/>
+      </p:ext>
+    </p:extLst>
+  </p:cSld>
+  <p:clrMapOvr>
+    <a:masterClrMapping/>
+  </p:clrMapOvr>
+</p:sld>
+</file>
+
+<file path=ppt/slides/slide3.xml><?xml version="1.0" encoding="utf-8"?>
+<p:sld xmlns:a="http://schemas.openxmlformats.org/drawingml/2006/main" xmlns:r="http://schemas.openxmlformats.org/officeDocument/2006/relationships" xmlns:p="http://schemas.openxmlformats.org/presentationml/2006/main">
+  <p:cSld>
+    <p:spTree>
+      <p:nvGrpSpPr>
+        <p:cNvPr id="1" name=""/>
+        <p:cNvGrpSpPr/>
+        <p:nvPr/>
+      </p:nvGrpSpPr>
+      <p:grpSpPr>
+        <a:xfrm>
+          <a:off x="0" y="0"/>
+          <a:ext cx="0" cy="0"/>
+          <a:chOff x="0" y="0"/>
+          <a:chExt cx="0" cy="0"/>
+        </a:xfrm>
+      </p:grpSpPr>
+      <p:sp>
+        <p:nvSpPr>
+          <p:cNvPr id="84" name="사각형: 둥근 모서리 83">
+            <a:extLst>
+              <a:ext uri="{FF2B5EF4-FFF2-40B4-BE49-F238E27FC236}">
+                <a16:creationId xmlns:a16="http://schemas.microsoft.com/office/drawing/2014/main" id="{32714130-B837-4076-A581-218296D0A3C2}"/>
+              </a:ext>
+            </a:extLst>
+          </p:cNvPr>
+          <p:cNvSpPr/>
+          <p:nvPr/>
+        </p:nvSpPr>
+        <p:spPr>
+          <a:xfrm>
+            <a:off x="1115616" y="2635333"/>
+            <a:ext cx="3168352" cy="1800200"/>
+          </a:xfrm>
+          <a:prstGeom prst="roundRect">
+            <a:avLst>
+              <a:gd name="adj" fmla="val 4007"/>
+            </a:avLst>
+          </a:prstGeom>
+          <a:ln w="12700"/>
+        </p:spPr>
+        <p:style>
+          <a:lnRef idx="2">
+            <a:schemeClr val="dk1"/>
+          </a:lnRef>
+          <a:fillRef idx="1">
+            <a:schemeClr val="lt1"/>
+          </a:fillRef>
+          <a:effectRef idx="0">
+            <a:schemeClr val="dk1"/>
+          </a:effectRef>
+          <a:fontRef idx="minor">
+            <a:schemeClr val="dk1"/>
+          </a:fontRef>
+        </p:style>
+        <p:txBody>
+          <a:bodyPr rtlCol="0" anchor="b"/>
+          <a:lstStyle/>
+          <a:p>
+            <a:pPr algn="ctr"/>
+            <a:r>
+              <a:rPr lang="en-US" altLang="ko-KR" sz="1200" b="1"/>
+              <a:t>Worker Node</a:t>
+            </a:r>
+            <a:endParaRPr lang="ko-KR" altLang="en-US" sz="1200" b="1"/>
+          </a:p>
+        </p:txBody>
+      </p:sp>
+      <p:sp>
+        <p:nvSpPr>
+          <p:cNvPr id="85" name="사각형: 둥근 모서리 84">
+            <a:extLst>
+              <a:ext uri="{FF2B5EF4-FFF2-40B4-BE49-F238E27FC236}">
+                <a16:creationId xmlns:a16="http://schemas.microsoft.com/office/drawing/2014/main" id="{EA53FE2B-0A6D-49AD-9710-62B141CD003A}"/>
+              </a:ext>
+            </a:extLst>
+          </p:cNvPr>
+          <p:cNvSpPr/>
+          <p:nvPr/>
+        </p:nvSpPr>
+        <p:spPr>
+          <a:xfrm>
+            <a:off x="2752700" y="2722665"/>
+            <a:ext cx="1439500" cy="1352828"/>
+          </a:xfrm>
+          <a:prstGeom prst="roundRect">
+            <a:avLst>
+              <a:gd name="adj" fmla="val 6172"/>
+            </a:avLst>
+          </a:prstGeom>
+          <a:ln w="12700">
+            <a:solidFill>
+              <a:schemeClr val="tx1"/>
+            </a:solidFill>
+          </a:ln>
+        </p:spPr>
+        <p:style>
+          <a:lnRef idx="2">
+            <a:schemeClr val="dk1"/>
+          </a:lnRef>
+          <a:fillRef idx="1">
+            <a:schemeClr val="lt1"/>
+          </a:fillRef>
+          <a:effectRef idx="0">
+            <a:schemeClr val="dk1"/>
+          </a:effectRef>
+          <a:fontRef idx="minor">
+            <a:schemeClr val="dk1"/>
+          </a:fontRef>
+        </p:style>
+        <p:txBody>
+          <a:bodyPr rtlCol="0" anchor="b"/>
+          <a:lstStyle/>
+          <a:p>
+            <a:pPr algn="ctr"/>
+            <a:r>
+              <a:rPr lang="en-US" altLang="ko-KR" sz="1200"/>
+              <a:t>CoreDNS Pod</a:t>
+            </a:r>
+          </a:p>
+        </p:txBody>
+      </p:sp>
+      <p:sp>
+        <p:nvSpPr>
+          <p:cNvPr id="86" name="사각형: 둥근 모서리 85">
+            <a:extLst>
+              <a:ext uri="{FF2B5EF4-FFF2-40B4-BE49-F238E27FC236}">
+                <a16:creationId xmlns:a16="http://schemas.microsoft.com/office/drawing/2014/main" id="{4402F469-A30C-4F03-B350-302F8FB08D71}"/>
+              </a:ext>
+            </a:extLst>
+          </p:cNvPr>
+          <p:cNvSpPr/>
+          <p:nvPr/>
+        </p:nvSpPr>
+        <p:spPr>
+          <a:xfrm>
+            <a:off x="1264319" y="3676593"/>
+            <a:ext cx="1296144" cy="397851"/>
+          </a:xfrm>
+          <a:prstGeom prst="roundRect">
+            <a:avLst>
+              <a:gd name="adj" fmla="val 9318"/>
+            </a:avLst>
+          </a:prstGeom>
+          <a:ln w="12700">
+            <a:solidFill>
+              <a:schemeClr val="tx1"/>
+            </a:solidFill>
+          </a:ln>
+        </p:spPr>
+        <p:style>
+          <a:lnRef idx="2">
+            <a:schemeClr val="dk1"/>
+          </a:lnRef>
+          <a:fillRef idx="1">
+            <a:schemeClr val="lt1"/>
+          </a:fillRef>
+          <a:effectRef idx="0">
+            <a:schemeClr val="dk1"/>
+          </a:effectRef>
+          <a:fontRef idx="minor">
+            <a:schemeClr val="dk1"/>
+          </a:fontRef>
+        </p:style>
+        <p:txBody>
+          <a:bodyPr rtlCol="0" anchor="ctr"/>
+          <a:lstStyle/>
+          <a:p>
+            <a:pPr algn="ctr"/>
+            <a:r>
+              <a:rPr lang="en-US" altLang="ko-KR" sz="1100" b="1"/>
+              <a:t>8.8.8.8</a:t>
+            </a:r>
+          </a:p>
+          <a:p>
+            <a:pPr algn="ctr"/>
+            <a:r>
+              <a:rPr lang="en-US" altLang="ko-KR" sz="1100"/>
+              <a:t>/etc/resolv.conf</a:t>
+            </a:r>
+            <a:endParaRPr lang="ko-KR" altLang="en-US" sz="1100"/>
+          </a:p>
+        </p:txBody>
+      </p:sp>
+      <p:sp>
+        <p:nvSpPr>
+          <p:cNvPr id="87" name="사각형: 둥근 모서리 86">
+            <a:extLst>
+              <a:ext uri="{FF2B5EF4-FFF2-40B4-BE49-F238E27FC236}">
+                <a16:creationId xmlns:a16="http://schemas.microsoft.com/office/drawing/2014/main" id="{9AB0A42E-64B9-43ED-AE71-B6B1024FABCE}"/>
+              </a:ext>
+            </a:extLst>
+          </p:cNvPr>
+          <p:cNvSpPr/>
+          <p:nvPr/>
+        </p:nvSpPr>
+        <p:spPr>
+          <a:xfrm>
+            <a:off x="2824378" y="3359486"/>
+            <a:ext cx="1296144" cy="397851"/>
+          </a:xfrm>
+          <a:prstGeom prst="roundRect">
+            <a:avLst>
+              <a:gd name="adj" fmla="val 9318"/>
+            </a:avLst>
+          </a:prstGeom>
+          <a:ln w="12700">
+            <a:solidFill>
+              <a:schemeClr val="tx1"/>
+            </a:solidFill>
+          </a:ln>
+        </p:spPr>
+        <p:style>
+          <a:lnRef idx="2">
+            <a:schemeClr val="dk1"/>
+          </a:lnRef>
+          <a:fillRef idx="1">
+            <a:schemeClr val="lt1"/>
+          </a:fillRef>
+          <a:effectRef idx="0">
+            <a:schemeClr val="dk1"/>
+          </a:effectRef>
+          <a:fontRef idx="minor">
+            <a:schemeClr val="dk1"/>
+          </a:fontRef>
+        </p:style>
+        <p:txBody>
+          <a:bodyPr rtlCol="0" anchor="ctr"/>
+          <a:lstStyle/>
+          <a:p>
+            <a:pPr algn="ctr"/>
+            <a:r>
+              <a:rPr lang="en-US" altLang="ko-KR" sz="1100" b="1"/>
+              <a:t>8.8.8.8</a:t>
+            </a:r>
+          </a:p>
+          <a:p>
+            <a:pPr algn="ctr"/>
+            <a:r>
+              <a:rPr lang="en-US" altLang="ko-KR" sz="1100"/>
+              <a:t>/etc/resolv.conf</a:t>
+            </a:r>
+            <a:endParaRPr lang="ko-KR" altLang="en-US" sz="1100"/>
+          </a:p>
+        </p:txBody>
+      </p:sp>
+      <p:sp>
+        <p:nvSpPr>
+          <p:cNvPr id="88" name="사각형: 둥근 모서리 87">
+            <a:extLst>
+              <a:ext uri="{FF2B5EF4-FFF2-40B4-BE49-F238E27FC236}">
+                <a16:creationId xmlns:a16="http://schemas.microsoft.com/office/drawing/2014/main" id="{DFF6966F-BE93-4498-8665-127FC560470D}"/>
+              </a:ext>
+            </a:extLst>
+          </p:cNvPr>
+          <p:cNvSpPr/>
+          <p:nvPr/>
+        </p:nvSpPr>
+        <p:spPr>
+          <a:xfrm>
+            <a:off x="1193785" y="2722666"/>
+            <a:ext cx="1439500" cy="776763"/>
+          </a:xfrm>
+          <a:prstGeom prst="roundRect">
+            <a:avLst>
+              <a:gd name="adj" fmla="val 9318"/>
+            </a:avLst>
+          </a:prstGeom>
+          <a:ln w="12700">
+            <a:solidFill>
+              <a:schemeClr val="tx1"/>
+            </a:solidFill>
+          </a:ln>
+        </p:spPr>
+        <p:style>
+          <a:lnRef idx="2">
+            <a:schemeClr val="dk1"/>
+          </a:lnRef>
+          <a:fillRef idx="1">
+            <a:schemeClr val="lt1"/>
+          </a:fillRef>
+          <a:effectRef idx="0">
+            <a:schemeClr val="dk1"/>
+          </a:effectRef>
+          <a:fontRef idx="minor">
+            <a:schemeClr val="dk1"/>
+          </a:fontRef>
+        </p:style>
+        <p:txBody>
+          <a:bodyPr rtlCol="0" anchor="b"/>
+          <a:lstStyle/>
+          <a:p>
+            <a:pPr algn="ctr"/>
+            <a:r>
+              <a:rPr lang="en-US" altLang="ko-KR" sz="1200"/>
+              <a:t>Pod</a:t>
+            </a:r>
+          </a:p>
+        </p:txBody>
+      </p:sp>
+      <p:sp>
+        <p:nvSpPr>
+          <p:cNvPr id="89" name="사각형: 둥근 모서리 88">
+            <a:extLst>
+              <a:ext uri="{FF2B5EF4-FFF2-40B4-BE49-F238E27FC236}">
+                <a16:creationId xmlns:a16="http://schemas.microsoft.com/office/drawing/2014/main" id="{D273A666-2B5E-415E-8A01-A0A441D1B3C5}"/>
+              </a:ext>
+            </a:extLst>
+          </p:cNvPr>
+          <p:cNvSpPr/>
+          <p:nvPr/>
+        </p:nvSpPr>
+        <p:spPr>
+          <a:xfrm>
+            <a:off x="1265463" y="2808438"/>
+            <a:ext cx="1296144" cy="397851"/>
+          </a:xfrm>
+          <a:prstGeom prst="roundRect">
+            <a:avLst>
+              <a:gd name="adj" fmla="val 9318"/>
+            </a:avLst>
+          </a:prstGeom>
+          <a:ln w="12700">
+            <a:solidFill>
+              <a:schemeClr val="tx1"/>
+            </a:solidFill>
+          </a:ln>
+        </p:spPr>
+        <p:style>
+          <a:lnRef idx="2">
+            <a:schemeClr val="dk1"/>
+          </a:lnRef>
+          <a:fillRef idx="1">
+            <a:schemeClr val="lt1"/>
+          </a:fillRef>
+          <a:effectRef idx="0">
+            <a:schemeClr val="dk1"/>
+          </a:effectRef>
+          <a:fontRef idx="minor">
+            <a:schemeClr val="dk1"/>
+          </a:fontRef>
+        </p:style>
+        <p:txBody>
+          <a:bodyPr rtlCol="0" anchor="ctr"/>
+          <a:lstStyle/>
+          <a:p>
+            <a:pPr algn="ctr"/>
+            <a:r>
+              <a:rPr lang="en-US" altLang="ko-KR" sz="1100" b="1"/>
+              <a:t>10.96.0.10</a:t>
+            </a:r>
+          </a:p>
+          <a:p>
+            <a:pPr algn="ctr"/>
+            <a:r>
+              <a:rPr lang="en-US" altLang="ko-KR" sz="1100"/>
+              <a:t>/etc/resolv.conf</a:t>
+            </a:r>
+            <a:endParaRPr lang="ko-KR" altLang="en-US" sz="1100"/>
+          </a:p>
+        </p:txBody>
+      </p:sp>
+      <p:sp>
+        <p:nvSpPr>
+          <p:cNvPr id="90" name="사각형: 둥근 모서리 89">
+            <a:extLst>
+              <a:ext uri="{FF2B5EF4-FFF2-40B4-BE49-F238E27FC236}">
+                <a16:creationId xmlns:a16="http://schemas.microsoft.com/office/drawing/2014/main" id="{53B6AE80-0E49-44EB-9444-D363F8A494F2}"/>
+              </a:ext>
+            </a:extLst>
+          </p:cNvPr>
+          <p:cNvSpPr/>
+          <p:nvPr/>
+        </p:nvSpPr>
+        <p:spPr>
+          <a:xfrm>
+            <a:off x="2824378" y="3081107"/>
+            <a:ext cx="1296144" cy="278379"/>
+          </a:xfrm>
+          <a:prstGeom prst="roundRect">
+            <a:avLst>
+              <a:gd name="adj" fmla="val 14823"/>
+            </a:avLst>
+          </a:prstGeom>
+          <a:ln w="12700">
+            <a:solidFill>
+              <a:schemeClr val="tx1"/>
+            </a:solidFill>
+          </a:ln>
+        </p:spPr>
+        <p:style>
+          <a:lnRef idx="2">
+            <a:schemeClr val="dk1"/>
+          </a:lnRef>
+          <a:fillRef idx="1">
+            <a:schemeClr val="lt1"/>
+          </a:fillRef>
+          <a:effectRef idx="0">
+            <a:schemeClr val="dk1"/>
+          </a:effectRef>
+          <a:fontRef idx="minor">
+            <a:schemeClr val="dk1"/>
+          </a:fontRef>
+        </p:style>
+        <p:txBody>
+          <a:bodyPr rtlCol="0" anchor="ctr"/>
+          <a:lstStyle/>
+          <a:p>
+            <a:pPr algn="ctr"/>
+            <a:r>
+              <a:rPr lang="en-US" altLang="ko-KR" sz="1100"/>
+              <a:t>CoreDNS Config</a:t>
+            </a:r>
+            <a:endParaRPr lang="ko-KR" altLang="en-US" sz="1100"/>
+          </a:p>
+        </p:txBody>
+      </p:sp>
+      <p:sp>
+        <p:nvSpPr>
+          <p:cNvPr id="91" name="사각형: 둥근 모서리 90">
+            <a:extLst>
+              <a:ext uri="{FF2B5EF4-FFF2-40B4-BE49-F238E27FC236}">
+                <a16:creationId xmlns:a16="http://schemas.microsoft.com/office/drawing/2014/main" id="{1DF497C8-EDFC-4771-A9B6-D420BC34F367}"/>
+              </a:ext>
+            </a:extLst>
+          </p:cNvPr>
+          <p:cNvSpPr/>
+          <p:nvPr/>
+        </p:nvSpPr>
+        <p:spPr>
+          <a:xfrm>
+            <a:off x="2824378" y="2802466"/>
+            <a:ext cx="1296144" cy="278379"/>
+          </a:xfrm>
+          <a:prstGeom prst="roundRect">
+            <a:avLst>
+              <a:gd name="adj" fmla="val 14823"/>
+            </a:avLst>
+          </a:prstGeom>
+          <a:ln w="12700">
+            <a:solidFill>
+              <a:schemeClr val="tx1"/>
+            </a:solidFill>
+          </a:ln>
+        </p:spPr>
+        <p:style>
+          <a:lnRef idx="2">
+            <a:schemeClr val="dk1"/>
+          </a:lnRef>
+          <a:fillRef idx="1">
+            <a:schemeClr val="lt1"/>
+          </a:fillRef>
+          <a:effectRef idx="0">
+            <a:schemeClr val="dk1"/>
+          </a:effectRef>
+          <a:fontRef idx="minor">
+            <a:schemeClr val="dk1"/>
+          </a:fontRef>
+        </p:style>
+        <p:txBody>
+          <a:bodyPr rtlCol="0" anchor="ctr"/>
+          <a:lstStyle/>
+          <a:p>
+            <a:pPr algn="ctr"/>
+            <a:r>
+              <a:rPr lang="en-US" altLang="ko-KR" sz="1100" b="1"/>
+              <a:t>CoreDNS</a:t>
+            </a:r>
+            <a:endParaRPr lang="ko-KR" altLang="en-US" sz="1100" b="1"/>
+          </a:p>
+        </p:txBody>
+      </p:sp>
+      <p:sp>
+        <p:nvSpPr>
+          <p:cNvPr id="123" name="사각형: 둥근 모서리 2">
+            <a:extLst>
+              <a:ext uri="{FF2B5EF4-FFF2-40B4-BE49-F238E27FC236}">
+                <a16:creationId xmlns:a16="http://schemas.microsoft.com/office/drawing/2014/main" id="{CEFB6033-FC9D-D14D-92D5-D30D8E637F58}"/>
+              </a:ext>
+            </a:extLst>
+          </p:cNvPr>
+          <p:cNvSpPr/>
+          <p:nvPr/>
+        </p:nvSpPr>
+        <p:spPr>
+          <a:xfrm>
+            <a:off x="1115616" y="627534"/>
+            <a:ext cx="3168352" cy="1156052"/>
+          </a:xfrm>
+          <a:prstGeom prst="roundRect">
+            <a:avLst>
+              <a:gd name="adj" fmla="val 4007"/>
+            </a:avLst>
+          </a:prstGeom>
+          <a:ln w="12700"/>
+        </p:spPr>
+        <p:style>
+          <a:lnRef idx="2">
+            <a:schemeClr val="dk1"/>
+          </a:lnRef>
+          <a:fillRef idx="1">
+            <a:schemeClr val="lt1"/>
+          </a:fillRef>
+          <a:effectRef idx="0">
+            <a:schemeClr val="dk1"/>
+          </a:effectRef>
+          <a:fontRef idx="minor">
+            <a:schemeClr val="dk1"/>
+          </a:fontRef>
+        </p:style>
+        <p:txBody>
+          <a:bodyPr rtlCol="0" anchor="t"/>
+          <a:lstStyle/>
+          <a:p>
+            <a:pPr algn="ctr"/>
+            <a:r>
+              <a:rPr lang="en-US" altLang="ko-KR" sz="1200" b="1"/>
+              <a:t>Worker Node</a:t>
+            </a:r>
+            <a:endParaRPr lang="ko-KR" altLang="en-US" sz="1200" b="1"/>
+          </a:p>
+        </p:txBody>
+      </p:sp>
+      <p:sp>
+        <p:nvSpPr>
+          <p:cNvPr id="127" name="사각형: 둥근 모서리 23">
+            <a:extLst>
+              <a:ext uri="{FF2B5EF4-FFF2-40B4-BE49-F238E27FC236}">
+                <a16:creationId xmlns:a16="http://schemas.microsoft.com/office/drawing/2014/main" id="{7865F93E-9A39-2A4F-8C04-B98542397C14}"/>
+              </a:ext>
+            </a:extLst>
+          </p:cNvPr>
+          <p:cNvSpPr/>
+          <p:nvPr/>
+        </p:nvSpPr>
+        <p:spPr>
+          <a:xfrm>
+            <a:off x="2752700" y="919491"/>
+            <a:ext cx="1439500" cy="776763"/>
+          </a:xfrm>
+          <a:prstGeom prst="roundRect">
+            <a:avLst>
+              <a:gd name="adj" fmla="val 9318"/>
+            </a:avLst>
+          </a:prstGeom>
+          <a:ln w="12700">
+            <a:solidFill>
+              <a:schemeClr val="tx1"/>
+            </a:solidFill>
+          </a:ln>
+        </p:spPr>
+        <p:style>
+          <a:lnRef idx="2">
+            <a:schemeClr val="dk1"/>
+          </a:lnRef>
+          <a:fillRef idx="1">
+            <a:schemeClr val="lt1"/>
+          </a:fillRef>
+          <a:effectRef idx="0">
+            <a:schemeClr val="dk1"/>
+          </a:effectRef>
+          <a:fontRef idx="minor">
+            <a:schemeClr val="dk1"/>
+          </a:fontRef>
+        </p:style>
+        <p:txBody>
+          <a:bodyPr rtlCol="0" anchor="b"/>
+          <a:lstStyle/>
+          <a:p>
+            <a:pPr algn="ctr"/>
+            <a:r>
+              <a:rPr lang="en-US" altLang="ko-KR" sz="1200"/>
+              <a:t>Pod</a:t>
+            </a:r>
+          </a:p>
+        </p:txBody>
+      </p:sp>
+      <p:sp>
+        <p:nvSpPr>
+          <p:cNvPr id="128" name="사각형: 둥근 모서리 24">
+            <a:extLst>
+              <a:ext uri="{FF2B5EF4-FFF2-40B4-BE49-F238E27FC236}">
+                <a16:creationId xmlns:a16="http://schemas.microsoft.com/office/drawing/2014/main" id="{E429823E-A993-F744-AA6C-308663B66434}"/>
+              </a:ext>
+            </a:extLst>
+          </p:cNvPr>
+          <p:cNvSpPr/>
+          <p:nvPr/>
+        </p:nvSpPr>
+        <p:spPr>
+          <a:xfrm>
+            <a:off x="2824378" y="1005263"/>
+            <a:ext cx="1296144" cy="397851"/>
+          </a:xfrm>
+          <a:prstGeom prst="roundRect">
+            <a:avLst>
+              <a:gd name="adj" fmla="val 9318"/>
+            </a:avLst>
+          </a:prstGeom>
+          <a:ln w="12700">
+            <a:solidFill>
+              <a:schemeClr val="tx1"/>
+            </a:solidFill>
+          </a:ln>
+        </p:spPr>
+        <p:style>
+          <a:lnRef idx="2">
+            <a:schemeClr val="dk1"/>
+          </a:lnRef>
+          <a:fillRef idx="1">
+            <a:schemeClr val="lt1"/>
+          </a:fillRef>
+          <a:effectRef idx="0">
+            <a:schemeClr val="dk1"/>
+          </a:effectRef>
+          <a:fontRef idx="minor">
+            <a:schemeClr val="dk1"/>
+          </a:fontRef>
+        </p:style>
+        <p:txBody>
+          <a:bodyPr rtlCol="0" anchor="ctr"/>
+          <a:lstStyle/>
+          <a:p>
+            <a:pPr algn="ctr"/>
+            <a:r>
+              <a:rPr lang="en-US" altLang="ko-KR" sz="1100" b="1"/>
+              <a:t>10.96.0.10</a:t>
+            </a:r>
+          </a:p>
+          <a:p>
+            <a:pPr algn="ctr"/>
+            <a:r>
+              <a:rPr lang="en-US" altLang="ko-KR" sz="1100"/>
+              <a:t>/etc/resolv.conf</a:t>
+            </a:r>
+            <a:endParaRPr lang="ko-KR" altLang="en-US" sz="1100"/>
+          </a:p>
+        </p:txBody>
+      </p:sp>
+      <p:sp>
+        <p:nvSpPr>
+          <p:cNvPr id="131" name="사각형: 둥근 모서리 23">
+            <a:extLst>
+              <a:ext uri="{FF2B5EF4-FFF2-40B4-BE49-F238E27FC236}">
+                <a16:creationId xmlns:a16="http://schemas.microsoft.com/office/drawing/2014/main" id="{0D2D6D9E-F133-CE4F-93A7-2F893893BDE7}"/>
+              </a:ext>
+            </a:extLst>
+          </p:cNvPr>
+          <p:cNvSpPr/>
+          <p:nvPr/>
+        </p:nvSpPr>
+        <p:spPr>
+          <a:xfrm>
+            <a:off x="1197230" y="915965"/>
+            <a:ext cx="1439500" cy="776763"/>
+          </a:xfrm>
+          <a:prstGeom prst="roundRect">
+            <a:avLst>
+              <a:gd name="adj" fmla="val 9318"/>
+            </a:avLst>
+          </a:prstGeom>
+          <a:ln w="12700">
+            <a:solidFill>
+              <a:schemeClr val="tx1"/>
+            </a:solidFill>
+          </a:ln>
+        </p:spPr>
+        <p:style>
+          <a:lnRef idx="2">
+            <a:schemeClr val="dk1"/>
+          </a:lnRef>
+          <a:fillRef idx="1">
+            <a:schemeClr val="lt1"/>
+          </a:fillRef>
+          <a:effectRef idx="0">
+            <a:schemeClr val="dk1"/>
+          </a:effectRef>
+          <a:fontRef idx="minor">
+            <a:schemeClr val="dk1"/>
+          </a:fontRef>
+        </p:style>
+        <p:txBody>
+          <a:bodyPr rtlCol="0" anchor="b"/>
+          <a:lstStyle/>
+          <a:p>
+            <a:pPr algn="ctr"/>
+            <a:r>
+              <a:rPr lang="en-US" altLang="ko-KR" sz="1200"/>
+              <a:t>Pod</a:t>
+            </a:r>
+          </a:p>
+        </p:txBody>
+      </p:sp>
+      <p:sp>
+        <p:nvSpPr>
+          <p:cNvPr id="132" name="사각형: 둥근 모서리 24">
+            <a:extLst>
+              <a:ext uri="{FF2B5EF4-FFF2-40B4-BE49-F238E27FC236}">
+                <a16:creationId xmlns:a16="http://schemas.microsoft.com/office/drawing/2014/main" id="{906B07DC-8B28-6447-B14A-E8188F067B0D}"/>
+              </a:ext>
+            </a:extLst>
+          </p:cNvPr>
+          <p:cNvSpPr/>
+          <p:nvPr/>
+        </p:nvSpPr>
+        <p:spPr>
+          <a:xfrm>
+            <a:off x="1268908" y="1001737"/>
+            <a:ext cx="1296144" cy="397851"/>
+          </a:xfrm>
+          <a:prstGeom prst="roundRect">
+            <a:avLst>
+              <a:gd name="adj" fmla="val 9318"/>
+            </a:avLst>
+          </a:prstGeom>
+          <a:ln w="12700">
+            <a:solidFill>
+              <a:schemeClr val="tx1"/>
+            </a:solidFill>
+          </a:ln>
+        </p:spPr>
+        <p:style>
+          <a:lnRef idx="2">
+            <a:schemeClr val="dk1"/>
+          </a:lnRef>
+          <a:fillRef idx="1">
+            <a:schemeClr val="lt1"/>
+          </a:fillRef>
+          <a:effectRef idx="0">
+            <a:schemeClr val="dk1"/>
+          </a:effectRef>
+          <a:fontRef idx="minor">
+            <a:schemeClr val="dk1"/>
+          </a:fontRef>
+        </p:style>
+        <p:txBody>
+          <a:bodyPr rtlCol="0" anchor="ctr"/>
+          <a:lstStyle/>
+          <a:p>
+            <a:pPr algn="ctr"/>
+            <a:r>
+              <a:rPr lang="en-US" altLang="ko-KR" sz="1100" b="1"/>
+              <a:t>10.96.0.10</a:t>
+            </a:r>
+          </a:p>
+          <a:p>
+            <a:pPr algn="ctr"/>
+            <a:r>
+              <a:rPr lang="en-US" altLang="ko-KR" sz="1100"/>
+              <a:t>/etc/resolv.conf</a:t>
+            </a:r>
+            <a:endParaRPr lang="ko-KR" altLang="en-US" sz="1100"/>
+          </a:p>
+        </p:txBody>
+      </p:sp>
+      <p:cxnSp>
+        <p:nvCxnSpPr>
+          <p:cNvPr id="156" name="Elbow Connector 155">
+            <a:extLst>
+              <a:ext uri="{FF2B5EF4-FFF2-40B4-BE49-F238E27FC236}">
+                <a16:creationId xmlns:a16="http://schemas.microsoft.com/office/drawing/2014/main" id="{D96DF85A-558D-4C4A-AAE2-D45BB41EB306}"/>
+              </a:ext>
+            </a:extLst>
+          </p:cNvPr>
+          <p:cNvCxnSpPr>
+            <a:cxnSpLocks/>
+            <a:stCxn id="86" idx="3"/>
+            <a:endCxn id="87" idx="1"/>
+          </p:cNvCxnSpPr>
+          <p:nvPr/>
+        </p:nvCxnSpPr>
+        <p:spPr>
+          <a:xfrm flipV="1">
+            <a:off x="2560463" y="3558412"/>
+            <a:ext cx="263915" cy="317107"/>
+          </a:xfrm>
+          <a:prstGeom prst="bentConnector3">
+            <a:avLst>
+              <a:gd name="adj1" fmla="val 50000"/>
+            </a:avLst>
+          </a:prstGeom>
+          <a:ln w="12700">
+            <a:solidFill>
+              <a:schemeClr val="tx1"/>
+            </a:solidFill>
+            <a:prstDash val="dash"/>
+            <a:tailEnd type="triangle"/>
+          </a:ln>
+        </p:spPr>
+        <p:style>
+          <a:lnRef idx="1">
+            <a:schemeClr val="accent1"/>
+          </a:lnRef>
+          <a:fillRef idx="0">
+            <a:schemeClr val="accent1"/>
+          </a:fillRef>
+          <a:effectRef idx="0">
+            <a:schemeClr val="accent1"/>
+          </a:effectRef>
+          <a:fontRef idx="minor">
+            <a:schemeClr val="tx1"/>
+          </a:fontRef>
+        </p:style>
+      </p:cxnSp>
+      <p:cxnSp>
+        <p:nvCxnSpPr>
+          <p:cNvPr id="249" name="Elbow Connector 248">
+            <a:extLst>
+              <a:ext uri="{FF2B5EF4-FFF2-40B4-BE49-F238E27FC236}">
+                <a16:creationId xmlns:a16="http://schemas.microsoft.com/office/drawing/2014/main" id="{044FD7EC-4B72-2447-B9DF-219729942A6C}"/>
+              </a:ext>
+            </a:extLst>
+          </p:cNvPr>
+          <p:cNvCxnSpPr>
+            <a:cxnSpLocks/>
+            <a:stCxn id="89" idx="0"/>
+            <a:endCxn id="91" idx="0"/>
+          </p:cNvCxnSpPr>
+          <p:nvPr/>
+        </p:nvCxnSpPr>
+        <p:spPr>
+          <a:xfrm rot="5400000" flipH="1" flipV="1">
+            <a:off x="2690006" y="2025995"/>
+            <a:ext cx="5972" cy="1558915"/>
+          </a:xfrm>
+          <a:prstGeom prst="bentConnector3">
+            <a:avLst>
+              <a:gd name="adj1" fmla="val 3927863"/>
+            </a:avLst>
+          </a:prstGeom>
+          <a:ln w="12700">
+            <a:solidFill>
+              <a:schemeClr val="tx2"/>
+            </a:solidFill>
+            <a:tailEnd type="triangle"/>
+          </a:ln>
+        </p:spPr>
+        <p:style>
+          <a:lnRef idx="1">
+            <a:schemeClr val="accent1"/>
+          </a:lnRef>
+          <a:fillRef idx="0">
+            <a:schemeClr val="accent1"/>
+          </a:fillRef>
+          <a:effectRef idx="0">
+            <a:schemeClr val="accent1"/>
+          </a:effectRef>
+          <a:fontRef idx="minor">
+            <a:schemeClr val="tx1"/>
+          </a:fontRef>
+        </p:style>
+      </p:cxnSp>
+      <p:cxnSp>
+        <p:nvCxnSpPr>
+          <p:cNvPr id="254" name="직선 화살표 연결선 42">
+            <a:extLst>
+              <a:ext uri="{FF2B5EF4-FFF2-40B4-BE49-F238E27FC236}">
+                <a16:creationId xmlns:a16="http://schemas.microsoft.com/office/drawing/2014/main" id="{8F53E5A0-4FD2-DD48-B901-3B9140ADA02D}"/>
+              </a:ext>
+            </a:extLst>
+          </p:cNvPr>
+          <p:cNvCxnSpPr>
+            <a:cxnSpLocks/>
+            <a:stCxn id="89" idx="0"/>
+            <a:endCxn id="131" idx="2"/>
+          </p:cNvCxnSpPr>
+          <p:nvPr/>
+        </p:nvCxnSpPr>
+        <p:spPr>
+          <a:xfrm flipV="1">
+            <a:off x="1913535" y="1692728"/>
+            <a:ext cx="3445" cy="1115710"/>
+          </a:xfrm>
+          <a:prstGeom prst="straightConnector1">
+            <a:avLst/>
+          </a:prstGeom>
+          <a:ln w="12700">
+            <a:solidFill>
+              <a:schemeClr val="tx2"/>
+            </a:solidFill>
+            <a:headEnd type="none" w="med" len="med"/>
+            <a:tailEnd type="none" w="med" len="med"/>
+          </a:ln>
+        </p:spPr>
+        <p:style>
+          <a:lnRef idx="1">
+            <a:schemeClr val="accent1"/>
+          </a:lnRef>
+          <a:fillRef idx="0">
+            <a:schemeClr val="accent1"/>
+          </a:fillRef>
+          <a:effectRef idx="0">
+            <a:schemeClr val="accent1"/>
+          </a:effectRef>
+          <a:fontRef idx="minor">
+            <a:schemeClr val="tx1"/>
+          </a:fontRef>
+        </p:style>
+      </p:cxnSp>
+      <p:cxnSp>
+        <p:nvCxnSpPr>
+          <p:cNvPr id="258" name="직선 화살표 연결선 42">
+            <a:extLst>
+              <a:ext uri="{FF2B5EF4-FFF2-40B4-BE49-F238E27FC236}">
+                <a16:creationId xmlns:a16="http://schemas.microsoft.com/office/drawing/2014/main" id="{960112F8-466A-A94D-91BE-52BE7B43EBC2}"/>
+              </a:ext>
+            </a:extLst>
+          </p:cNvPr>
+          <p:cNvCxnSpPr>
+            <a:cxnSpLocks/>
+            <a:stCxn id="91" idx="0"/>
+            <a:endCxn id="127" idx="2"/>
+          </p:cNvCxnSpPr>
+          <p:nvPr/>
+        </p:nvCxnSpPr>
+        <p:spPr>
+          <a:xfrm flipV="1">
+            <a:off x="3472450" y="1696254"/>
+            <a:ext cx="0" cy="1106212"/>
+          </a:xfrm>
+          <a:prstGeom prst="straightConnector1">
+            <a:avLst/>
+          </a:prstGeom>
+          <a:ln w="12700">
+            <a:solidFill>
+              <a:schemeClr val="tx2"/>
+            </a:solidFill>
+            <a:headEnd type="none" w="med" len="med"/>
+            <a:tailEnd type="none" w="med" len="med"/>
+          </a:ln>
+        </p:spPr>
+        <p:style>
+          <a:lnRef idx="1">
+            <a:schemeClr val="accent1"/>
+          </a:lnRef>
+          <a:fillRef idx="0">
+            <a:schemeClr val="accent1"/>
+          </a:fillRef>
+          <a:effectRef idx="0">
+            <a:schemeClr val="accent1"/>
+          </a:effectRef>
+          <a:fontRef idx="minor">
+            <a:schemeClr val="tx1"/>
+          </a:fontRef>
+        </p:style>
+      </p:cxnSp>
+      <p:sp>
+        <p:nvSpPr>
+          <p:cNvPr id="261" name="사각형: 둥근 모서리 46">
+            <a:extLst>
+              <a:ext uri="{FF2B5EF4-FFF2-40B4-BE49-F238E27FC236}">
+                <a16:creationId xmlns:a16="http://schemas.microsoft.com/office/drawing/2014/main" id="{7E01DA4A-C28F-3F4E-ACC8-9F5DB5976C2C}"/>
+              </a:ext>
+            </a:extLst>
+          </p:cNvPr>
+          <p:cNvSpPr/>
+          <p:nvPr/>
+        </p:nvSpPr>
+        <p:spPr>
+          <a:xfrm>
+            <a:off x="4824076" y="1299384"/>
+            <a:ext cx="1603346" cy="832894"/>
+          </a:xfrm>
+          <a:prstGeom prst="roundRect">
+            <a:avLst>
+              <a:gd name="adj" fmla="val 8959"/>
+            </a:avLst>
+          </a:prstGeom>
+          <a:ln w="12700"/>
+        </p:spPr>
+        <p:style>
+          <a:lnRef idx="2">
+            <a:schemeClr val="dk1"/>
+          </a:lnRef>
+          <a:fillRef idx="1">
+            <a:schemeClr val="lt1"/>
+          </a:fillRef>
+          <a:effectRef idx="0">
+            <a:schemeClr val="dk1"/>
+          </a:effectRef>
+          <a:fontRef idx="minor">
+            <a:schemeClr val="dk1"/>
+          </a:fontRef>
+        </p:style>
+        <p:txBody>
+          <a:bodyPr rtlCol="0" anchor="t"/>
+          <a:lstStyle/>
+          <a:p>
+            <a:pPr algn="ctr"/>
+            <a:r>
+              <a:rPr lang="en-US" altLang="ko-KR" sz="1200" b="1"/>
+              <a:t>Master Node</a:t>
+            </a:r>
+            <a:endParaRPr lang="ko-KR" altLang="en-US" sz="1200" b="1"/>
+          </a:p>
+        </p:txBody>
+      </p:sp>
+      <p:sp>
+        <p:nvSpPr>
+          <p:cNvPr id="262" name="사각형: 둥근 모서리 53">
+            <a:extLst>
+              <a:ext uri="{FF2B5EF4-FFF2-40B4-BE49-F238E27FC236}">
+                <a16:creationId xmlns:a16="http://schemas.microsoft.com/office/drawing/2014/main" id="{7A25D611-5304-F840-9A68-288A4DDFB83C}"/>
+              </a:ext>
+            </a:extLst>
+          </p:cNvPr>
+          <p:cNvSpPr/>
+          <p:nvPr/>
+        </p:nvSpPr>
+        <p:spPr>
+          <a:xfrm>
+            <a:off x="4983087" y="1643474"/>
+            <a:ext cx="1296144" cy="379509"/>
+          </a:xfrm>
+          <a:prstGeom prst="roundRect">
+            <a:avLst>
+              <a:gd name="adj" fmla="val 9318"/>
+            </a:avLst>
+          </a:prstGeom>
+          <a:ln w="12700">
+            <a:solidFill>
+              <a:schemeClr val="tx1"/>
+            </a:solidFill>
+          </a:ln>
+        </p:spPr>
+        <p:style>
+          <a:lnRef idx="2">
+            <a:schemeClr val="dk1"/>
+          </a:lnRef>
+          <a:fillRef idx="1">
+            <a:schemeClr val="lt1"/>
+          </a:fillRef>
+          <a:effectRef idx="0">
+            <a:schemeClr val="dk1"/>
+          </a:effectRef>
+          <a:fontRef idx="minor">
+            <a:schemeClr val="dk1"/>
+          </a:fontRef>
+        </p:style>
+        <p:txBody>
+          <a:bodyPr rtlCol="0" anchor="ctr"/>
+          <a:lstStyle/>
+          <a:p>
+            <a:pPr algn="ctr"/>
+            <a:r>
+              <a:rPr lang="en-US" altLang="ko-KR" sz="1200"/>
+              <a:t>K8s API Server</a:t>
+            </a:r>
+          </a:p>
+        </p:txBody>
+      </p:sp>
+      <p:sp>
+        <p:nvSpPr>
+          <p:cNvPr id="263" name="사각형: 둥근 모서리 46">
+            <a:extLst>
+              <a:ext uri="{FF2B5EF4-FFF2-40B4-BE49-F238E27FC236}">
+                <a16:creationId xmlns:a16="http://schemas.microsoft.com/office/drawing/2014/main" id="{8E5C335A-B1D9-404C-BAB8-8F48C509EA56}"/>
+              </a:ext>
+            </a:extLst>
+          </p:cNvPr>
+          <p:cNvSpPr/>
+          <p:nvPr/>
+        </p:nvSpPr>
+        <p:spPr>
+          <a:xfrm>
+            <a:off x="4911950" y="2717095"/>
+            <a:ext cx="1439500" cy="449119"/>
+          </a:xfrm>
+          <a:prstGeom prst="roundRect">
+            <a:avLst>
+              <a:gd name="adj" fmla="val 8959"/>
+            </a:avLst>
+          </a:prstGeom>
+          <a:ln w="12700"/>
+        </p:spPr>
+        <p:style>
+          <a:lnRef idx="2">
+            <a:schemeClr val="dk1"/>
+          </a:lnRef>
+          <a:fillRef idx="1">
+            <a:schemeClr val="lt1"/>
+          </a:fillRef>
+          <a:effectRef idx="0">
+            <a:schemeClr val="dk1"/>
+          </a:effectRef>
+          <a:fontRef idx="minor">
+            <a:schemeClr val="dk1"/>
+          </a:fontRef>
+        </p:style>
+        <p:txBody>
+          <a:bodyPr rtlCol="0" anchor="ctr"/>
+          <a:lstStyle/>
+          <a:p>
+            <a:pPr algn="ctr"/>
+            <a:r>
+              <a:rPr lang="en-US" altLang="ko-KR" sz="1200"/>
+              <a:t>External DNS</a:t>
+            </a:r>
+          </a:p>
+          <a:p>
+            <a:pPr algn="ctr"/>
+            <a:r>
+              <a:rPr lang="en-US" altLang="ko-KR" sz="1200" b="1"/>
+              <a:t>8.8.8.8</a:t>
+            </a:r>
+            <a:endParaRPr lang="ko-KR" altLang="en-US" sz="1200" b="1"/>
+          </a:p>
+        </p:txBody>
+      </p:sp>
+      <p:cxnSp>
+        <p:nvCxnSpPr>
+          <p:cNvPr id="264" name="Elbow Connector 263">
+            <a:extLst>
+              <a:ext uri="{FF2B5EF4-FFF2-40B4-BE49-F238E27FC236}">
+                <a16:creationId xmlns:a16="http://schemas.microsoft.com/office/drawing/2014/main" id="{A9B56BC8-05C2-1A4B-A138-527912024804}"/>
+              </a:ext>
+            </a:extLst>
+          </p:cNvPr>
+          <p:cNvCxnSpPr>
+            <a:cxnSpLocks/>
+          </p:cNvCxnSpPr>
+          <p:nvPr/>
+        </p:nvCxnSpPr>
+        <p:spPr>
+          <a:xfrm flipV="1">
+            <a:off x="4120522" y="3013311"/>
+            <a:ext cx="791428" cy="1"/>
+          </a:xfrm>
+          <a:prstGeom prst="bentConnector3">
+            <a:avLst>
+              <a:gd name="adj1" fmla="val 50000"/>
+            </a:avLst>
+          </a:prstGeom>
+          <a:ln w="12700">
+            <a:solidFill>
+              <a:schemeClr val="tx2"/>
+            </a:solidFill>
+            <a:tailEnd type="triangle"/>
+          </a:ln>
+        </p:spPr>
+        <p:style>
+          <a:lnRef idx="1">
+            <a:schemeClr val="accent1"/>
+          </a:lnRef>
+          <a:fillRef idx="0">
+            <a:schemeClr val="accent1"/>
+          </a:fillRef>
+          <a:effectRef idx="0">
+            <a:schemeClr val="accent1"/>
+          </a:effectRef>
+          <a:fontRef idx="minor">
+            <a:schemeClr val="tx1"/>
+          </a:fontRef>
+        </p:style>
+      </p:cxnSp>
+      <p:cxnSp>
+        <p:nvCxnSpPr>
+          <p:cNvPr id="267" name="Elbow Connector 266">
+            <a:extLst>
+              <a:ext uri="{FF2B5EF4-FFF2-40B4-BE49-F238E27FC236}">
+                <a16:creationId xmlns:a16="http://schemas.microsoft.com/office/drawing/2014/main" id="{F6CD6308-1121-1A48-915B-7EA5A39250A4}"/>
+              </a:ext>
+            </a:extLst>
+          </p:cNvPr>
+          <p:cNvCxnSpPr>
+            <a:cxnSpLocks/>
+            <a:stCxn id="91" idx="3"/>
+            <a:endCxn id="262" idx="1"/>
+          </p:cNvCxnSpPr>
+          <p:nvPr/>
+        </p:nvCxnSpPr>
+        <p:spPr>
+          <a:xfrm flipV="1">
+            <a:off x="4120522" y="1833229"/>
+            <a:ext cx="862565" cy="1108427"/>
+          </a:xfrm>
+          <a:prstGeom prst="bentConnector3">
+            <a:avLst>
+              <a:gd name="adj1" fmla="val 50000"/>
+            </a:avLst>
+          </a:prstGeom>
+          <a:ln>
+            <a:solidFill>
+              <a:srgbClr val="C00000"/>
+            </a:solidFill>
+            <a:tailEnd type="triangle"/>
+          </a:ln>
+        </p:spPr>
+        <p:style>
+          <a:lnRef idx="1">
+            <a:schemeClr val="accent1"/>
+          </a:lnRef>
+          <a:fillRef idx="0">
+            <a:schemeClr val="accent1"/>
+          </a:fillRef>
+          <a:effectRef idx="0">
+            <a:schemeClr val="accent1"/>
+          </a:effectRef>
+          <a:fontRef idx="minor">
+            <a:schemeClr val="tx1"/>
+          </a:fontRef>
+        </p:style>
+      </p:cxnSp>
+      <p:sp>
+        <p:nvSpPr>
+          <p:cNvPr id="272" name="사각형: 둥근 모서리 32">
+            <a:extLst>
+              <a:ext uri="{FF2B5EF4-FFF2-40B4-BE49-F238E27FC236}">
+                <a16:creationId xmlns:a16="http://schemas.microsoft.com/office/drawing/2014/main" id="{CEE20859-FC2A-9748-806D-F96228A017AD}"/>
+              </a:ext>
+            </a:extLst>
+          </p:cNvPr>
+          <p:cNvSpPr/>
+          <p:nvPr/>
+        </p:nvSpPr>
+        <p:spPr>
+          <a:xfrm>
+            <a:off x="1974145" y="1933386"/>
+            <a:ext cx="1439500" cy="642964"/>
+          </a:xfrm>
+          <a:prstGeom prst="roundRect">
+            <a:avLst>
+              <a:gd name="adj" fmla="val 9318"/>
+            </a:avLst>
+          </a:prstGeom>
+          <a:noFill/>
+          <a:ln w="12700">
+            <a:noFill/>
+          </a:ln>
+        </p:spPr>
+        <p:style>
+          <a:lnRef idx="2">
+            <a:schemeClr val="dk1"/>
+          </a:lnRef>
+          <a:fillRef idx="1">
+            <a:schemeClr val="lt1"/>
+          </a:fillRef>
+          <a:effectRef idx="0">
+            <a:schemeClr val="dk1"/>
+          </a:effectRef>
+          <a:fontRef idx="minor">
+            <a:schemeClr val="dk1"/>
+          </a:fontRef>
+        </p:style>
+        <p:txBody>
+          <a:bodyPr rtlCol="0" anchor="ctr"/>
+          <a:lstStyle/>
+          <a:p>
+            <a:pPr algn="ctr"/>
+            <a:r>
+              <a:rPr lang="en-US" altLang="ko-KR" sz="1200">
+                <a:solidFill>
+                  <a:schemeClr val="tx2"/>
+                </a:solidFill>
+              </a:rPr>
+              <a:t>CoreDNS Service</a:t>
+            </a:r>
+          </a:p>
+          <a:p>
+            <a:pPr algn="ctr"/>
+            <a:r>
+              <a:rPr lang="en-US" altLang="ko-KR" sz="1200">
+                <a:solidFill>
+                  <a:schemeClr val="tx2"/>
+                </a:solidFill>
+              </a:rPr>
+              <a:t>ClusterIP</a:t>
+            </a:r>
+          </a:p>
+          <a:p>
+            <a:pPr algn="ctr"/>
+            <a:r>
+              <a:rPr lang="en-US" altLang="ko-KR" sz="1200" b="1">
+                <a:solidFill>
+                  <a:schemeClr val="tx2"/>
+                </a:solidFill>
+              </a:rPr>
+              <a:t>10.96.0.10</a:t>
+            </a:r>
+          </a:p>
+        </p:txBody>
+      </p:sp>
+      <p:sp>
+        <p:nvSpPr>
+          <p:cNvPr id="278" name="TextBox 277">
+            <a:extLst>
+              <a:ext uri="{FF2B5EF4-FFF2-40B4-BE49-F238E27FC236}">
+                <a16:creationId xmlns:a16="http://schemas.microsoft.com/office/drawing/2014/main" id="{B3103E96-3B19-1241-B6E9-7A9D5AE50B51}"/>
+              </a:ext>
+            </a:extLst>
+          </p:cNvPr>
+          <p:cNvSpPr txBox="1"/>
+          <p:nvPr/>
+        </p:nvSpPr>
+        <p:spPr>
+          <a:xfrm>
+            <a:off x="1208014" y="2062449"/>
+            <a:ext cx="739818" cy="276999"/>
+          </a:xfrm>
+          <a:prstGeom prst="rect">
+            <a:avLst/>
+          </a:prstGeom>
+          <a:noFill/>
+          <a:ln>
+            <a:noFill/>
+          </a:ln>
+        </p:spPr>
+        <p:txBody>
+          <a:bodyPr wrap="square" rtlCol="0">
+            <a:spAutoFit/>
+          </a:bodyPr>
+          <a:lstStyle/>
+          <a:p>
+            <a:r>
+              <a:rPr lang="en-US" altLang="ko-KR" sz="1200" b="1">
+                <a:solidFill>
+                  <a:schemeClr val="tx2"/>
+                </a:solidFill>
+              </a:rPr>
+              <a:t>Resolve</a:t>
+            </a:r>
+            <a:endParaRPr lang="ko-KR" altLang="en-US" sz="1200" b="1">
+              <a:solidFill>
+                <a:schemeClr val="tx2"/>
+              </a:solidFill>
+            </a:endParaRPr>
+          </a:p>
+        </p:txBody>
+      </p:sp>
+      <p:sp>
+        <p:nvSpPr>
+          <p:cNvPr id="279" name="TextBox 278">
+            <a:extLst>
+              <a:ext uri="{FF2B5EF4-FFF2-40B4-BE49-F238E27FC236}">
+                <a16:creationId xmlns:a16="http://schemas.microsoft.com/office/drawing/2014/main" id="{760C3A64-AE15-DE48-8744-44EE5EFBD839}"/>
+              </a:ext>
+            </a:extLst>
+          </p:cNvPr>
+          <p:cNvSpPr txBox="1"/>
+          <p:nvPr/>
+        </p:nvSpPr>
+        <p:spPr>
+          <a:xfrm>
+            <a:off x="3907973" y="2339799"/>
             <a:ext cx="643831" cy="276999"/>
           </a:xfrm>
           <a:prstGeom prst="rect">
@@ -3599,6 +7414,4762 @@
           </a:p>
         </p:txBody>
       </p:sp>
+    </p:spTree>
+    <p:extLst>
+      <p:ext uri="{BB962C8B-B14F-4D97-AF65-F5344CB8AC3E}">
+        <p14:creationId xmlns:p14="http://schemas.microsoft.com/office/powerpoint/2010/main" val="2016051645"/>
+      </p:ext>
+    </p:extLst>
+  </p:cSld>
+  <p:clrMapOvr>
+    <a:masterClrMapping/>
+  </p:clrMapOvr>
+</p:sld>
+</file>
+
+<file path=ppt/slides/slide4.xml><?xml version="1.0" encoding="utf-8"?>
+<p:sld xmlns:a="http://schemas.openxmlformats.org/drawingml/2006/main" xmlns:r="http://schemas.openxmlformats.org/officeDocument/2006/relationships" xmlns:p="http://schemas.openxmlformats.org/presentationml/2006/main">
+  <p:cSld>
+    <p:spTree>
+      <p:nvGrpSpPr>
+        <p:cNvPr id="1" name=""/>
+        <p:cNvGrpSpPr/>
+        <p:nvPr/>
+      </p:nvGrpSpPr>
+      <p:grpSpPr>
+        <a:xfrm>
+          <a:off x="0" y="0"/>
+          <a:ext cx="0" cy="0"/>
+          <a:chOff x="0" y="0"/>
+          <a:chExt cx="0" cy="0"/>
+        </a:xfrm>
+      </p:grpSpPr>
+      <p:sp>
+        <p:nvSpPr>
+          <p:cNvPr id="84" name="사각형: 둥근 모서리 83">
+            <a:extLst>
+              <a:ext uri="{FF2B5EF4-FFF2-40B4-BE49-F238E27FC236}">
+                <a16:creationId xmlns:a16="http://schemas.microsoft.com/office/drawing/2014/main" id="{32714130-B837-4076-A581-218296D0A3C2}"/>
+              </a:ext>
+            </a:extLst>
+          </p:cNvPr>
+          <p:cNvSpPr/>
+          <p:nvPr/>
+        </p:nvSpPr>
+        <p:spPr>
+          <a:xfrm>
+            <a:off x="2296542" y="2355726"/>
+            <a:ext cx="3168352" cy="1800200"/>
+          </a:xfrm>
+          <a:prstGeom prst="roundRect">
+            <a:avLst>
+              <a:gd name="adj" fmla="val 4007"/>
+            </a:avLst>
+          </a:prstGeom>
+          <a:ln w="12700"/>
+        </p:spPr>
+        <p:style>
+          <a:lnRef idx="2">
+            <a:schemeClr val="dk1"/>
+          </a:lnRef>
+          <a:fillRef idx="1">
+            <a:schemeClr val="lt1"/>
+          </a:fillRef>
+          <a:effectRef idx="0">
+            <a:schemeClr val="dk1"/>
+          </a:effectRef>
+          <a:fontRef idx="minor">
+            <a:schemeClr val="dk1"/>
+          </a:fontRef>
+        </p:style>
+        <p:txBody>
+          <a:bodyPr rtlCol="0" anchor="b"/>
+          <a:lstStyle/>
+          <a:p>
+            <a:pPr algn="ctr"/>
+            <a:r>
+              <a:rPr lang="en-US" altLang="ko-KR" sz="1200" b="1"/>
+              <a:t>Worker Node</a:t>
+            </a:r>
+            <a:endParaRPr lang="ko-KR" altLang="en-US" sz="1200" b="1"/>
+          </a:p>
+        </p:txBody>
+      </p:sp>
+      <p:sp>
+        <p:nvSpPr>
+          <p:cNvPr id="85" name="사각형: 둥근 모서리 84">
+            <a:extLst>
+              <a:ext uri="{FF2B5EF4-FFF2-40B4-BE49-F238E27FC236}">
+                <a16:creationId xmlns:a16="http://schemas.microsoft.com/office/drawing/2014/main" id="{EA53FE2B-0A6D-49AD-9710-62B141CD003A}"/>
+              </a:ext>
+            </a:extLst>
+          </p:cNvPr>
+          <p:cNvSpPr/>
+          <p:nvPr/>
+        </p:nvSpPr>
+        <p:spPr>
+          <a:xfrm>
+            <a:off x="2383875" y="2443058"/>
+            <a:ext cx="1439500" cy="1352828"/>
+          </a:xfrm>
+          <a:prstGeom prst="roundRect">
+            <a:avLst>
+              <a:gd name="adj" fmla="val 6172"/>
+            </a:avLst>
+          </a:prstGeom>
+          <a:ln w="12700">
+            <a:solidFill>
+              <a:schemeClr val="tx1"/>
+            </a:solidFill>
+          </a:ln>
+        </p:spPr>
+        <p:style>
+          <a:lnRef idx="2">
+            <a:schemeClr val="dk1"/>
+          </a:lnRef>
+          <a:fillRef idx="1">
+            <a:schemeClr val="lt1"/>
+          </a:fillRef>
+          <a:effectRef idx="0">
+            <a:schemeClr val="dk1"/>
+          </a:effectRef>
+          <a:fontRef idx="minor">
+            <a:schemeClr val="dk1"/>
+          </a:fontRef>
+        </p:style>
+        <p:txBody>
+          <a:bodyPr rtlCol="0" anchor="b"/>
+          <a:lstStyle/>
+          <a:p>
+            <a:pPr algn="ctr"/>
+            <a:r>
+              <a:rPr lang="en-US" altLang="ko-KR" sz="1200"/>
+              <a:t>CoreDNS Pod</a:t>
+            </a:r>
+          </a:p>
+        </p:txBody>
+      </p:sp>
+      <p:sp>
+        <p:nvSpPr>
+          <p:cNvPr id="86" name="사각형: 둥근 모서리 85">
+            <a:extLst>
+              <a:ext uri="{FF2B5EF4-FFF2-40B4-BE49-F238E27FC236}">
+                <a16:creationId xmlns:a16="http://schemas.microsoft.com/office/drawing/2014/main" id="{4402F469-A30C-4F03-B350-302F8FB08D71}"/>
+              </a:ext>
+            </a:extLst>
+          </p:cNvPr>
+          <p:cNvSpPr/>
+          <p:nvPr/>
+        </p:nvSpPr>
+        <p:spPr>
+          <a:xfrm>
+            <a:off x="3996062" y="3396986"/>
+            <a:ext cx="1296144" cy="397851"/>
+          </a:xfrm>
+          <a:prstGeom prst="roundRect">
+            <a:avLst>
+              <a:gd name="adj" fmla="val 9318"/>
+            </a:avLst>
+          </a:prstGeom>
+          <a:ln w="12700">
+            <a:solidFill>
+              <a:schemeClr val="tx1"/>
+            </a:solidFill>
+          </a:ln>
+        </p:spPr>
+        <p:style>
+          <a:lnRef idx="2">
+            <a:schemeClr val="dk1"/>
+          </a:lnRef>
+          <a:fillRef idx="1">
+            <a:schemeClr val="lt1"/>
+          </a:fillRef>
+          <a:effectRef idx="0">
+            <a:schemeClr val="dk1"/>
+          </a:effectRef>
+          <a:fontRef idx="minor">
+            <a:schemeClr val="dk1"/>
+          </a:fontRef>
+        </p:style>
+        <p:txBody>
+          <a:bodyPr rtlCol="0" anchor="ctr"/>
+          <a:lstStyle/>
+          <a:p>
+            <a:pPr algn="ctr"/>
+            <a:r>
+              <a:rPr lang="en-US" altLang="ko-KR" sz="1100"/>
+              <a:t>8.8.8.8</a:t>
+            </a:r>
+          </a:p>
+          <a:p>
+            <a:pPr algn="ctr"/>
+            <a:r>
+              <a:rPr lang="en-US" altLang="ko-KR" sz="1100"/>
+              <a:t>/etc/resolv.conf</a:t>
+            </a:r>
+            <a:endParaRPr lang="ko-KR" altLang="en-US" sz="1100"/>
+          </a:p>
+        </p:txBody>
+      </p:sp>
+      <p:sp>
+        <p:nvSpPr>
+          <p:cNvPr id="87" name="사각형: 둥근 모서리 86">
+            <a:extLst>
+              <a:ext uri="{FF2B5EF4-FFF2-40B4-BE49-F238E27FC236}">
+                <a16:creationId xmlns:a16="http://schemas.microsoft.com/office/drawing/2014/main" id="{9AB0A42E-64B9-43ED-AE71-B6B1024FABCE}"/>
+              </a:ext>
+            </a:extLst>
+          </p:cNvPr>
+          <p:cNvSpPr/>
+          <p:nvPr/>
+        </p:nvSpPr>
+        <p:spPr>
+          <a:xfrm>
+            <a:off x="2455553" y="3079879"/>
+            <a:ext cx="1296144" cy="397851"/>
+          </a:xfrm>
+          <a:prstGeom prst="roundRect">
+            <a:avLst>
+              <a:gd name="adj" fmla="val 9318"/>
+            </a:avLst>
+          </a:prstGeom>
+          <a:ln w="12700">
+            <a:solidFill>
+              <a:schemeClr val="tx1"/>
+            </a:solidFill>
+          </a:ln>
+        </p:spPr>
+        <p:style>
+          <a:lnRef idx="2">
+            <a:schemeClr val="dk1"/>
+          </a:lnRef>
+          <a:fillRef idx="1">
+            <a:schemeClr val="lt1"/>
+          </a:fillRef>
+          <a:effectRef idx="0">
+            <a:schemeClr val="dk1"/>
+          </a:effectRef>
+          <a:fontRef idx="minor">
+            <a:schemeClr val="dk1"/>
+          </a:fontRef>
+        </p:style>
+        <p:txBody>
+          <a:bodyPr rtlCol="0" anchor="ctr"/>
+          <a:lstStyle/>
+          <a:p>
+            <a:pPr algn="ctr"/>
+            <a:r>
+              <a:rPr lang="en-US" altLang="ko-KR" sz="1100" b="1"/>
+              <a:t>8.8.8.8</a:t>
+            </a:r>
+          </a:p>
+          <a:p>
+            <a:pPr algn="ctr"/>
+            <a:r>
+              <a:rPr lang="en-US" altLang="ko-KR" sz="1100"/>
+              <a:t>/etc/resolv.conf</a:t>
+            </a:r>
+            <a:endParaRPr lang="ko-KR" altLang="en-US" sz="1100"/>
+          </a:p>
+        </p:txBody>
+      </p:sp>
+      <p:sp>
+        <p:nvSpPr>
+          <p:cNvPr id="88" name="사각형: 둥근 모서리 87">
+            <a:extLst>
+              <a:ext uri="{FF2B5EF4-FFF2-40B4-BE49-F238E27FC236}">
+                <a16:creationId xmlns:a16="http://schemas.microsoft.com/office/drawing/2014/main" id="{DFF6966F-BE93-4498-8665-127FC560470D}"/>
+              </a:ext>
+            </a:extLst>
+          </p:cNvPr>
+          <p:cNvSpPr/>
+          <p:nvPr/>
+        </p:nvSpPr>
+        <p:spPr>
+          <a:xfrm>
+            <a:off x="3925528" y="2443059"/>
+            <a:ext cx="1439500" cy="776763"/>
+          </a:xfrm>
+          <a:prstGeom prst="roundRect">
+            <a:avLst>
+              <a:gd name="adj" fmla="val 9318"/>
+            </a:avLst>
+          </a:prstGeom>
+          <a:ln w="12700">
+            <a:solidFill>
+              <a:schemeClr val="tx1"/>
+            </a:solidFill>
+          </a:ln>
+        </p:spPr>
+        <p:style>
+          <a:lnRef idx="2">
+            <a:schemeClr val="dk1"/>
+          </a:lnRef>
+          <a:fillRef idx="1">
+            <a:schemeClr val="lt1"/>
+          </a:fillRef>
+          <a:effectRef idx="0">
+            <a:schemeClr val="dk1"/>
+          </a:effectRef>
+          <a:fontRef idx="minor">
+            <a:schemeClr val="dk1"/>
+          </a:fontRef>
+        </p:style>
+        <p:txBody>
+          <a:bodyPr rtlCol="0" anchor="b"/>
+          <a:lstStyle/>
+          <a:p>
+            <a:pPr algn="ctr"/>
+            <a:r>
+              <a:rPr lang="en-US" altLang="ko-KR" sz="1200"/>
+              <a:t>Pod</a:t>
+            </a:r>
+          </a:p>
+        </p:txBody>
+      </p:sp>
+      <p:sp>
+        <p:nvSpPr>
+          <p:cNvPr id="89" name="사각형: 둥근 모서리 88">
+            <a:extLst>
+              <a:ext uri="{FF2B5EF4-FFF2-40B4-BE49-F238E27FC236}">
+                <a16:creationId xmlns:a16="http://schemas.microsoft.com/office/drawing/2014/main" id="{D273A666-2B5E-415E-8A01-A0A441D1B3C5}"/>
+              </a:ext>
+            </a:extLst>
+          </p:cNvPr>
+          <p:cNvSpPr/>
+          <p:nvPr/>
+        </p:nvSpPr>
+        <p:spPr>
+          <a:xfrm>
+            <a:off x="3997206" y="2528831"/>
+            <a:ext cx="1296144" cy="397851"/>
+          </a:xfrm>
+          <a:prstGeom prst="roundRect">
+            <a:avLst>
+              <a:gd name="adj" fmla="val 9318"/>
+            </a:avLst>
+          </a:prstGeom>
+          <a:ln w="12700">
+            <a:solidFill>
+              <a:schemeClr val="tx1"/>
+            </a:solidFill>
+          </a:ln>
+        </p:spPr>
+        <p:style>
+          <a:lnRef idx="2">
+            <a:schemeClr val="dk1"/>
+          </a:lnRef>
+          <a:fillRef idx="1">
+            <a:schemeClr val="lt1"/>
+          </a:fillRef>
+          <a:effectRef idx="0">
+            <a:schemeClr val="dk1"/>
+          </a:effectRef>
+          <a:fontRef idx="minor">
+            <a:schemeClr val="dk1"/>
+          </a:fontRef>
+        </p:style>
+        <p:txBody>
+          <a:bodyPr rtlCol="0" anchor="ctr"/>
+          <a:lstStyle/>
+          <a:p>
+            <a:pPr algn="ctr"/>
+            <a:r>
+              <a:rPr lang="en-US" altLang="ko-KR" sz="1100" b="1"/>
+              <a:t>10.96.0.10</a:t>
+            </a:r>
+          </a:p>
+          <a:p>
+            <a:pPr algn="ctr"/>
+            <a:r>
+              <a:rPr lang="en-US" altLang="ko-KR" sz="1100"/>
+              <a:t>/etc/resolv.conf</a:t>
+            </a:r>
+            <a:endParaRPr lang="ko-KR" altLang="en-US" sz="1100"/>
+          </a:p>
+        </p:txBody>
+      </p:sp>
+      <p:sp>
+        <p:nvSpPr>
+          <p:cNvPr id="90" name="사각형: 둥근 모서리 89">
+            <a:extLst>
+              <a:ext uri="{FF2B5EF4-FFF2-40B4-BE49-F238E27FC236}">
+                <a16:creationId xmlns:a16="http://schemas.microsoft.com/office/drawing/2014/main" id="{53B6AE80-0E49-44EB-9444-D363F8A494F2}"/>
+              </a:ext>
+            </a:extLst>
+          </p:cNvPr>
+          <p:cNvSpPr/>
+          <p:nvPr/>
+        </p:nvSpPr>
+        <p:spPr>
+          <a:xfrm>
+            <a:off x="2455553" y="2801500"/>
+            <a:ext cx="1296144" cy="278379"/>
+          </a:xfrm>
+          <a:prstGeom prst="roundRect">
+            <a:avLst>
+              <a:gd name="adj" fmla="val 14823"/>
+            </a:avLst>
+          </a:prstGeom>
+          <a:ln w="12700">
+            <a:solidFill>
+              <a:schemeClr val="tx1"/>
+            </a:solidFill>
+          </a:ln>
+        </p:spPr>
+        <p:style>
+          <a:lnRef idx="2">
+            <a:schemeClr val="dk1"/>
+          </a:lnRef>
+          <a:fillRef idx="1">
+            <a:schemeClr val="lt1"/>
+          </a:fillRef>
+          <a:effectRef idx="0">
+            <a:schemeClr val="dk1"/>
+          </a:effectRef>
+          <a:fontRef idx="minor">
+            <a:schemeClr val="dk1"/>
+          </a:fontRef>
+        </p:style>
+        <p:txBody>
+          <a:bodyPr rtlCol="0" anchor="ctr"/>
+          <a:lstStyle/>
+          <a:p>
+            <a:pPr algn="ctr"/>
+            <a:r>
+              <a:rPr lang="en-US" altLang="ko-KR" sz="1100"/>
+              <a:t>CoreDNS Config</a:t>
+            </a:r>
+            <a:endParaRPr lang="ko-KR" altLang="en-US" sz="1100"/>
+          </a:p>
+        </p:txBody>
+      </p:sp>
+      <p:sp>
+        <p:nvSpPr>
+          <p:cNvPr id="91" name="사각형: 둥근 모서리 90">
+            <a:extLst>
+              <a:ext uri="{FF2B5EF4-FFF2-40B4-BE49-F238E27FC236}">
+                <a16:creationId xmlns:a16="http://schemas.microsoft.com/office/drawing/2014/main" id="{1DF497C8-EDFC-4771-A9B6-D420BC34F367}"/>
+              </a:ext>
+            </a:extLst>
+          </p:cNvPr>
+          <p:cNvSpPr/>
+          <p:nvPr/>
+        </p:nvSpPr>
+        <p:spPr>
+          <a:xfrm>
+            <a:off x="2455553" y="2522859"/>
+            <a:ext cx="1296144" cy="278379"/>
+          </a:xfrm>
+          <a:prstGeom prst="roundRect">
+            <a:avLst>
+              <a:gd name="adj" fmla="val 14823"/>
+            </a:avLst>
+          </a:prstGeom>
+          <a:ln w="12700">
+            <a:solidFill>
+              <a:schemeClr val="tx1"/>
+            </a:solidFill>
+          </a:ln>
+        </p:spPr>
+        <p:style>
+          <a:lnRef idx="2">
+            <a:schemeClr val="dk1"/>
+          </a:lnRef>
+          <a:fillRef idx="1">
+            <a:schemeClr val="lt1"/>
+          </a:fillRef>
+          <a:effectRef idx="0">
+            <a:schemeClr val="dk1"/>
+          </a:effectRef>
+          <a:fontRef idx="minor">
+            <a:schemeClr val="dk1"/>
+          </a:fontRef>
+        </p:style>
+        <p:txBody>
+          <a:bodyPr rtlCol="0" anchor="ctr"/>
+          <a:lstStyle/>
+          <a:p>
+            <a:pPr algn="ctr"/>
+            <a:r>
+              <a:rPr lang="en-US" altLang="ko-KR" sz="1100"/>
+              <a:t>CoreDNS</a:t>
+            </a:r>
+            <a:endParaRPr lang="ko-KR" altLang="en-US" sz="1100"/>
+          </a:p>
+        </p:txBody>
+      </p:sp>
+      <p:sp>
+        <p:nvSpPr>
+          <p:cNvPr id="123" name="사각형: 둥근 모서리 2">
+            <a:extLst>
+              <a:ext uri="{FF2B5EF4-FFF2-40B4-BE49-F238E27FC236}">
+                <a16:creationId xmlns:a16="http://schemas.microsoft.com/office/drawing/2014/main" id="{CEFB6033-FC9D-D14D-92D5-D30D8E637F58}"/>
+              </a:ext>
+            </a:extLst>
+          </p:cNvPr>
+          <p:cNvSpPr/>
+          <p:nvPr/>
+        </p:nvSpPr>
+        <p:spPr>
+          <a:xfrm>
+            <a:off x="5580112" y="2355726"/>
+            <a:ext cx="3168352" cy="1156052"/>
+          </a:xfrm>
+          <a:prstGeom prst="roundRect">
+            <a:avLst>
+              <a:gd name="adj" fmla="val 4007"/>
+            </a:avLst>
+          </a:prstGeom>
+          <a:ln w="12700"/>
+        </p:spPr>
+        <p:style>
+          <a:lnRef idx="2">
+            <a:schemeClr val="dk1"/>
+          </a:lnRef>
+          <a:fillRef idx="1">
+            <a:schemeClr val="lt1"/>
+          </a:fillRef>
+          <a:effectRef idx="0">
+            <a:schemeClr val="dk1"/>
+          </a:effectRef>
+          <a:fontRef idx="minor">
+            <a:schemeClr val="dk1"/>
+          </a:fontRef>
+        </p:style>
+        <p:txBody>
+          <a:bodyPr rtlCol="0" anchor="b"/>
+          <a:lstStyle/>
+          <a:p>
+            <a:pPr algn="ctr"/>
+            <a:r>
+              <a:rPr lang="en-US" altLang="ko-KR" sz="1200" b="1"/>
+              <a:t>Worker Node</a:t>
+            </a:r>
+            <a:endParaRPr lang="ko-KR" altLang="en-US" sz="1200" b="1"/>
+          </a:p>
+        </p:txBody>
+      </p:sp>
+      <p:sp>
+        <p:nvSpPr>
+          <p:cNvPr id="127" name="사각형: 둥근 모서리 23">
+            <a:extLst>
+              <a:ext uri="{FF2B5EF4-FFF2-40B4-BE49-F238E27FC236}">
+                <a16:creationId xmlns:a16="http://schemas.microsoft.com/office/drawing/2014/main" id="{7865F93E-9A39-2A4F-8C04-B98542397C14}"/>
+              </a:ext>
+            </a:extLst>
+          </p:cNvPr>
+          <p:cNvSpPr/>
+          <p:nvPr/>
+        </p:nvSpPr>
+        <p:spPr>
+          <a:xfrm>
+            <a:off x="7209098" y="2443059"/>
+            <a:ext cx="1439500" cy="776763"/>
+          </a:xfrm>
+          <a:prstGeom prst="roundRect">
+            <a:avLst>
+              <a:gd name="adj" fmla="val 9318"/>
+            </a:avLst>
+          </a:prstGeom>
+          <a:ln w="12700">
+            <a:solidFill>
+              <a:schemeClr val="tx1"/>
+            </a:solidFill>
+          </a:ln>
+        </p:spPr>
+        <p:style>
+          <a:lnRef idx="2">
+            <a:schemeClr val="dk1"/>
+          </a:lnRef>
+          <a:fillRef idx="1">
+            <a:schemeClr val="lt1"/>
+          </a:fillRef>
+          <a:effectRef idx="0">
+            <a:schemeClr val="dk1"/>
+          </a:effectRef>
+          <a:fontRef idx="minor">
+            <a:schemeClr val="dk1"/>
+          </a:fontRef>
+        </p:style>
+        <p:txBody>
+          <a:bodyPr rtlCol="0" anchor="b"/>
+          <a:lstStyle/>
+          <a:p>
+            <a:pPr algn="ctr"/>
+            <a:r>
+              <a:rPr lang="en-US" altLang="ko-KR" sz="1200"/>
+              <a:t>Pod</a:t>
+            </a:r>
+          </a:p>
+        </p:txBody>
+      </p:sp>
+      <p:sp>
+        <p:nvSpPr>
+          <p:cNvPr id="128" name="사각형: 둥근 모서리 24">
+            <a:extLst>
+              <a:ext uri="{FF2B5EF4-FFF2-40B4-BE49-F238E27FC236}">
+                <a16:creationId xmlns:a16="http://schemas.microsoft.com/office/drawing/2014/main" id="{E429823E-A993-F744-AA6C-308663B66434}"/>
+              </a:ext>
+            </a:extLst>
+          </p:cNvPr>
+          <p:cNvSpPr/>
+          <p:nvPr/>
+        </p:nvSpPr>
+        <p:spPr>
+          <a:xfrm>
+            <a:off x="7280776" y="2528831"/>
+            <a:ext cx="1296144" cy="397851"/>
+          </a:xfrm>
+          <a:prstGeom prst="roundRect">
+            <a:avLst>
+              <a:gd name="adj" fmla="val 9318"/>
+            </a:avLst>
+          </a:prstGeom>
+          <a:ln w="12700">
+            <a:solidFill>
+              <a:schemeClr val="tx1"/>
+            </a:solidFill>
+          </a:ln>
+        </p:spPr>
+        <p:style>
+          <a:lnRef idx="2">
+            <a:schemeClr val="dk1"/>
+          </a:lnRef>
+          <a:fillRef idx="1">
+            <a:schemeClr val="lt1"/>
+          </a:fillRef>
+          <a:effectRef idx="0">
+            <a:schemeClr val="dk1"/>
+          </a:effectRef>
+          <a:fontRef idx="minor">
+            <a:schemeClr val="dk1"/>
+          </a:fontRef>
+        </p:style>
+        <p:txBody>
+          <a:bodyPr rtlCol="0" anchor="ctr"/>
+          <a:lstStyle/>
+          <a:p>
+            <a:pPr algn="ctr"/>
+            <a:r>
+              <a:rPr lang="en-US" altLang="ko-KR" sz="1100" b="1"/>
+              <a:t>10.96.0.10</a:t>
+            </a:r>
+          </a:p>
+          <a:p>
+            <a:pPr algn="ctr"/>
+            <a:r>
+              <a:rPr lang="en-US" altLang="ko-KR" sz="1100"/>
+              <a:t>/etc/resolv.conf</a:t>
+            </a:r>
+            <a:endParaRPr lang="ko-KR" altLang="en-US" sz="1100"/>
+          </a:p>
+        </p:txBody>
+      </p:sp>
+      <p:sp>
+        <p:nvSpPr>
+          <p:cNvPr id="131" name="사각형: 둥근 모서리 23">
+            <a:extLst>
+              <a:ext uri="{FF2B5EF4-FFF2-40B4-BE49-F238E27FC236}">
+                <a16:creationId xmlns:a16="http://schemas.microsoft.com/office/drawing/2014/main" id="{0D2D6D9E-F133-CE4F-93A7-2F893893BDE7}"/>
+              </a:ext>
+            </a:extLst>
+          </p:cNvPr>
+          <p:cNvSpPr/>
+          <p:nvPr/>
+        </p:nvSpPr>
+        <p:spPr>
+          <a:xfrm>
+            <a:off x="5661726" y="2443059"/>
+            <a:ext cx="1439500" cy="776763"/>
+          </a:xfrm>
+          <a:prstGeom prst="roundRect">
+            <a:avLst>
+              <a:gd name="adj" fmla="val 9318"/>
+            </a:avLst>
+          </a:prstGeom>
+          <a:ln w="12700">
+            <a:solidFill>
+              <a:schemeClr val="tx1"/>
+            </a:solidFill>
+          </a:ln>
+        </p:spPr>
+        <p:style>
+          <a:lnRef idx="2">
+            <a:schemeClr val="dk1"/>
+          </a:lnRef>
+          <a:fillRef idx="1">
+            <a:schemeClr val="lt1"/>
+          </a:fillRef>
+          <a:effectRef idx="0">
+            <a:schemeClr val="dk1"/>
+          </a:effectRef>
+          <a:fontRef idx="minor">
+            <a:schemeClr val="dk1"/>
+          </a:fontRef>
+        </p:style>
+        <p:txBody>
+          <a:bodyPr rtlCol="0" anchor="b"/>
+          <a:lstStyle/>
+          <a:p>
+            <a:pPr algn="ctr"/>
+            <a:r>
+              <a:rPr lang="en-US" altLang="ko-KR" sz="1200"/>
+              <a:t>Pod</a:t>
+            </a:r>
+          </a:p>
+        </p:txBody>
+      </p:sp>
+      <p:sp>
+        <p:nvSpPr>
+          <p:cNvPr id="132" name="사각형: 둥근 모서리 24">
+            <a:extLst>
+              <a:ext uri="{FF2B5EF4-FFF2-40B4-BE49-F238E27FC236}">
+                <a16:creationId xmlns:a16="http://schemas.microsoft.com/office/drawing/2014/main" id="{906B07DC-8B28-6447-B14A-E8188F067B0D}"/>
+              </a:ext>
+            </a:extLst>
+          </p:cNvPr>
+          <p:cNvSpPr/>
+          <p:nvPr/>
+        </p:nvSpPr>
+        <p:spPr>
+          <a:xfrm>
+            <a:off x="5733404" y="2528831"/>
+            <a:ext cx="1296144" cy="397851"/>
+          </a:xfrm>
+          <a:prstGeom prst="roundRect">
+            <a:avLst>
+              <a:gd name="adj" fmla="val 9318"/>
+            </a:avLst>
+          </a:prstGeom>
+          <a:ln w="12700">
+            <a:solidFill>
+              <a:schemeClr val="tx1"/>
+            </a:solidFill>
+          </a:ln>
+        </p:spPr>
+        <p:style>
+          <a:lnRef idx="2">
+            <a:schemeClr val="dk1"/>
+          </a:lnRef>
+          <a:fillRef idx="1">
+            <a:schemeClr val="lt1"/>
+          </a:fillRef>
+          <a:effectRef idx="0">
+            <a:schemeClr val="dk1"/>
+          </a:effectRef>
+          <a:fontRef idx="minor">
+            <a:schemeClr val="dk1"/>
+          </a:fontRef>
+        </p:style>
+        <p:txBody>
+          <a:bodyPr rtlCol="0" anchor="ctr"/>
+          <a:lstStyle/>
+          <a:p>
+            <a:pPr algn="ctr"/>
+            <a:r>
+              <a:rPr lang="en-US" altLang="ko-KR" sz="1100" b="1"/>
+              <a:t>10.96.0.10</a:t>
+            </a:r>
+          </a:p>
+          <a:p>
+            <a:pPr algn="ctr"/>
+            <a:r>
+              <a:rPr lang="en-US" altLang="ko-KR" sz="1100"/>
+              <a:t>/etc/resolv.conf</a:t>
+            </a:r>
+            <a:endParaRPr lang="ko-KR" altLang="en-US" sz="1100"/>
+          </a:p>
+        </p:txBody>
+      </p:sp>
+      <p:sp>
+        <p:nvSpPr>
+          <p:cNvPr id="133" name="사각형: 둥근 모서리 32">
+            <a:extLst>
+              <a:ext uri="{FF2B5EF4-FFF2-40B4-BE49-F238E27FC236}">
+                <a16:creationId xmlns:a16="http://schemas.microsoft.com/office/drawing/2014/main" id="{EB177E69-E6C0-6B4E-BBC0-B8796796AA1A}"/>
+              </a:ext>
+            </a:extLst>
+          </p:cNvPr>
+          <p:cNvSpPr/>
+          <p:nvPr/>
+        </p:nvSpPr>
+        <p:spPr>
+          <a:xfrm>
+            <a:off x="5661726" y="1402541"/>
+            <a:ext cx="1439500" cy="642964"/>
+          </a:xfrm>
+          <a:prstGeom prst="roundRect">
+            <a:avLst>
+              <a:gd name="adj" fmla="val 9318"/>
+            </a:avLst>
+          </a:prstGeom>
+          <a:ln w="12700">
+            <a:solidFill>
+              <a:schemeClr val="tx1"/>
+            </a:solidFill>
+          </a:ln>
+        </p:spPr>
+        <p:style>
+          <a:lnRef idx="2">
+            <a:schemeClr val="dk1"/>
+          </a:lnRef>
+          <a:fillRef idx="1">
+            <a:schemeClr val="lt1"/>
+          </a:fillRef>
+          <a:effectRef idx="0">
+            <a:schemeClr val="dk1"/>
+          </a:effectRef>
+          <a:fontRef idx="minor">
+            <a:schemeClr val="dk1"/>
+          </a:fontRef>
+        </p:style>
+        <p:txBody>
+          <a:bodyPr rtlCol="0" anchor="ctr"/>
+          <a:lstStyle/>
+          <a:p>
+            <a:pPr algn="ctr"/>
+            <a:r>
+              <a:rPr lang="en-US" altLang="ko-KR" sz="1200"/>
+              <a:t>CoreDNS Service</a:t>
+            </a:r>
+          </a:p>
+          <a:p>
+            <a:pPr algn="ctr"/>
+            <a:r>
+              <a:rPr lang="en-US" altLang="ko-KR" sz="1200"/>
+              <a:t>ClusterIP</a:t>
+            </a:r>
+          </a:p>
+          <a:p>
+            <a:pPr algn="ctr"/>
+            <a:r>
+              <a:rPr lang="en-US" altLang="ko-KR" sz="1200" b="1"/>
+              <a:t>10.96.0.10</a:t>
+            </a:r>
+          </a:p>
+        </p:txBody>
+      </p:sp>
+      <p:cxnSp>
+        <p:nvCxnSpPr>
+          <p:cNvPr id="134" name="Elbow Connector 133">
+            <a:extLst>
+              <a:ext uri="{FF2B5EF4-FFF2-40B4-BE49-F238E27FC236}">
+                <a16:creationId xmlns:a16="http://schemas.microsoft.com/office/drawing/2014/main" id="{51548DEF-BD72-414A-B275-1C99C60D766C}"/>
+              </a:ext>
+            </a:extLst>
+          </p:cNvPr>
+          <p:cNvCxnSpPr>
+            <a:cxnSpLocks/>
+            <a:stCxn id="127" idx="0"/>
+            <a:endCxn id="133" idx="2"/>
+          </p:cNvCxnSpPr>
+          <p:nvPr/>
+        </p:nvCxnSpPr>
+        <p:spPr>
+          <a:xfrm rot="16200000" flipV="1">
+            <a:off x="6956385" y="1470596"/>
+            <a:ext cx="397554" cy="1547372"/>
+          </a:xfrm>
+          <a:prstGeom prst="bentConnector3">
+            <a:avLst>
+              <a:gd name="adj1" fmla="val 50000"/>
+            </a:avLst>
+          </a:prstGeom>
+          <a:ln w="12700">
+            <a:solidFill>
+              <a:schemeClr val="tx2"/>
+            </a:solidFill>
+            <a:tailEnd type="triangle"/>
+          </a:ln>
+        </p:spPr>
+        <p:style>
+          <a:lnRef idx="1">
+            <a:schemeClr val="accent1"/>
+          </a:lnRef>
+          <a:fillRef idx="0">
+            <a:schemeClr val="accent1"/>
+          </a:fillRef>
+          <a:effectRef idx="0">
+            <a:schemeClr val="accent1"/>
+          </a:effectRef>
+          <a:fontRef idx="minor">
+            <a:schemeClr val="tx1"/>
+          </a:fontRef>
+        </p:style>
+      </p:cxnSp>
+      <p:cxnSp>
+        <p:nvCxnSpPr>
+          <p:cNvPr id="137" name="직선 화살표 연결선 42">
+            <a:extLst>
+              <a:ext uri="{FF2B5EF4-FFF2-40B4-BE49-F238E27FC236}">
+                <a16:creationId xmlns:a16="http://schemas.microsoft.com/office/drawing/2014/main" id="{3C28A8F1-68D7-564F-B672-82D01E979B99}"/>
+              </a:ext>
+            </a:extLst>
+          </p:cNvPr>
+          <p:cNvCxnSpPr>
+            <a:cxnSpLocks/>
+            <a:stCxn id="131" idx="0"/>
+            <a:endCxn id="133" idx="2"/>
+          </p:cNvCxnSpPr>
+          <p:nvPr/>
+        </p:nvCxnSpPr>
+        <p:spPr>
+          <a:xfrm flipV="1">
+            <a:off x="6381476" y="2045505"/>
+            <a:ext cx="0" cy="397554"/>
+          </a:xfrm>
+          <a:prstGeom prst="straightConnector1">
+            <a:avLst/>
+          </a:prstGeom>
+          <a:ln w="12700">
+            <a:solidFill>
+              <a:schemeClr val="tx2"/>
+            </a:solidFill>
+            <a:headEnd type="none" w="med" len="med"/>
+            <a:tailEnd type="triangle" w="med" len="med"/>
+          </a:ln>
+        </p:spPr>
+        <p:style>
+          <a:lnRef idx="1">
+            <a:schemeClr val="accent1"/>
+          </a:lnRef>
+          <a:fillRef idx="0">
+            <a:schemeClr val="accent1"/>
+          </a:fillRef>
+          <a:effectRef idx="0">
+            <a:schemeClr val="accent1"/>
+          </a:effectRef>
+          <a:fontRef idx="minor">
+            <a:schemeClr val="tx1"/>
+          </a:fontRef>
+        </p:style>
+      </p:cxnSp>
+      <p:cxnSp>
+        <p:nvCxnSpPr>
+          <p:cNvPr id="150" name="Elbow Connector 149">
+            <a:extLst>
+              <a:ext uri="{FF2B5EF4-FFF2-40B4-BE49-F238E27FC236}">
+                <a16:creationId xmlns:a16="http://schemas.microsoft.com/office/drawing/2014/main" id="{09CE3EB4-53E7-A446-8DC1-020B850D84EF}"/>
+              </a:ext>
+            </a:extLst>
+          </p:cNvPr>
+          <p:cNvCxnSpPr>
+            <a:cxnSpLocks/>
+            <a:stCxn id="88" idx="0"/>
+            <a:endCxn id="133" idx="2"/>
+          </p:cNvCxnSpPr>
+          <p:nvPr/>
+        </p:nvCxnSpPr>
+        <p:spPr>
+          <a:xfrm rot="5400000" flipH="1" flipV="1">
+            <a:off x="5314600" y="1376183"/>
+            <a:ext cx="397554" cy="1736198"/>
+          </a:xfrm>
+          <a:prstGeom prst="bentConnector3">
+            <a:avLst>
+              <a:gd name="adj1" fmla="val 50000"/>
+            </a:avLst>
+          </a:prstGeom>
+          <a:ln w="12700">
+            <a:solidFill>
+              <a:schemeClr val="tx2"/>
+            </a:solidFill>
+            <a:tailEnd type="triangle"/>
+          </a:ln>
+        </p:spPr>
+        <p:style>
+          <a:lnRef idx="1">
+            <a:schemeClr val="accent1"/>
+          </a:lnRef>
+          <a:fillRef idx="0">
+            <a:schemeClr val="accent1"/>
+          </a:fillRef>
+          <a:effectRef idx="0">
+            <a:schemeClr val="accent1"/>
+          </a:effectRef>
+          <a:fontRef idx="minor">
+            <a:schemeClr val="tx1"/>
+          </a:fontRef>
+        </p:style>
+      </p:cxnSp>
+      <p:cxnSp>
+        <p:nvCxnSpPr>
+          <p:cNvPr id="153" name="Elbow Connector 152">
+            <a:extLst>
+              <a:ext uri="{FF2B5EF4-FFF2-40B4-BE49-F238E27FC236}">
+                <a16:creationId xmlns:a16="http://schemas.microsoft.com/office/drawing/2014/main" id="{3E70BD5A-C57D-0342-B500-397017E91E02}"/>
+              </a:ext>
+            </a:extLst>
+          </p:cNvPr>
+          <p:cNvCxnSpPr>
+            <a:cxnSpLocks/>
+            <a:stCxn id="133" idx="1"/>
+            <a:endCxn id="91" idx="3"/>
+          </p:cNvCxnSpPr>
+          <p:nvPr/>
+        </p:nvCxnSpPr>
+        <p:spPr>
+          <a:xfrm rot="10800000" flipV="1">
+            <a:off x="3751698" y="1724023"/>
+            <a:ext cx="1910029" cy="938026"/>
+          </a:xfrm>
+          <a:prstGeom prst="bentConnector3">
+            <a:avLst>
+              <a:gd name="adj1" fmla="val 93770"/>
+            </a:avLst>
+          </a:prstGeom>
+          <a:ln w="12700">
+            <a:solidFill>
+              <a:schemeClr val="tx2"/>
+            </a:solidFill>
+            <a:tailEnd type="triangle"/>
+          </a:ln>
+        </p:spPr>
+        <p:style>
+          <a:lnRef idx="1">
+            <a:schemeClr val="accent1"/>
+          </a:lnRef>
+          <a:fillRef idx="0">
+            <a:schemeClr val="accent1"/>
+          </a:fillRef>
+          <a:effectRef idx="0">
+            <a:schemeClr val="accent1"/>
+          </a:effectRef>
+          <a:fontRef idx="minor">
+            <a:schemeClr val="tx1"/>
+          </a:fontRef>
+        </p:style>
+      </p:cxnSp>
+      <p:cxnSp>
+        <p:nvCxnSpPr>
+          <p:cNvPr id="156" name="Elbow Connector 155">
+            <a:extLst>
+              <a:ext uri="{FF2B5EF4-FFF2-40B4-BE49-F238E27FC236}">
+                <a16:creationId xmlns:a16="http://schemas.microsoft.com/office/drawing/2014/main" id="{D96DF85A-558D-4C4A-AAE2-D45BB41EB306}"/>
+              </a:ext>
+            </a:extLst>
+          </p:cNvPr>
+          <p:cNvCxnSpPr>
+            <a:cxnSpLocks/>
+            <a:stCxn id="86" idx="1"/>
+            <a:endCxn id="87" idx="3"/>
+          </p:cNvCxnSpPr>
+          <p:nvPr/>
+        </p:nvCxnSpPr>
+        <p:spPr>
+          <a:xfrm rot="10800000">
+            <a:off x="3751698" y="3278806"/>
+            <a:ext cx="244365" cy="317107"/>
+          </a:xfrm>
+          <a:prstGeom prst="bentConnector3">
+            <a:avLst>
+              <a:gd name="adj1" fmla="val 50000"/>
+            </a:avLst>
+          </a:prstGeom>
+          <a:ln w="12700">
+            <a:solidFill>
+              <a:schemeClr val="tx1"/>
+            </a:solidFill>
+            <a:prstDash val="dash"/>
+            <a:tailEnd type="triangle"/>
+          </a:ln>
+        </p:spPr>
+        <p:style>
+          <a:lnRef idx="1">
+            <a:schemeClr val="accent1"/>
+          </a:lnRef>
+          <a:fillRef idx="0">
+            <a:schemeClr val="accent1"/>
+          </a:fillRef>
+          <a:effectRef idx="0">
+            <a:schemeClr val="accent1"/>
+          </a:effectRef>
+          <a:fontRef idx="minor">
+            <a:schemeClr val="tx1"/>
+          </a:fontRef>
+        </p:style>
+      </p:cxnSp>
+      <p:sp>
+        <p:nvSpPr>
+          <p:cNvPr id="159" name="사각형: 둥근 모서리 46">
+            <a:extLst>
+              <a:ext uri="{FF2B5EF4-FFF2-40B4-BE49-F238E27FC236}">
+                <a16:creationId xmlns:a16="http://schemas.microsoft.com/office/drawing/2014/main" id="{6BA0AD39-98A1-4F42-A157-426A24DBB99A}"/>
+              </a:ext>
+            </a:extLst>
+          </p:cNvPr>
+          <p:cNvSpPr/>
+          <p:nvPr/>
+        </p:nvSpPr>
+        <p:spPr>
+          <a:xfrm>
+            <a:off x="2292736" y="1212610"/>
+            <a:ext cx="1603346" cy="832894"/>
+          </a:xfrm>
+          <a:prstGeom prst="roundRect">
+            <a:avLst>
+              <a:gd name="adj" fmla="val 8959"/>
+            </a:avLst>
+          </a:prstGeom>
+          <a:ln w="12700"/>
+        </p:spPr>
+        <p:style>
+          <a:lnRef idx="2">
+            <a:schemeClr val="dk1"/>
+          </a:lnRef>
+          <a:fillRef idx="1">
+            <a:schemeClr val="lt1"/>
+          </a:fillRef>
+          <a:effectRef idx="0">
+            <a:schemeClr val="dk1"/>
+          </a:effectRef>
+          <a:fontRef idx="minor">
+            <a:schemeClr val="dk1"/>
+          </a:fontRef>
+        </p:style>
+        <p:txBody>
+          <a:bodyPr rtlCol="0" anchor="t"/>
+          <a:lstStyle/>
+          <a:p>
+            <a:pPr algn="ctr"/>
+            <a:r>
+              <a:rPr lang="en-US" altLang="ko-KR" sz="1200" b="1"/>
+              <a:t>Master Node</a:t>
+            </a:r>
+            <a:endParaRPr lang="ko-KR" altLang="en-US" sz="1200" b="1"/>
+          </a:p>
+        </p:txBody>
+      </p:sp>
+      <p:sp>
+        <p:nvSpPr>
+          <p:cNvPr id="160" name="사각형: 둥근 모서리 53">
+            <a:extLst>
+              <a:ext uri="{FF2B5EF4-FFF2-40B4-BE49-F238E27FC236}">
+                <a16:creationId xmlns:a16="http://schemas.microsoft.com/office/drawing/2014/main" id="{D2249E6A-BB32-7C40-900A-A3F350264897}"/>
+              </a:ext>
+            </a:extLst>
+          </p:cNvPr>
+          <p:cNvSpPr/>
+          <p:nvPr/>
+        </p:nvSpPr>
+        <p:spPr>
+          <a:xfrm>
+            <a:off x="2451747" y="1556700"/>
+            <a:ext cx="1296144" cy="379509"/>
+          </a:xfrm>
+          <a:prstGeom prst="roundRect">
+            <a:avLst>
+              <a:gd name="adj" fmla="val 9318"/>
+            </a:avLst>
+          </a:prstGeom>
+          <a:ln w="12700">
+            <a:solidFill>
+              <a:schemeClr val="tx1"/>
+            </a:solidFill>
+          </a:ln>
+        </p:spPr>
+        <p:style>
+          <a:lnRef idx="2">
+            <a:schemeClr val="dk1"/>
+          </a:lnRef>
+          <a:fillRef idx="1">
+            <a:schemeClr val="lt1"/>
+          </a:fillRef>
+          <a:effectRef idx="0">
+            <a:schemeClr val="dk1"/>
+          </a:effectRef>
+          <a:fontRef idx="minor">
+            <a:schemeClr val="dk1"/>
+          </a:fontRef>
+        </p:style>
+        <p:txBody>
+          <a:bodyPr rtlCol="0" anchor="ctr"/>
+          <a:lstStyle/>
+          <a:p>
+            <a:pPr algn="ctr"/>
+            <a:r>
+              <a:rPr lang="en-US" altLang="ko-KR" sz="1200"/>
+              <a:t>K8s API Server</a:t>
+            </a:r>
+          </a:p>
+        </p:txBody>
+      </p:sp>
+      <p:cxnSp>
+        <p:nvCxnSpPr>
+          <p:cNvPr id="169" name="직선 화살표 연결선 59">
+            <a:extLst>
+              <a:ext uri="{FF2B5EF4-FFF2-40B4-BE49-F238E27FC236}">
+                <a16:creationId xmlns:a16="http://schemas.microsoft.com/office/drawing/2014/main" id="{CDFFF9EC-A8FF-1B48-8F96-D8F8D80E6BFE}"/>
+              </a:ext>
+            </a:extLst>
+          </p:cNvPr>
+          <p:cNvCxnSpPr>
+            <a:cxnSpLocks/>
+            <a:stCxn id="91" idx="0"/>
+            <a:endCxn id="160" idx="2"/>
+          </p:cNvCxnSpPr>
+          <p:nvPr/>
+        </p:nvCxnSpPr>
+        <p:spPr>
+          <a:xfrm flipH="1" flipV="1">
+            <a:off x="3099819" y="1936209"/>
+            <a:ext cx="3806" cy="586650"/>
+          </a:xfrm>
+          <a:prstGeom prst="straightConnector1">
+            <a:avLst/>
+          </a:prstGeom>
+          <a:ln w="12700">
+            <a:solidFill>
+              <a:srgbClr val="C00000"/>
+            </a:solidFill>
+            <a:headEnd type="none" w="med" len="med"/>
+            <a:tailEnd type="triangle" w="med" len="med"/>
+          </a:ln>
+        </p:spPr>
+        <p:style>
+          <a:lnRef idx="1">
+            <a:schemeClr val="accent1"/>
+          </a:lnRef>
+          <a:fillRef idx="0">
+            <a:schemeClr val="accent1"/>
+          </a:fillRef>
+          <a:effectRef idx="0">
+            <a:schemeClr val="accent1"/>
+          </a:effectRef>
+          <a:fontRef idx="minor">
+            <a:schemeClr val="tx1"/>
+          </a:fontRef>
+        </p:style>
+      </p:cxnSp>
+      <p:sp>
+        <p:nvSpPr>
+          <p:cNvPr id="172" name="사각형: 둥근 모서리 46">
+            <a:extLst>
+              <a:ext uri="{FF2B5EF4-FFF2-40B4-BE49-F238E27FC236}">
+                <a16:creationId xmlns:a16="http://schemas.microsoft.com/office/drawing/2014/main" id="{6FAC18DC-9488-B04C-9B66-4851061EDCED}"/>
+              </a:ext>
+            </a:extLst>
+          </p:cNvPr>
+          <p:cNvSpPr/>
+          <p:nvPr/>
+        </p:nvSpPr>
+        <p:spPr>
+          <a:xfrm>
+            <a:off x="1331640" y="267494"/>
+            <a:ext cx="1439500" cy="449119"/>
+          </a:xfrm>
+          <a:prstGeom prst="roundRect">
+            <a:avLst>
+              <a:gd name="adj" fmla="val 8959"/>
+            </a:avLst>
+          </a:prstGeom>
+          <a:ln w="12700"/>
+        </p:spPr>
+        <p:style>
+          <a:lnRef idx="2">
+            <a:schemeClr val="dk1"/>
+          </a:lnRef>
+          <a:fillRef idx="1">
+            <a:schemeClr val="lt1"/>
+          </a:fillRef>
+          <a:effectRef idx="0">
+            <a:schemeClr val="dk1"/>
+          </a:effectRef>
+          <a:fontRef idx="minor">
+            <a:schemeClr val="dk1"/>
+          </a:fontRef>
+        </p:style>
+        <p:txBody>
+          <a:bodyPr rtlCol="0" anchor="ctr"/>
+          <a:lstStyle/>
+          <a:p>
+            <a:pPr algn="ctr"/>
+            <a:r>
+              <a:rPr lang="en-US" altLang="ko-KR" sz="1200"/>
+              <a:t>External DNS</a:t>
+            </a:r>
+          </a:p>
+          <a:p>
+            <a:pPr algn="ctr"/>
+            <a:r>
+              <a:rPr lang="en-US" altLang="ko-KR" sz="1200" b="1"/>
+              <a:t>8.8.8.8</a:t>
+            </a:r>
+            <a:endParaRPr lang="ko-KR" altLang="en-US" sz="1200" b="1"/>
+          </a:p>
+        </p:txBody>
+      </p:sp>
+    </p:spTree>
+    <p:extLst>
+      <p:ext uri="{BB962C8B-B14F-4D97-AF65-F5344CB8AC3E}">
+        <p14:creationId xmlns:p14="http://schemas.microsoft.com/office/powerpoint/2010/main" val="4024402511"/>
+      </p:ext>
+    </p:extLst>
+  </p:cSld>
+  <p:clrMapOvr>
+    <a:masterClrMapping/>
+  </p:clrMapOvr>
+</p:sld>
+</file>
+
+<file path=ppt/slides/slide5.xml><?xml version="1.0" encoding="utf-8"?>
+<p:sld xmlns:a="http://schemas.openxmlformats.org/drawingml/2006/main" xmlns:r="http://schemas.openxmlformats.org/officeDocument/2006/relationships" xmlns:p="http://schemas.openxmlformats.org/presentationml/2006/main">
+  <p:cSld>
+    <p:spTree>
+      <p:nvGrpSpPr>
+        <p:cNvPr id="1" name=""/>
+        <p:cNvGrpSpPr/>
+        <p:nvPr/>
+      </p:nvGrpSpPr>
+      <p:grpSpPr>
+        <a:xfrm>
+          <a:off x="0" y="0"/>
+          <a:ext cx="0" cy="0"/>
+          <a:chOff x="0" y="0"/>
+          <a:chExt cx="0" cy="0"/>
+        </a:xfrm>
+      </p:grpSpPr>
+      <p:sp>
+        <p:nvSpPr>
+          <p:cNvPr id="33" name="사각형: 둥근 모서리 32">
+            <a:extLst>
+              <a:ext uri="{FF2B5EF4-FFF2-40B4-BE49-F238E27FC236}">
+                <a16:creationId xmlns:a16="http://schemas.microsoft.com/office/drawing/2014/main" id="{DC11C9C1-1BEB-4DD2-ADD8-9092EE5997B8}"/>
+              </a:ext>
+            </a:extLst>
+          </p:cNvPr>
+          <p:cNvSpPr/>
+          <p:nvPr/>
+        </p:nvSpPr>
+        <p:spPr>
+          <a:xfrm>
+            <a:off x="6272994" y="1347615"/>
+            <a:ext cx="1439500" cy="642964"/>
+          </a:xfrm>
+          <a:prstGeom prst="roundRect">
+            <a:avLst>
+              <a:gd name="adj" fmla="val 9318"/>
+            </a:avLst>
+          </a:prstGeom>
+          <a:ln w="12700">
+            <a:solidFill>
+              <a:schemeClr val="tx1"/>
+            </a:solidFill>
+          </a:ln>
+        </p:spPr>
+        <p:style>
+          <a:lnRef idx="2">
+            <a:schemeClr val="dk1"/>
+          </a:lnRef>
+          <a:fillRef idx="1">
+            <a:schemeClr val="lt1"/>
+          </a:fillRef>
+          <a:effectRef idx="0">
+            <a:schemeClr val="dk1"/>
+          </a:effectRef>
+          <a:fontRef idx="minor">
+            <a:schemeClr val="dk1"/>
+          </a:fontRef>
+        </p:style>
+        <p:txBody>
+          <a:bodyPr rtlCol="0" anchor="ctr"/>
+          <a:lstStyle/>
+          <a:p>
+            <a:pPr algn="ctr"/>
+            <a:r>
+              <a:rPr lang="en-US" altLang="ko-KR" sz="1200"/>
+              <a:t>CoreDNS Service</a:t>
+            </a:r>
+          </a:p>
+          <a:p>
+            <a:pPr algn="ctr"/>
+            <a:r>
+              <a:rPr lang="en-US" altLang="ko-KR" sz="1200"/>
+              <a:t>ClusterIP</a:t>
+            </a:r>
+          </a:p>
+          <a:p>
+            <a:pPr algn="ctr"/>
+            <a:r>
+              <a:rPr lang="en-US" altLang="ko-KR" sz="1200" b="1"/>
+              <a:t>10.96.0.10</a:t>
+            </a:r>
+          </a:p>
+        </p:txBody>
+      </p:sp>
+      <p:sp>
+        <p:nvSpPr>
+          <p:cNvPr id="47" name="사각형: 둥근 모서리 46">
+            <a:extLst>
+              <a:ext uri="{FF2B5EF4-FFF2-40B4-BE49-F238E27FC236}">
+                <a16:creationId xmlns:a16="http://schemas.microsoft.com/office/drawing/2014/main" id="{1D72265D-3716-4CA6-9E4F-2FDC3EDBDEDF}"/>
+              </a:ext>
+            </a:extLst>
+          </p:cNvPr>
+          <p:cNvSpPr/>
+          <p:nvPr/>
+        </p:nvSpPr>
+        <p:spPr>
+          <a:xfrm>
+            <a:off x="1331640" y="1162792"/>
+            <a:ext cx="1603346" cy="832894"/>
+          </a:xfrm>
+          <a:prstGeom prst="roundRect">
+            <a:avLst>
+              <a:gd name="adj" fmla="val 8959"/>
+            </a:avLst>
+          </a:prstGeom>
+          <a:ln w="12700"/>
+        </p:spPr>
+        <p:style>
+          <a:lnRef idx="2">
+            <a:schemeClr val="dk1"/>
+          </a:lnRef>
+          <a:fillRef idx="1">
+            <a:schemeClr val="lt1"/>
+          </a:fillRef>
+          <a:effectRef idx="0">
+            <a:schemeClr val="dk1"/>
+          </a:effectRef>
+          <a:fontRef idx="minor">
+            <a:schemeClr val="dk1"/>
+          </a:fontRef>
+        </p:style>
+        <p:txBody>
+          <a:bodyPr rtlCol="0" anchor="t"/>
+          <a:lstStyle/>
+          <a:p>
+            <a:pPr algn="ctr"/>
+            <a:r>
+              <a:rPr lang="en-US" altLang="ko-KR" sz="1200" b="1"/>
+              <a:t>Master Node</a:t>
+            </a:r>
+            <a:endParaRPr lang="ko-KR" altLang="en-US" sz="1200" b="1"/>
+          </a:p>
+        </p:txBody>
+      </p:sp>
+      <p:sp>
+        <p:nvSpPr>
+          <p:cNvPr id="54" name="사각형: 둥근 모서리 53">
+            <a:extLst>
+              <a:ext uri="{FF2B5EF4-FFF2-40B4-BE49-F238E27FC236}">
+                <a16:creationId xmlns:a16="http://schemas.microsoft.com/office/drawing/2014/main" id="{CBFBD54E-577A-4E12-B1EA-CA94261F39D0}"/>
+              </a:ext>
+            </a:extLst>
+          </p:cNvPr>
+          <p:cNvSpPr/>
+          <p:nvPr/>
+        </p:nvSpPr>
+        <p:spPr>
+          <a:xfrm>
+            <a:off x="1490651" y="1506882"/>
+            <a:ext cx="1296144" cy="379509"/>
+          </a:xfrm>
+          <a:prstGeom prst="roundRect">
+            <a:avLst>
+              <a:gd name="adj" fmla="val 9318"/>
+            </a:avLst>
+          </a:prstGeom>
+          <a:ln w="12700">
+            <a:solidFill>
+              <a:schemeClr val="tx1"/>
+            </a:solidFill>
+          </a:ln>
+        </p:spPr>
+        <p:style>
+          <a:lnRef idx="2">
+            <a:schemeClr val="dk1"/>
+          </a:lnRef>
+          <a:fillRef idx="1">
+            <a:schemeClr val="lt1"/>
+          </a:fillRef>
+          <a:effectRef idx="0">
+            <a:schemeClr val="dk1"/>
+          </a:effectRef>
+          <a:fontRef idx="minor">
+            <a:schemeClr val="dk1"/>
+          </a:fontRef>
+        </p:style>
+        <p:txBody>
+          <a:bodyPr rtlCol="0" anchor="ctr"/>
+          <a:lstStyle/>
+          <a:p>
+            <a:pPr algn="ctr"/>
+            <a:r>
+              <a:rPr lang="en-US" altLang="ko-KR" sz="1200"/>
+              <a:t>K8s API Server</a:t>
+            </a:r>
+          </a:p>
+        </p:txBody>
+      </p:sp>
+      <p:sp>
+        <p:nvSpPr>
+          <p:cNvPr id="67" name="TextBox 66">
+            <a:extLst>
+              <a:ext uri="{FF2B5EF4-FFF2-40B4-BE49-F238E27FC236}">
+                <a16:creationId xmlns:a16="http://schemas.microsoft.com/office/drawing/2014/main" id="{20AE42F4-C3B8-4A2C-96DF-EDCE3332630D}"/>
+              </a:ext>
+            </a:extLst>
+          </p:cNvPr>
+          <p:cNvSpPr txBox="1"/>
+          <p:nvPr/>
+        </p:nvSpPr>
+        <p:spPr>
+          <a:xfrm>
+            <a:off x="1308654" y="2007760"/>
+            <a:ext cx="643831" cy="276999"/>
+          </a:xfrm>
+          <a:prstGeom prst="rect">
+            <a:avLst/>
+          </a:prstGeom>
+          <a:noFill/>
+          <a:ln>
+            <a:noFill/>
+          </a:ln>
+        </p:spPr>
+        <p:txBody>
+          <a:bodyPr wrap="none" rtlCol="0">
+            <a:spAutoFit/>
+          </a:bodyPr>
+          <a:lstStyle/>
+          <a:p>
+            <a:r>
+              <a:rPr lang="en-US" altLang="ko-KR" sz="1200" b="1">
+                <a:solidFill>
+                  <a:srgbClr val="C00000"/>
+                </a:solidFill>
+              </a:rPr>
+              <a:t>Watch</a:t>
+            </a:r>
+            <a:endParaRPr lang="ko-KR" altLang="en-US" sz="1200" b="1">
+              <a:solidFill>
+                <a:srgbClr val="C00000"/>
+              </a:solidFill>
+            </a:endParaRPr>
+          </a:p>
+        </p:txBody>
+      </p:sp>
+      <p:sp>
+        <p:nvSpPr>
+          <p:cNvPr id="3" name="사각형: 둥근 모서리 2">
+            <a:extLst>
+              <a:ext uri="{FF2B5EF4-FFF2-40B4-BE49-F238E27FC236}">
+                <a16:creationId xmlns:a16="http://schemas.microsoft.com/office/drawing/2014/main" id="{2C022D9C-8BA3-4D1B-A658-F91F107CA32C}"/>
+              </a:ext>
+            </a:extLst>
+          </p:cNvPr>
+          <p:cNvSpPr/>
+          <p:nvPr/>
+        </p:nvSpPr>
+        <p:spPr>
+          <a:xfrm>
+            <a:off x="1331640" y="2283718"/>
+            <a:ext cx="3168352" cy="1800200"/>
+          </a:xfrm>
+          <a:prstGeom prst="roundRect">
+            <a:avLst>
+              <a:gd name="adj" fmla="val 4007"/>
+            </a:avLst>
+          </a:prstGeom>
+          <a:ln w="12700"/>
+        </p:spPr>
+        <p:style>
+          <a:lnRef idx="2">
+            <a:schemeClr val="dk1"/>
+          </a:lnRef>
+          <a:fillRef idx="1">
+            <a:schemeClr val="lt1"/>
+          </a:fillRef>
+          <a:effectRef idx="0">
+            <a:schemeClr val="dk1"/>
+          </a:effectRef>
+          <a:fontRef idx="minor">
+            <a:schemeClr val="dk1"/>
+          </a:fontRef>
+        </p:style>
+        <p:txBody>
+          <a:bodyPr rtlCol="0" anchor="b"/>
+          <a:lstStyle/>
+          <a:p>
+            <a:pPr algn="ctr"/>
+            <a:r>
+              <a:rPr lang="en-US" altLang="ko-KR" sz="1200" b="1"/>
+              <a:t>Worker Node A</a:t>
+            </a:r>
+            <a:endParaRPr lang="ko-KR" altLang="en-US" sz="1200" b="1"/>
+          </a:p>
+        </p:txBody>
+      </p:sp>
+      <p:sp>
+        <p:nvSpPr>
+          <p:cNvPr id="18" name="사각형: 둥근 모서리 17">
+            <a:extLst>
+              <a:ext uri="{FF2B5EF4-FFF2-40B4-BE49-F238E27FC236}">
+                <a16:creationId xmlns:a16="http://schemas.microsoft.com/office/drawing/2014/main" id="{11D2EB22-A5E5-41DE-8A07-C32F9BDDF850}"/>
+              </a:ext>
+            </a:extLst>
+          </p:cNvPr>
+          <p:cNvSpPr/>
+          <p:nvPr/>
+        </p:nvSpPr>
+        <p:spPr>
+          <a:xfrm>
+            <a:off x="1418973" y="2371050"/>
+            <a:ext cx="1439500" cy="1352828"/>
+          </a:xfrm>
+          <a:prstGeom prst="roundRect">
+            <a:avLst>
+              <a:gd name="adj" fmla="val 6172"/>
+            </a:avLst>
+          </a:prstGeom>
+          <a:ln w="12700">
+            <a:solidFill>
+              <a:schemeClr val="tx1"/>
+            </a:solidFill>
+          </a:ln>
+        </p:spPr>
+        <p:style>
+          <a:lnRef idx="2">
+            <a:schemeClr val="dk1"/>
+          </a:lnRef>
+          <a:fillRef idx="1">
+            <a:schemeClr val="lt1"/>
+          </a:fillRef>
+          <a:effectRef idx="0">
+            <a:schemeClr val="dk1"/>
+          </a:effectRef>
+          <a:fontRef idx="minor">
+            <a:schemeClr val="dk1"/>
+          </a:fontRef>
+        </p:style>
+        <p:txBody>
+          <a:bodyPr rtlCol="0" anchor="b"/>
+          <a:lstStyle/>
+          <a:p>
+            <a:pPr algn="ctr"/>
+            <a:r>
+              <a:rPr lang="en-US" altLang="ko-KR" sz="1200"/>
+              <a:t>CoreDNS Pod</a:t>
+            </a:r>
+          </a:p>
+        </p:txBody>
+      </p:sp>
+      <p:sp>
+        <p:nvSpPr>
+          <p:cNvPr id="21" name="사각형: 둥근 모서리 20">
+            <a:extLst>
+              <a:ext uri="{FF2B5EF4-FFF2-40B4-BE49-F238E27FC236}">
+                <a16:creationId xmlns:a16="http://schemas.microsoft.com/office/drawing/2014/main" id="{FB3A5FC1-45CC-4FCD-B3D7-87BB7BC6BF46}"/>
+              </a:ext>
+            </a:extLst>
+          </p:cNvPr>
+          <p:cNvSpPr/>
+          <p:nvPr/>
+        </p:nvSpPr>
+        <p:spPr>
+          <a:xfrm>
+            <a:off x="3031160" y="3324978"/>
+            <a:ext cx="1296144" cy="397851"/>
+          </a:xfrm>
+          <a:prstGeom prst="roundRect">
+            <a:avLst>
+              <a:gd name="adj" fmla="val 9318"/>
+            </a:avLst>
+          </a:prstGeom>
+          <a:ln w="12700">
+            <a:solidFill>
+              <a:schemeClr val="tx1"/>
+            </a:solidFill>
+          </a:ln>
+        </p:spPr>
+        <p:style>
+          <a:lnRef idx="2">
+            <a:schemeClr val="dk1"/>
+          </a:lnRef>
+          <a:fillRef idx="1">
+            <a:schemeClr val="lt1"/>
+          </a:fillRef>
+          <a:effectRef idx="0">
+            <a:schemeClr val="dk1"/>
+          </a:effectRef>
+          <a:fontRef idx="minor">
+            <a:schemeClr val="dk1"/>
+          </a:fontRef>
+        </p:style>
+        <p:txBody>
+          <a:bodyPr rtlCol="0" anchor="ctr"/>
+          <a:lstStyle/>
+          <a:p>
+            <a:pPr algn="ctr"/>
+            <a:r>
+              <a:rPr lang="en-US" altLang="ko-KR" sz="1100"/>
+              <a:t>8.8.8.8</a:t>
+            </a:r>
+          </a:p>
+          <a:p>
+            <a:pPr algn="ctr"/>
+            <a:r>
+              <a:rPr lang="en-US" altLang="ko-KR" sz="1100"/>
+              <a:t>/etc/resolv.conf</a:t>
+            </a:r>
+            <a:endParaRPr lang="ko-KR" altLang="en-US" sz="1100"/>
+          </a:p>
+        </p:txBody>
+      </p:sp>
+      <p:sp>
+        <p:nvSpPr>
+          <p:cNvPr id="23" name="사각형: 둥근 모서리 22">
+            <a:extLst>
+              <a:ext uri="{FF2B5EF4-FFF2-40B4-BE49-F238E27FC236}">
+                <a16:creationId xmlns:a16="http://schemas.microsoft.com/office/drawing/2014/main" id="{3F9431C6-C301-4EE0-9C30-76B9D79BB0AB}"/>
+              </a:ext>
+            </a:extLst>
+          </p:cNvPr>
+          <p:cNvSpPr/>
+          <p:nvPr/>
+        </p:nvSpPr>
+        <p:spPr>
+          <a:xfrm>
+            <a:off x="1490651" y="3042189"/>
+            <a:ext cx="1296144" cy="397851"/>
+          </a:xfrm>
+          <a:prstGeom prst="roundRect">
+            <a:avLst>
+              <a:gd name="adj" fmla="val 9318"/>
+            </a:avLst>
+          </a:prstGeom>
+          <a:ln w="12700">
+            <a:solidFill>
+              <a:schemeClr val="tx1"/>
+            </a:solidFill>
+          </a:ln>
+        </p:spPr>
+        <p:style>
+          <a:lnRef idx="2">
+            <a:schemeClr val="dk1"/>
+          </a:lnRef>
+          <a:fillRef idx="1">
+            <a:schemeClr val="lt1"/>
+          </a:fillRef>
+          <a:effectRef idx="0">
+            <a:schemeClr val="dk1"/>
+          </a:effectRef>
+          <a:fontRef idx="minor">
+            <a:schemeClr val="dk1"/>
+          </a:fontRef>
+        </p:style>
+        <p:txBody>
+          <a:bodyPr rtlCol="0" anchor="ctr"/>
+          <a:lstStyle/>
+          <a:p>
+            <a:pPr algn="ctr"/>
+            <a:r>
+              <a:rPr lang="en-US" altLang="ko-KR" sz="1100" b="1"/>
+              <a:t>8.8.8.8</a:t>
+            </a:r>
+          </a:p>
+          <a:p>
+            <a:pPr algn="ctr"/>
+            <a:r>
+              <a:rPr lang="en-US" altLang="ko-KR" sz="1100"/>
+              <a:t>/etc/resolv.conf</a:t>
+            </a:r>
+            <a:endParaRPr lang="ko-KR" altLang="en-US" sz="1100"/>
+          </a:p>
+        </p:txBody>
+      </p:sp>
+      <p:sp>
+        <p:nvSpPr>
+          <p:cNvPr id="24" name="사각형: 둥근 모서리 23">
+            <a:extLst>
+              <a:ext uri="{FF2B5EF4-FFF2-40B4-BE49-F238E27FC236}">
+                <a16:creationId xmlns:a16="http://schemas.microsoft.com/office/drawing/2014/main" id="{D795C607-A951-4722-8597-DB6A58EE9CD2}"/>
+              </a:ext>
+            </a:extLst>
+          </p:cNvPr>
+          <p:cNvSpPr/>
+          <p:nvPr/>
+        </p:nvSpPr>
+        <p:spPr>
+          <a:xfrm>
+            <a:off x="2960626" y="2371051"/>
+            <a:ext cx="1439500" cy="776763"/>
+          </a:xfrm>
+          <a:prstGeom prst="roundRect">
+            <a:avLst>
+              <a:gd name="adj" fmla="val 9318"/>
+            </a:avLst>
+          </a:prstGeom>
+          <a:ln w="12700">
+            <a:solidFill>
+              <a:schemeClr val="tx1"/>
+            </a:solidFill>
+          </a:ln>
+        </p:spPr>
+        <p:style>
+          <a:lnRef idx="2">
+            <a:schemeClr val="dk1"/>
+          </a:lnRef>
+          <a:fillRef idx="1">
+            <a:schemeClr val="lt1"/>
+          </a:fillRef>
+          <a:effectRef idx="0">
+            <a:schemeClr val="dk1"/>
+          </a:effectRef>
+          <a:fontRef idx="minor">
+            <a:schemeClr val="dk1"/>
+          </a:fontRef>
+        </p:style>
+        <p:txBody>
+          <a:bodyPr rtlCol="0" anchor="b"/>
+          <a:lstStyle/>
+          <a:p>
+            <a:pPr algn="ctr"/>
+            <a:r>
+              <a:rPr lang="en-US" altLang="ko-KR" sz="1200"/>
+              <a:t>Pod</a:t>
+            </a:r>
+          </a:p>
+        </p:txBody>
+      </p:sp>
+      <p:sp>
+        <p:nvSpPr>
+          <p:cNvPr id="25" name="사각형: 둥근 모서리 24">
+            <a:extLst>
+              <a:ext uri="{FF2B5EF4-FFF2-40B4-BE49-F238E27FC236}">
+                <a16:creationId xmlns:a16="http://schemas.microsoft.com/office/drawing/2014/main" id="{A3F72A73-3FD7-49A8-AA78-D1004EE1E808}"/>
+              </a:ext>
+            </a:extLst>
+          </p:cNvPr>
+          <p:cNvSpPr/>
+          <p:nvPr/>
+        </p:nvSpPr>
+        <p:spPr>
+          <a:xfrm>
+            <a:off x="3032304" y="2456823"/>
+            <a:ext cx="1296144" cy="397851"/>
+          </a:xfrm>
+          <a:prstGeom prst="roundRect">
+            <a:avLst>
+              <a:gd name="adj" fmla="val 9318"/>
+            </a:avLst>
+          </a:prstGeom>
+          <a:ln w="12700">
+            <a:solidFill>
+              <a:schemeClr val="tx1"/>
+            </a:solidFill>
+          </a:ln>
+        </p:spPr>
+        <p:style>
+          <a:lnRef idx="2">
+            <a:schemeClr val="dk1"/>
+          </a:lnRef>
+          <a:fillRef idx="1">
+            <a:schemeClr val="lt1"/>
+          </a:fillRef>
+          <a:effectRef idx="0">
+            <a:schemeClr val="dk1"/>
+          </a:effectRef>
+          <a:fontRef idx="minor">
+            <a:schemeClr val="dk1"/>
+          </a:fontRef>
+        </p:style>
+        <p:txBody>
+          <a:bodyPr rtlCol="0" anchor="ctr"/>
+          <a:lstStyle/>
+          <a:p>
+            <a:pPr algn="ctr"/>
+            <a:r>
+              <a:rPr lang="en-US" altLang="ko-KR" sz="1100" b="1"/>
+              <a:t>10.96.0.10</a:t>
+            </a:r>
+          </a:p>
+          <a:p>
+            <a:pPr algn="ctr"/>
+            <a:r>
+              <a:rPr lang="en-US" altLang="ko-KR" sz="1100"/>
+              <a:t>/etc/resolv.conf</a:t>
+            </a:r>
+            <a:endParaRPr lang="ko-KR" altLang="en-US" sz="1100"/>
+          </a:p>
+        </p:txBody>
+      </p:sp>
+      <p:sp>
+        <p:nvSpPr>
+          <p:cNvPr id="75" name="사각형: 둥근 모서리 74">
+            <a:extLst>
+              <a:ext uri="{FF2B5EF4-FFF2-40B4-BE49-F238E27FC236}">
+                <a16:creationId xmlns:a16="http://schemas.microsoft.com/office/drawing/2014/main" id="{1745C36B-13DC-4D4F-8FB5-D3CB326E7D5D}"/>
+              </a:ext>
+            </a:extLst>
+          </p:cNvPr>
+          <p:cNvSpPr/>
+          <p:nvPr/>
+        </p:nvSpPr>
+        <p:spPr>
+          <a:xfrm>
+            <a:off x="1490651" y="2729492"/>
+            <a:ext cx="1296144" cy="278379"/>
+          </a:xfrm>
+          <a:prstGeom prst="roundRect">
+            <a:avLst>
+              <a:gd name="adj" fmla="val 14823"/>
+            </a:avLst>
+          </a:prstGeom>
+          <a:ln w="12700">
+            <a:solidFill>
+              <a:schemeClr val="tx1"/>
+            </a:solidFill>
+          </a:ln>
+        </p:spPr>
+        <p:style>
+          <a:lnRef idx="2">
+            <a:schemeClr val="dk1"/>
+          </a:lnRef>
+          <a:fillRef idx="1">
+            <a:schemeClr val="lt1"/>
+          </a:fillRef>
+          <a:effectRef idx="0">
+            <a:schemeClr val="dk1"/>
+          </a:effectRef>
+          <a:fontRef idx="minor">
+            <a:schemeClr val="dk1"/>
+          </a:fontRef>
+        </p:style>
+        <p:txBody>
+          <a:bodyPr rtlCol="0" anchor="ctr"/>
+          <a:lstStyle/>
+          <a:p>
+            <a:pPr algn="ctr"/>
+            <a:r>
+              <a:rPr lang="en-US" altLang="ko-KR" sz="1100"/>
+              <a:t>CoreDNS Config</a:t>
+            </a:r>
+            <a:endParaRPr lang="ko-KR" altLang="en-US" sz="1100"/>
+          </a:p>
+        </p:txBody>
+      </p:sp>
+      <p:sp>
+        <p:nvSpPr>
+          <p:cNvPr id="76" name="사각형: 둥근 모서리 75">
+            <a:extLst>
+              <a:ext uri="{FF2B5EF4-FFF2-40B4-BE49-F238E27FC236}">
+                <a16:creationId xmlns:a16="http://schemas.microsoft.com/office/drawing/2014/main" id="{55D7DF13-BA60-4171-92B8-AF7D6FA056E0}"/>
+              </a:ext>
+            </a:extLst>
+          </p:cNvPr>
+          <p:cNvSpPr/>
+          <p:nvPr/>
+        </p:nvSpPr>
+        <p:spPr>
+          <a:xfrm>
+            <a:off x="1490651" y="2450851"/>
+            <a:ext cx="1296144" cy="278379"/>
+          </a:xfrm>
+          <a:prstGeom prst="roundRect">
+            <a:avLst>
+              <a:gd name="adj" fmla="val 14823"/>
+            </a:avLst>
+          </a:prstGeom>
+          <a:ln w="12700">
+            <a:solidFill>
+              <a:schemeClr val="tx1"/>
+            </a:solidFill>
+          </a:ln>
+        </p:spPr>
+        <p:style>
+          <a:lnRef idx="2">
+            <a:schemeClr val="dk1"/>
+          </a:lnRef>
+          <a:fillRef idx="1">
+            <a:schemeClr val="lt1"/>
+          </a:fillRef>
+          <a:effectRef idx="0">
+            <a:schemeClr val="dk1"/>
+          </a:effectRef>
+          <a:fontRef idx="minor">
+            <a:schemeClr val="dk1"/>
+          </a:fontRef>
+        </p:style>
+        <p:txBody>
+          <a:bodyPr rtlCol="0" anchor="ctr"/>
+          <a:lstStyle/>
+          <a:p>
+            <a:pPr algn="ctr"/>
+            <a:r>
+              <a:rPr lang="en-US" altLang="ko-KR" sz="1100"/>
+              <a:t>CoreDNS</a:t>
+            </a:r>
+            <a:endParaRPr lang="ko-KR" altLang="en-US" sz="1100"/>
+          </a:p>
+        </p:txBody>
+      </p:sp>
+      <p:sp>
+        <p:nvSpPr>
+          <p:cNvPr id="84" name="사각형: 둥근 모서리 83">
+            <a:extLst>
+              <a:ext uri="{FF2B5EF4-FFF2-40B4-BE49-F238E27FC236}">
+                <a16:creationId xmlns:a16="http://schemas.microsoft.com/office/drawing/2014/main" id="{32714130-B837-4076-A581-218296D0A3C2}"/>
+              </a:ext>
+            </a:extLst>
+          </p:cNvPr>
+          <p:cNvSpPr/>
+          <p:nvPr/>
+        </p:nvSpPr>
+        <p:spPr>
+          <a:xfrm>
+            <a:off x="4644008" y="2283718"/>
+            <a:ext cx="3168352" cy="1800200"/>
+          </a:xfrm>
+          <a:prstGeom prst="roundRect">
+            <a:avLst>
+              <a:gd name="adj" fmla="val 4007"/>
+            </a:avLst>
+          </a:prstGeom>
+          <a:ln w="12700"/>
+        </p:spPr>
+        <p:style>
+          <a:lnRef idx="2">
+            <a:schemeClr val="dk1"/>
+          </a:lnRef>
+          <a:fillRef idx="1">
+            <a:schemeClr val="lt1"/>
+          </a:fillRef>
+          <a:effectRef idx="0">
+            <a:schemeClr val="dk1"/>
+          </a:effectRef>
+          <a:fontRef idx="minor">
+            <a:schemeClr val="dk1"/>
+          </a:fontRef>
+        </p:style>
+        <p:txBody>
+          <a:bodyPr rtlCol="0" anchor="b"/>
+          <a:lstStyle/>
+          <a:p>
+            <a:pPr algn="ctr"/>
+            <a:r>
+              <a:rPr lang="en-US" altLang="ko-KR" sz="1200" b="1"/>
+              <a:t>Worker Node B</a:t>
+            </a:r>
+            <a:endParaRPr lang="ko-KR" altLang="en-US" sz="1200" b="1"/>
+          </a:p>
+        </p:txBody>
+      </p:sp>
+      <p:sp>
+        <p:nvSpPr>
+          <p:cNvPr id="85" name="사각형: 둥근 모서리 84">
+            <a:extLst>
+              <a:ext uri="{FF2B5EF4-FFF2-40B4-BE49-F238E27FC236}">
+                <a16:creationId xmlns:a16="http://schemas.microsoft.com/office/drawing/2014/main" id="{EA53FE2B-0A6D-49AD-9710-62B141CD003A}"/>
+              </a:ext>
+            </a:extLst>
+          </p:cNvPr>
+          <p:cNvSpPr/>
+          <p:nvPr/>
+        </p:nvSpPr>
+        <p:spPr>
+          <a:xfrm>
+            <a:off x="4731341" y="2371050"/>
+            <a:ext cx="1439500" cy="1352828"/>
+          </a:xfrm>
+          <a:prstGeom prst="roundRect">
+            <a:avLst>
+              <a:gd name="adj" fmla="val 6172"/>
+            </a:avLst>
+          </a:prstGeom>
+          <a:ln w="12700">
+            <a:solidFill>
+              <a:schemeClr val="tx1"/>
+            </a:solidFill>
+          </a:ln>
+        </p:spPr>
+        <p:style>
+          <a:lnRef idx="2">
+            <a:schemeClr val="dk1"/>
+          </a:lnRef>
+          <a:fillRef idx="1">
+            <a:schemeClr val="lt1"/>
+          </a:fillRef>
+          <a:effectRef idx="0">
+            <a:schemeClr val="dk1"/>
+          </a:effectRef>
+          <a:fontRef idx="minor">
+            <a:schemeClr val="dk1"/>
+          </a:fontRef>
+        </p:style>
+        <p:txBody>
+          <a:bodyPr rtlCol="0" anchor="b"/>
+          <a:lstStyle/>
+          <a:p>
+            <a:pPr algn="ctr"/>
+            <a:r>
+              <a:rPr lang="en-US" altLang="ko-KR" sz="1200"/>
+              <a:t>CoreDNS Pod</a:t>
+            </a:r>
+          </a:p>
+        </p:txBody>
+      </p:sp>
+      <p:sp>
+        <p:nvSpPr>
+          <p:cNvPr id="86" name="사각형: 둥근 모서리 85">
+            <a:extLst>
+              <a:ext uri="{FF2B5EF4-FFF2-40B4-BE49-F238E27FC236}">
+                <a16:creationId xmlns:a16="http://schemas.microsoft.com/office/drawing/2014/main" id="{4402F469-A30C-4F03-B350-302F8FB08D71}"/>
+              </a:ext>
+            </a:extLst>
+          </p:cNvPr>
+          <p:cNvSpPr/>
+          <p:nvPr/>
+        </p:nvSpPr>
+        <p:spPr>
+          <a:xfrm>
+            <a:off x="6343528" y="3324978"/>
+            <a:ext cx="1296144" cy="397851"/>
+          </a:xfrm>
+          <a:prstGeom prst="roundRect">
+            <a:avLst>
+              <a:gd name="adj" fmla="val 9318"/>
+            </a:avLst>
+          </a:prstGeom>
+          <a:ln w="12700">
+            <a:solidFill>
+              <a:schemeClr val="tx1"/>
+            </a:solidFill>
+          </a:ln>
+        </p:spPr>
+        <p:style>
+          <a:lnRef idx="2">
+            <a:schemeClr val="dk1"/>
+          </a:lnRef>
+          <a:fillRef idx="1">
+            <a:schemeClr val="lt1"/>
+          </a:fillRef>
+          <a:effectRef idx="0">
+            <a:schemeClr val="dk1"/>
+          </a:effectRef>
+          <a:fontRef idx="minor">
+            <a:schemeClr val="dk1"/>
+          </a:fontRef>
+        </p:style>
+        <p:txBody>
+          <a:bodyPr rtlCol="0" anchor="ctr"/>
+          <a:lstStyle/>
+          <a:p>
+            <a:pPr algn="ctr"/>
+            <a:r>
+              <a:rPr lang="en-US" altLang="ko-KR" sz="1100"/>
+              <a:t>8.8.8.8</a:t>
+            </a:r>
+          </a:p>
+          <a:p>
+            <a:pPr algn="ctr"/>
+            <a:r>
+              <a:rPr lang="en-US" altLang="ko-KR" sz="1100"/>
+              <a:t>/etc/resolv.conf</a:t>
+            </a:r>
+            <a:endParaRPr lang="ko-KR" altLang="en-US" sz="1100"/>
+          </a:p>
+        </p:txBody>
+      </p:sp>
+      <p:sp>
+        <p:nvSpPr>
+          <p:cNvPr id="87" name="사각형: 둥근 모서리 86">
+            <a:extLst>
+              <a:ext uri="{FF2B5EF4-FFF2-40B4-BE49-F238E27FC236}">
+                <a16:creationId xmlns:a16="http://schemas.microsoft.com/office/drawing/2014/main" id="{9AB0A42E-64B9-43ED-AE71-B6B1024FABCE}"/>
+              </a:ext>
+            </a:extLst>
+          </p:cNvPr>
+          <p:cNvSpPr/>
+          <p:nvPr/>
+        </p:nvSpPr>
+        <p:spPr>
+          <a:xfrm>
+            <a:off x="4803019" y="3042189"/>
+            <a:ext cx="1296144" cy="397851"/>
+          </a:xfrm>
+          <a:prstGeom prst="roundRect">
+            <a:avLst>
+              <a:gd name="adj" fmla="val 9318"/>
+            </a:avLst>
+          </a:prstGeom>
+          <a:ln w="12700">
+            <a:solidFill>
+              <a:schemeClr val="tx1"/>
+            </a:solidFill>
+          </a:ln>
+        </p:spPr>
+        <p:style>
+          <a:lnRef idx="2">
+            <a:schemeClr val="dk1"/>
+          </a:lnRef>
+          <a:fillRef idx="1">
+            <a:schemeClr val="lt1"/>
+          </a:fillRef>
+          <a:effectRef idx="0">
+            <a:schemeClr val="dk1"/>
+          </a:effectRef>
+          <a:fontRef idx="minor">
+            <a:schemeClr val="dk1"/>
+          </a:fontRef>
+        </p:style>
+        <p:txBody>
+          <a:bodyPr rtlCol="0" anchor="ctr"/>
+          <a:lstStyle/>
+          <a:p>
+            <a:pPr algn="ctr"/>
+            <a:r>
+              <a:rPr lang="en-US" altLang="ko-KR" sz="1100" b="1"/>
+              <a:t>8.8.8.8</a:t>
+            </a:r>
+          </a:p>
+          <a:p>
+            <a:pPr algn="ctr"/>
+            <a:r>
+              <a:rPr lang="en-US" altLang="ko-KR" sz="1100"/>
+              <a:t>/etc/resolv.conf</a:t>
+            </a:r>
+            <a:endParaRPr lang="ko-KR" altLang="en-US" sz="1100"/>
+          </a:p>
+        </p:txBody>
+      </p:sp>
+      <p:sp>
+        <p:nvSpPr>
+          <p:cNvPr id="88" name="사각형: 둥근 모서리 87">
+            <a:extLst>
+              <a:ext uri="{FF2B5EF4-FFF2-40B4-BE49-F238E27FC236}">
+                <a16:creationId xmlns:a16="http://schemas.microsoft.com/office/drawing/2014/main" id="{DFF6966F-BE93-4498-8665-127FC560470D}"/>
+              </a:ext>
+            </a:extLst>
+          </p:cNvPr>
+          <p:cNvSpPr/>
+          <p:nvPr/>
+        </p:nvSpPr>
+        <p:spPr>
+          <a:xfrm>
+            <a:off x="6272994" y="2371051"/>
+            <a:ext cx="1439500" cy="776763"/>
+          </a:xfrm>
+          <a:prstGeom prst="roundRect">
+            <a:avLst>
+              <a:gd name="adj" fmla="val 9318"/>
+            </a:avLst>
+          </a:prstGeom>
+          <a:ln w="12700">
+            <a:solidFill>
+              <a:schemeClr val="tx1"/>
+            </a:solidFill>
+          </a:ln>
+        </p:spPr>
+        <p:style>
+          <a:lnRef idx="2">
+            <a:schemeClr val="dk1"/>
+          </a:lnRef>
+          <a:fillRef idx="1">
+            <a:schemeClr val="lt1"/>
+          </a:fillRef>
+          <a:effectRef idx="0">
+            <a:schemeClr val="dk1"/>
+          </a:effectRef>
+          <a:fontRef idx="minor">
+            <a:schemeClr val="dk1"/>
+          </a:fontRef>
+        </p:style>
+        <p:txBody>
+          <a:bodyPr rtlCol="0" anchor="b"/>
+          <a:lstStyle/>
+          <a:p>
+            <a:pPr algn="ctr"/>
+            <a:r>
+              <a:rPr lang="en-US" altLang="ko-KR" sz="1200"/>
+              <a:t>Pod</a:t>
+            </a:r>
+          </a:p>
+        </p:txBody>
+      </p:sp>
+      <p:sp>
+        <p:nvSpPr>
+          <p:cNvPr id="89" name="사각형: 둥근 모서리 88">
+            <a:extLst>
+              <a:ext uri="{FF2B5EF4-FFF2-40B4-BE49-F238E27FC236}">
+                <a16:creationId xmlns:a16="http://schemas.microsoft.com/office/drawing/2014/main" id="{D273A666-2B5E-415E-8A01-A0A441D1B3C5}"/>
+              </a:ext>
+            </a:extLst>
+          </p:cNvPr>
+          <p:cNvSpPr/>
+          <p:nvPr/>
+        </p:nvSpPr>
+        <p:spPr>
+          <a:xfrm>
+            <a:off x="6344672" y="2456823"/>
+            <a:ext cx="1296144" cy="397851"/>
+          </a:xfrm>
+          <a:prstGeom prst="roundRect">
+            <a:avLst>
+              <a:gd name="adj" fmla="val 9318"/>
+            </a:avLst>
+          </a:prstGeom>
+          <a:ln w="12700">
+            <a:solidFill>
+              <a:schemeClr val="tx1"/>
+            </a:solidFill>
+          </a:ln>
+        </p:spPr>
+        <p:style>
+          <a:lnRef idx="2">
+            <a:schemeClr val="dk1"/>
+          </a:lnRef>
+          <a:fillRef idx="1">
+            <a:schemeClr val="lt1"/>
+          </a:fillRef>
+          <a:effectRef idx="0">
+            <a:schemeClr val="dk1"/>
+          </a:effectRef>
+          <a:fontRef idx="minor">
+            <a:schemeClr val="dk1"/>
+          </a:fontRef>
+        </p:style>
+        <p:txBody>
+          <a:bodyPr rtlCol="0" anchor="ctr"/>
+          <a:lstStyle/>
+          <a:p>
+            <a:pPr algn="ctr"/>
+            <a:r>
+              <a:rPr lang="en-US" altLang="ko-KR" sz="1100" b="1"/>
+              <a:t>10.96.0.10</a:t>
+            </a:r>
+          </a:p>
+          <a:p>
+            <a:pPr algn="ctr"/>
+            <a:r>
+              <a:rPr lang="en-US" altLang="ko-KR" sz="1100"/>
+              <a:t>/etc/resolv.conf</a:t>
+            </a:r>
+            <a:endParaRPr lang="ko-KR" altLang="en-US" sz="1100"/>
+          </a:p>
+        </p:txBody>
+      </p:sp>
+      <p:sp>
+        <p:nvSpPr>
+          <p:cNvPr id="90" name="사각형: 둥근 모서리 89">
+            <a:extLst>
+              <a:ext uri="{FF2B5EF4-FFF2-40B4-BE49-F238E27FC236}">
+                <a16:creationId xmlns:a16="http://schemas.microsoft.com/office/drawing/2014/main" id="{53B6AE80-0E49-44EB-9444-D363F8A494F2}"/>
+              </a:ext>
+            </a:extLst>
+          </p:cNvPr>
+          <p:cNvSpPr/>
+          <p:nvPr/>
+        </p:nvSpPr>
+        <p:spPr>
+          <a:xfrm>
+            <a:off x="4803019" y="2729492"/>
+            <a:ext cx="1296144" cy="278379"/>
+          </a:xfrm>
+          <a:prstGeom prst="roundRect">
+            <a:avLst>
+              <a:gd name="adj" fmla="val 14823"/>
+            </a:avLst>
+          </a:prstGeom>
+          <a:ln w="12700">
+            <a:solidFill>
+              <a:schemeClr val="tx1"/>
+            </a:solidFill>
+          </a:ln>
+        </p:spPr>
+        <p:style>
+          <a:lnRef idx="2">
+            <a:schemeClr val="dk1"/>
+          </a:lnRef>
+          <a:fillRef idx="1">
+            <a:schemeClr val="lt1"/>
+          </a:fillRef>
+          <a:effectRef idx="0">
+            <a:schemeClr val="dk1"/>
+          </a:effectRef>
+          <a:fontRef idx="minor">
+            <a:schemeClr val="dk1"/>
+          </a:fontRef>
+        </p:style>
+        <p:txBody>
+          <a:bodyPr rtlCol="0" anchor="ctr"/>
+          <a:lstStyle/>
+          <a:p>
+            <a:pPr algn="ctr"/>
+            <a:r>
+              <a:rPr lang="en-US" altLang="ko-KR" sz="1100"/>
+              <a:t>CoreDNS Config</a:t>
+            </a:r>
+            <a:endParaRPr lang="ko-KR" altLang="en-US" sz="1100"/>
+          </a:p>
+        </p:txBody>
+      </p:sp>
+      <p:sp>
+        <p:nvSpPr>
+          <p:cNvPr id="91" name="사각형: 둥근 모서리 90">
+            <a:extLst>
+              <a:ext uri="{FF2B5EF4-FFF2-40B4-BE49-F238E27FC236}">
+                <a16:creationId xmlns:a16="http://schemas.microsoft.com/office/drawing/2014/main" id="{1DF497C8-EDFC-4771-A9B6-D420BC34F367}"/>
+              </a:ext>
+            </a:extLst>
+          </p:cNvPr>
+          <p:cNvSpPr/>
+          <p:nvPr/>
+        </p:nvSpPr>
+        <p:spPr>
+          <a:xfrm>
+            <a:off x="4803019" y="2450851"/>
+            <a:ext cx="1296144" cy="278379"/>
+          </a:xfrm>
+          <a:prstGeom prst="roundRect">
+            <a:avLst>
+              <a:gd name="adj" fmla="val 14823"/>
+            </a:avLst>
+          </a:prstGeom>
+          <a:ln w="12700">
+            <a:solidFill>
+              <a:schemeClr val="tx1"/>
+            </a:solidFill>
+          </a:ln>
+        </p:spPr>
+        <p:style>
+          <a:lnRef idx="2">
+            <a:schemeClr val="dk1"/>
+          </a:lnRef>
+          <a:fillRef idx="1">
+            <a:schemeClr val="lt1"/>
+          </a:fillRef>
+          <a:effectRef idx="0">
+            <a:schemeClr val="dk1"/>
+          </a:effectRef>
+          <a:fontRef idx="minor">
+            <a:schemeClr val="dk1"/>
+          </a:fontRef>
+        </p:style>
+        <p:txBody>
+          <a:bodyPr rtlCol="0" anchor="ctr"/>
+          <a:lstStyle/>
+          <a:p>
+            <a:pPr algn="ctr"/>
+            <a:r>
+              <a:rPr lang="en-US" altLang="ko-KR" sz="1100"/>
+              <a:t>CoreDNS</a:t>
+            </a:r>
+            <a:endParaRPr lang="ko-KR" altLang="en-US" sz="1100"/>
+          </a:p>
+        </p:txBody>
+      </p:sp>
+      <p:cxnSp>
+        <p:nvCxnSpPr>
+          <p:cNvPr id="60" name="직선 화살표 연결선 59">
+            <a:extLst>
+              <a:ext uri="{FF2B5EF4-FFF2-40B4-BE49-F238E27FC236}">
+                <a16:creationId xmlns:a16="http://schemas.microsoft.com/office/drawing/2014/main" id="{5F10235F-1096-4F6A-824E-63C219CA3C00}"/>
+              </a:ext>
+            </a:extLst>
+          </p:cNvPr>
+          <p:cNvCxnSpPr>
+            <a:cxnSpLocks/>
+          </p:cNvCxnSpPr>
+          <p:nvPr/>
+        </p:nvCxnSpPr>
+        <p:spPr>
+          <a:xfrm flipH="1" flipV="1">
+            <a:off x="2196066" y="620292"/>
+            <a:ext cx="3312368" cy="564460"/>
+          </a:xfrm>
+          <a:prstGeom prst="straightConnector1">
+            <a:avLst/>
+          </a:prstGeom>
+          <a:ln w="12700">
+            <a:solidFill>
+              <a:srgbClr val="C00000"/>
+            </a:solidFill>
+            <a:headEnd type="none" w="med" len="med"/>
+            <a:tailEnd type="triangle" w="med" len="med"/>
+          </a:ln>
+        </p:spPr>
+        <p:style>
+          <a:lnRef idx="1">
+            <a:schemeClr val="accent1"/>
+          </a:lnRef>
+          <a:fillRef idx="0">
+            <a:schemeClr val="accent1"/>
+          </a:fillRef>
+          <a:effectRef idx="0">
+            <a:schemeClr val="accent1"/>
+          </a:effectRef>
+          <a:fontRef idx="minor">
+            <a:schemeClr val="tx1"/>
+          </a:fontRef>
+        </p:style>
+      </p:cxnSp>
+      <p:cxnSp>
+        <p:nvCxnSpPr>
+          <p:cNvPr id="43" name="직선 화살표 연결선 42">
+            <a:extLst>
+              <a:ext uri="{FF2B5EF4-FFF2-40B4-BE49-F238E27FC236}">
+                <a16:creationId xmlns:a16="http://schemas.microsoft.com/office/drawing/2014/main" id="{286A37A7-3D82-4CB4-B605-F58F31CFE735}"/>
+              </a:ext>
+            </a:extLst>
+          </p:cNvPr>
+          <p:cNvCxnSpPr>
+            <a:cxnSpLocks/>
+          </p:cNvCxnSpPr>
+          <p:nvPr/>
+        </p:nvCxnSpPr>
+        <p:spPr>
+          <a:xfrm flipV="1">
+            <a:off x="7356593" y="1990578"/>
+            <a:ext cx="0" cy="380473"/>
+          </a:xfrm>
+          <a:prstGeom prst="straightConnector1">
+            <a:avLst/>
+          </a:prstGeom>
+          <a:ln w="12700">
+            <a:solidFill>
+              <a:schemeClr val="tx2"/>
+            </a:solidFill>
+            <a:headEnd type="none" w="med" len="med"/>
+            <a:tailEnd type="triangle" w="med" len="med"/>
+          </a:ln>
+        </p:spPr>
+        <p:style>
+          <a:lnRef idx="1">
+            <a:schemeClr val="accent1"/>
+          </a:lnRef>
+          <a:fillRef idx="0">
+            <a:schemeClr val="accent1"/>
+          </a:fillRef>
+          <a:effectRef idx="0">
+            <a:schemeClr val="accent1"/>
+          </a:effectRef>
+          <a:fontRef idx="minor">
+            <a:schemeClr val="tx1"/>
+          </a:fontRef>
+        </p:style>
+      </p:cxnSp>
+      <p:sp>
+        <p:nvSpPr>
+          <p:cNvPr id="109" name="TextBox 108">
+            <a:extLst>
+              <a:ext uri="{FF2B5EF4-FFF2-40B4-BE49-F238E27FC236}">
+                <a16:creationId xmlns:a16="http://schemas.microsoft.com/office/drawing/2014/main" id="{1FD665BB-9EB4-4F57-BDCA-7DE312A1E929}"/>
+              </a:ext>
+            </a:extLst>
+          </p:cNvPr>
+          <p:cNvSpPr txBox="1"/>
+          <p:nvPr/>
+        </p:nvSpPr>
+        <p:spPr>
+          <a:xfrm>
+            <a:off x="7336525" y="2001018"/>
+            <a:ext cx="739818" cy="276999"/>
+          </a:xfrm>
+          <a:prstGeom prst="rect">
+            <a:avLst/>
+          </a:prstGeom>
+          <a:noFill/>
+          <a:ln>
+            <a:noFill/>
+          </a:ln>
+        </p:spPr>
+        <p:txBody>
+          <a:bodyPr wrap="square" rtlCol="0">
+            <a:spAutoFit/>
+          </a:bodyPr>
+          <a:lstStyle/>
+          <a:p>
+            <a:r>
+              <a:rPr lang="en-US" altLang="ko-KR" sz="1200" b="1">
+                <a:solidFill>
+                  <a:schemeClr val="tx2"/>
+                </a:solidFill>
+              </a:rPr>
+              <a:t>Resolve</a:t>
+            </a:r>
+            <a:endParaRPr lang="ko-KR" altLang="en-US" sz="1200" b="1">
+              <a:solidFill>
+                <a:schemeClr val="tx2"/>
+              </a:solidFill>
+            </a:endParaRPr>
+          </a:p>
+        </p:txBody>
+      </p:sp>
+      <p:sp>
+        <p:nvSpPr>
+          <p:cNvPr id="42" name="사각형: 둥근 모서리 46">
+            <a:extLst>
+              <a:ext uri="{FF2B5EF4-FFF2-40B4-BE49-F238E27FC236}">
+                <a16:creationId xmlns:a16="http://schemas.microsoft.com/office/drawing/2014/main" id="{3DB1526F-18D5-894B-9352-9FF2CC1B2E3B}"/>
+              </a:ext>
+            </a:extLst>
+          </p:cNvPr>
+          <p:cNvSpPr/>
+          <p:nvPr/>
+        </p:nvSpPr>
+        <p:spPr>
+          <a:xfrm>
+            <a:off x="3852250" y="1541458"/>
+            <a:ext cx="1439500" cy="449119"/>
+          </a:xfrm>
+          <a:prstGeom prst="roundRect">
+            <a:avLst>
+              <a:gd name="adj" fmla="val 8959"/>
+            </a:avLst>
+          </a:prstGeom>
+          <a:ln w="12700"/>
+        </p:spPr>
+        <p:style>
+          <a:lnRef idx="2">
+            <a:schemeClr val="dk1"/>
+          </a:lnRef>
+          <a:fillRef idx="1">
+            <a:schemeClr val="lt1"/>
+          </a:fillRef>
+          <a:effectRef idx="0">
+            <a:schemeClr val="dk1"/>
+          </a:effectRef>
+          <a:fontRef idx="minor">
+            <a:schemeClr val="dk1"/>
+          </a:fontRef>
+        </p:style>
+        <p:txBody>
+          <a:bodyPr rtlCol="0" anchor="ctr"/>
+          <a:lstStyle/>
+          <a:p>
+            <a:pPr algn="ctr"/>
+            <a:r>
+              <a:rPr lang="en-US" altLang="ko-KR" sz="1200"/>
+              <a:t>External DNS</a:t>
+            </a:r>
+          </a:p>
+          <a:p>
+            <a:pPr algn="ctr"/>
+            <a:r>
+              <a:rPr lang="en-US" altLang="ko-KR" sz="1200" b="1"/>
+              <a:t>8.8.8.8</a:t>
+            </a:r>
+            <a:endParaRPr lang="ko-KR" altLang="en-US" sz="1200" b="1"/>
+          </a:p>
+        </p:txBody>
+      </p:sp>
+      <p:cxnSp>
+        <p:nvCxnSpPr>
+          <p:cNvPr id="52" name="Elbow Connector 51">
+            <a:extLst>
+              <a:ext uri="{FF2B5EF4-FFF2-40B4-BE49-F238E27FC236}">
+                <a16:creationId xmlns:a16="http://schemas.microsoft.com/office/drawing/2014/main" id="{B3E7B7F1-560A-1441-9158-7464F51AE665}"/>
+              </a:ext>
+            </a:extLst>
+          </p:cNvPr>
+          <p:cNvCxnSpPr>
+            <a:cxnSpLocks/>
+            <a:stCxn id="85" idx="2"/>
+            <a:endCxn id="54" idx="1"/>
+          </p:cNvCxnSpPr>
+          <p:nvPr/>
+        </p:nvCxnSpPr>
+        <p:spPr>
+          <a:xfrm rot="5400000" flipH="1">
+            <a:off x="2457250" y="730038"/>
+            <a:ext cx="2027241" cy="3960440"/>
+          </a:xfrm>
+          <a:prstGeom prst="bentConnector4">
+            <a:avLst>
+              <a:gd name="adj1" fmla="val -11276"/>
+              <a:gd name="adj2" fmla="val 105772"/>
+            </a:avLst>
+          </a:prstGeom>
+          <a:ln>
+            <a:solidFill>
+              <a:srgbClr val="C00000"/>
+            </a:solidFill>
+            <a:tailEnd type="triangle"/>
+          </a:ln>
+        </p:spPr>
+        <p:style>
+          <a:lnRef idx="1">
+            <a:schemeClr val="accent1"/>
+          </a:lnRef>
+          <a:fillRef idx="0">
+            <a:schemeClr val="accent1"/>
+          </a:fillRef>
+          <a:effectRef idx="0">
+            <a:schemeClr val="accent1"/>
+          </a:effectRef>
+          <a:fontRef idx="minor">
+            <a:schemeClr val="tx1"/>
+          </a:fontRef>
+        </p:style>
+      </p:cxnSp>
+      <p:cxnSp>
+        <p:nvCxnSpPr>
+          <p:cNvPr id="77" name="Elbow Connector 76">
+            <a:extLst>
+              <a:ext uri="{FF2B5EF4-FFF2-40B4-BE49-F238E27FC236}">
+                <a16:creationId xmlns:a16="http://schemas.microsoft.com/office/drawing/2014/main" id="{44606344-0B2B-4547-A150-20636F59CE43}"/>
+              </a:ext>
+            </a:extLst>
+          </p:cNvPr>
+          <p:cNvCxnSpPr>
+            <a:cxnSpLocks/>
+          </p:cNvCxnSpPr>
+          <p:nvPr/>
+        </p:nvCxnSpPr>
+        <p:spPr>
+          <a:xfrm rot="5400000" flipH="1" flipV="1">
+            <a:off x="5510173" y="524631"/>
+            <a:ext cx="380473" cy="3312368"/>
+          </a:xfrm>
+          <a:prstGeom prst="bentConnector3">
+            <a:avLst>
+              <a:gd name="adj1" fmla="val 50000"/>
+            </a:avLst>
+          </a:prstGeom>
+          <a:ln>
+            <a:solidFill>
+              <a:schemeClr val="tx2"/>
+            </a:solidFill>
+            <a:tailEnd type="triangle"/>
+          </a:ln>
+        </p:spPr>
+        <p:style>
+          <a:lnRef idx="1">
+            <a:schemeClr val="accent1"/>
+          </a:lnRef>
+          <a:fillRef idx="0">
+            <a:schemeClr val="accent1"/>
+          </a:fillRef>
+          <a:effectRef idx="0">
+            <a:schemeClr val="accent1"/>
+          </a:effectRef>
+          <a:fontRef idx="minor">
+            <a:schemeClr val="tx1"/>
+          </a:fontRef>
+        </p:style>
+      </p:cxnSp>
+      <p:cxnSp>
+        <p:nvCxnSpPr>
+          <p:cNvPr id="79" name="Elbow Connector 78">
+            <a:extLst>
+              <a:ext uri="{FF2B5EF4-FFF2-40B4-BE49-F238E27FC236}">
+                <a16:creationId xmlns:a16="http://schemas.microsoft.com/office/drawing/2014/main" id="{82165B82-60BE-CF4D-9D3B-EE8E2FD1844E}"/>
+              </a:ext>
+            </a:extLst>
+          </p:cNvPr>
+          <p:cNvCxnSpPr>
+            <a:cxnSpLocks/>
+            <a:stCxn id="33" idx="1"/>
+            <a:endCxn id="91" idx="3"/>
+          </p:cNvCxnSpPr>
+          <p:nvPr/>
+        </p:nvCxnSpPr>
+        <p:spPr>
+          <a:xfrm rot="10800000" flipV="1">
+            <a:off x="6099164" y="1669097"/>
+            <a:ext cx="173831" cy="920944"/>
+          </a:xfrm>
+          <a:prstGeom prst="bentConnector3">
+            <a:avLst>
+              <a:gd name="adj1" fmla="val 29372"/>
+            </a:avLst>
+          </a:prstGeom>
+          <a:ln>
+            <a:solidFill>
+              <a:schemeClr val="tx2"/>
+            </a:solidFill>
+            <a:tailEnd type="triangle"/>
+          </a:ln>
+        </p:spPr>
+        <p:style>
+          <a:lnRef idx="1">
+            <a:schemeClr val="accent1"/>
+          </a:lnRef>
+          <a:fillRef idx="0">
+            <a:schemeClr val="accent1"/>
+          </a:fillRef>
+          <a:effectRef idx="0">
+            <a:schemeClr val="accent1"/>
+          </a:effectRef>
+          <a:fontRef idx="minor">
+            <a:schemeClr val="tx1"/>
+          </a:fontRef>
+        </p:style>
+      </p:cxnSp>
+      <p:cxnSp>
+        <p:nvCxnSpPr>
+          <p:cNvPr id="92" name="Elbow Connector 91">
+            <a:extLst>
+              <a:ext uri="{FF2B5EF4-FFF2-40B4-BE49-F238E27FC236}">
+                <a16:creationId xmlns:a16="http://schemas.microsoft.com/office/drawing/2014/main" id="{2CC2BBE6-6852-B342-B5B6-0E60F731FB82}"/>
+              </a:ext>
+            </a:extLst>
+          </p:cNvPr>
+          <p:cNvCxnSpPr>
+            <a:cxnSpLocks/>
+            <a:stCxn id="33" idx="1"/>
+          </p:cNvCxnSpPr>
+          <p:nvPr/>
+        </p:nvCxnSpPr>
+        <p:spPr>
+          <a:xfrm rot="10800000">
+            <a:off x="3645616" y="1271771"/>
+            <a:ext cx="2627378" cy="397327"/>
+          </a:xfrm>
+          <a:prstGeom prst="bentConnector3">
+            <a:avLst>
+              <a:gd name="adj1" fmla="val 50000"/>
+            </a:avLst>
+          </a:prstGeom>
+          <a:ln>
+            <a:solidFill>
+              <a:schemeClr val="tx2"/>
+            </a:solidFill>
+            <a:tailEnd type="triangle"/>
+          </a:ln>
+        </p:spPr>
+        <p:style>
+          <a:lnRef idx="1">
+            <a:schemeClr val="accent1"/>
+          </a:lnRef>
+          <a:fillRef idx="0">
+            <a:schemeClr val="accent1"/>
+          </a:fillRef>
+          <a:effectRef idx="0">
+            <a:schemeClr val="accent1"/>
+          </a:effectRef>
+          <a:fontRef idx="minor">
+            <a:schemeClr val="tx1"/>
+          </a:fontRef>
+        </p:style>
+      </p:cxnSp>
+      <p:cxnSp>
+        <p:nvCxnSpPr>
+          <p:cNvPr id="105" name="Elbow Connector 104">
+            <a:extLst>
+              <a:ext uri="{FF2B5EF4-FFF2-40B4-BE49-F238E27FC236}">
+                <a16:creationId xmlns:a16="http://schemas.microsoft.com/office/drawing/2014/main" id="{70443047-BB05-8448-BD50-D0F150B96200}"/>
+              </a:ext>
+            </a:extLst>
+          </p:cNvPr>
+          <p:cNvCxnSpPr>
+            <a:cxnSpLocks/>
+            <a:stCxn id="18" idx="2"/>
+            <a:endCxn id="54" idx="1"/>
+          </p:cNvCxnSpPr>
+          <p:nvPr/>
+        </p:nvCxnSpPr>
+        <p:spPr>
+          <a:xfrm rot="5400000" flipH="1">
+            <a:off x="801066" y="2386222"/>
+            <a:ext cx="2027241" cy="648072"/>
+          </a:xfrm>
+          <a:prstGeom prst="bentConnector4">
+            <a:avLst>
+              <a:gd name="adj1" fmla="val -11276"/>
+              <a:gd name="adj2" fmla="val 135268"/>
+            </a:avLst>
+          </a:prstGeom>
+          <a:ln>
+            <a:solidFill>
+              <a:srgbClr val="C00000"/>
+            </a:solidFill>
+            <a:tailEnd type="triangle"/>
+          </a:ln>
+        </p:spPr>
+        <p:style>
+          <a:lnRef idx="1">
+            <a:schemeClr val="accent1"/>
+          </a:lnRef>
+          <a:fillRef idx="0">
+            <a:schemeClr val="accent1"/>
+          </a:fillRef>
+          <a:effectRef idx="0">
+            <a:schemeClr val="accent1"/>
+          </a:effectRef>
+          <a:fontRef idx="minor">
+            <a:schemeClr val="tx1"/>
+          </a:fontRef>
+        </p:style>
+      </p:cxnSp>
+    </p:spTree>
+    <p:extLst>
+      <p:ext uri="{BB962C8B-B14F-4D97-AF65-F5344CB8AC3E}">
+        <p14:creationId xmlns:p14="http://schemas.microsoft.com/office/powerpoint/2010/main" val="3384916415"/>
+      </p:ext>
+    </p:extLst>
+  </p:cSld>
+  <p:clrMapOvr>
+    <a:masterClrMapping/>
+  </p:clrMapOvr>
+</p:sld>
+</file>
+
+<file path=ppt/slides/slide6.xml><?xml version="1.0" encoding="utf-8"?>
+<p:sld xmlns:a="http://schemas.openxmlformats.org/drawingml/2006/main" xmlns:r="http://schemas.openxmlformats.org/officeDocument/2006/relationships" xmlns:p="http://schemas.openxmlformats.org/presentationml/2006/main">
+  <p:cSld>
+    <p:spTree>
+      <p:nvGrpSpPr>
+        <p:cNvPr id="1" name=""/>
+        <p:cNvGrpSpPr/>
+        <p:nvPr/>
+      </p:nvGrpSpPr>
+      <p:grpSpPr>
+        <a:xfrm>
+          <a:off x="0" y="0"/>
+          <a:ext cx="0" cy="0"/>
+          <a:chOff x="0" y="0"/>
+          <a:chExt cx="0" cy="0"/>
+        </a:xfrm>
+      </p:grpSpPr>
+      <p:sp>
+        <p:nvSpPr>
+          <p:cNvPr id="33" name="사각형: 둥근 모서리 32">
+            <a:extLst>
+              <a:ext uri="{FF2B5EF4-FFF2-40B4-BE49-F238E27FC236}">
+                <a16:creationId xmlns:a16="http://schemas.microsoft.com/office/drawing/2014/main" id="{DC11C9C1-1BEB-4DD2-ADD8-9092EE5997B8}"/>
+              </a:ext>
+            </a:extLst>
+          </p:cNvPr>
+          <p:cNvSpPr/>
+          <p:nvPr/>
+        </p:nvSpPr>
+        <p:spPr>
+          <a:xfrm>
+            <a:off x="5502168" y="1474559"/>
+            <a:ext cx="1439500" cy="449119"/>
+          </a:xfrm>
+          <a:prstGeom prst="roundRect">
+            <a:avLst>
+              <a:gd name="adj" fmla="val 9318"/>
+            </a:avLst>
+          </a:prstGeom>
+          <a:ln w="12700">
+            <a:solidFill>
+              <a:schemeClr val="tx1"/>
+            </a:solidFill>
+          </a:ln>
+        </p:spPr>
+        <p:style>
+          <a:lnRef idx="2">
+            <a:schemeClr val="dk1"/>
+          </a:lnRef>
+          <a:fillRef idx="1">
+            <a:schemeClr val="lt1"/>
+          </a:fillRef>
+          <a:effectRef idx="0">
+            <a:schemeClr val="dk1"/>
+          </a:effectRef>
+          <a:fontRef idx="minor">
+            <a:schemeClr val="dk1"/>
+          </a:fontRef>
+        </p:style>
+        <p:txBody>
+          <a:bodyPr rtlCol="0" anchor="ctr"/>
+          <a:lstStyle/>
+          <a:p>
+            <a:pPr algn="ctr"/>
+            <a:r>
+              <a:rPr lang="en-US" altLang="ko-KR" sz="1200"/>
+              <a:t>CoreDNS Service</a:t>
+            </a:r>
+          </a:p>
+          <a:p>
+            <a:pPr algn="ctr"/>
+            <a:r>
+              <a:rPr lang="en-US" altLang="ko-KR" sz="1200" b="1"/>
+              <a:t>10.96.0.10</a:t>
+            </a:r>
+          </a:p>
+        </p:txBody>
+      </p:sp>
+      <p:sp>
+        <p:nvSpPr>
+          <p:cNvPr id="47" name="사각형: 둥근 모서리 46">
+            <a:extLst>
+              <a:ext uri="{FF2B5EF4-FFF2-40B4-BE49-F238E27FC236}">
+                <a16:creationId xmlns:a16="http://schemas.microsoft.com/office/drawing/2014/main" id="{1D72265D-3716-4CA6-9E4F-2FDC3EDBDEDF}"/>
+              </a:ext>
+            </a:extLst>
+          </p:cNvPr>
+          <p:cNvSpPr/>
+          <p:nvPr/>
+        </p:nvSpPr>
+        <p:spPr>
+          <a:xfrm>
+            <a:off x="2107877" y="1162792"/>
+            <a:ext cx="1603346" cy="832894"/>
+          </a:xfrm>
+          <a:prstGeom prst="roundRect">
+            <a:avLst>
+              <a:gd name="adj" fmla="val 8959"/>
+            </a:avLst>
+          </a:prstGeom>
+          <a:ln w="12700"/>
+        </p:spPr>
+        <p:style>
+          <a:lnRef idx="2">
+            <a:schemeClr val="dk1"/>
+          </a:lnRef>
+          <a:fillRef idx="1">
+            <a:schemeClr val="lt1"/>
+          </a:fillRef>
+          <a:effectRef idx="0">
+            <a:schemeClr val="dk1"/>
+          </a:effectRef>
+          <a:fontRef idx="minor">
+            <a:schemeClr val="dk1"/>
+          </a:fontRef>
+        </p:style>
+        <p:txBody>
+          <a:bodyPr rtlCol="0" anchor="t"/>
+          <a:lstStyle/>
+          <a:p>
+            <a:pPr algn="ctr"/>
+            <a:r>
+              <a:rPr lang="en-US" altLang="ko-KR" sz="1200" b="1"/>
+              <a:t>Master Node</a:t>
+            </a:r>
+            <a:endParaRPr lang="ko-KR" altLang="en-US" sz="1200" b="1"/>
+          </a:p>
+        </p:txBody>
+      </p:sp>
+      <p:sp>
+        <p:nvSpPr>
+          <p:cNvPr id="54" name="사각형: 둥근 모서리 53">
+            <a:extLst>
+              <a:ext uri="{FF2B5EF4-FFF2-40B4-BE49-F238E27FC236}">
+                <a16:creationId xmlns:a16="http://schemas.microsoft.com/office/drawing/2014/main" id="{CBFBD54E-577A-4E12-B1EA-CA94261F39D0}"/>
+              </a:ext>
+            </a:extLst>
+          </p:cNvPr>
+          <p:cNvSpPr/>
+          <p:nvPr/>
+        </p:nvSpPr>
+        <p:spPr>
+          <a:xfrm>
+            <a:off x="2261808" y="1522832"/>
+            <a:ext cx="1295484" cy="379509"/>
+          </a:xfrm>
+          <a:prstGeom prst="roundRect">
+            <a:avLst>
+              <a:gd name="adj" fmla="val 9318"/>
+            </a:avLst>
+          </a:prstGeom>
+          <a:ln w="12700">
+            <a:solidFill>
+              <a:schemeClr val="tx1"/>
+            </a:solidFill>
+          </a:ln>
+        </p:spPr>
+        <p:style>
+          <a:lnRef idx="2">
+            <a:schemeClr val="dk1"/>
+          </a:lnRef>
+          <a:fillRef idx="1">
+            <a:schemeClr val="lt1"/>
+          </a:fillRef>
+          <a:effectRef idx="0">
+            <a:schemeClr val="dk1"/>
+          </a:effectRef>
+          <a:fontRef idx="minor">
+            <a:schemeClr val="dk1"/>
+          </a:fontRef>
+        </p:style>
+        <p:txBody>
+          <a:bodyPr rtlCol="0" anchor="ctr"/>
+          <a:lstStyle/>
+          <a:p>
+            <a:pPr algn="ctr"/>
+            <a:r>
+              <a:rPr lang="en-US" altLang="ko-KR" sz="1200"/>
+              <a:t>K8s API Server</a:t>
+            </a:r>
+          </a:p>
+        </p:txBody>
+      </p:sp>
+      <p:sp>
+        <p:nvSpPr>
+          <p:cNvPr id="67" name="TextBox 66">
+            <a:extLst>
+              <a:ext uri="{FF2B5EF4-FFF2-40B4-BE49-F238E27FC236}">
+                <a16:creationId xmlns:a16="http://schemas.microsoft.com/office/drawing/2014/main" id="{20AE42F4-C3B8-4A2C-96DF-EDCE3332630D}"/>
+              </a:ext>
+            </a:extLst>
+          </p:cNvPr>
+          <p:cNvSpPr txBox="1"/>
+          <p:nvPr/>
+        </p:nvSpPr>
+        <p:spPr>
+          <a:xfrm>
+            <a:off x="2729070" y="1934711"/>
+            <a:ext cx="643831" cy="276999"/>
+          </a:xfrm>
+          <a:prstGeom prst="rect">
+            <a:avLst/>
+          </a:prstGeom>
+          <a:noFill/>
+          <a:ln>
+            <a:noFill/>
+          </a:ln>
+        </p:spPr>
+        <p:txBody>
+          <a:bodyPr wrap="none" rtlCol="0">
+            <a:spAutoFit/>
+          </a:bodyPr>
+          <a:lstStyle/>
+          <a:p>
+            <a:r>
+              <a:rPr lang="en-US" altLang="ko-KR" sz="1200" b="1">
+                <a:solidFill>
+                  <a:srgbClr val="C00000"/>
+                </a:solidFill>
+              </a:rPr>
+              <a:t>Watch</a:t>
+            </a:r>
+            <a:endParaRPr lang="ko-KR" altLang="en-US" sz="1200" b="1">
+              <a:solidFill>
+                <a:srgbClr val="C00000"/>
+              </a:solidFill>
+            </a:endParaRPr>
+          </a:p>
+        </p:txBody>
+      </p:sp>
+      <p:sp>
+        <p:nvSpPr>
+          <p:cNvPr id="3" name="사각형: 둥근 모서리 2">
+            <a:extLst>
+              <a:ext uri="{FF2B5EF4-FFF2-40B4-BE49-F238E27FC236}">
+                <a16:creationId xmlns:a16="http://schemas.microsoft.com/office/drawing/2014/main" id="{2C022D9C-8BA3-4D1B-A658-F91F107CA32C}"/>
+              </a:ext>
+            </a:extLst>
+          </p:cNvPr>
+          <p:cNvSpPr/>
+          <p:nvPr/>
+        </p:nvSpPr>
+        <p:spPr>
+          <a:xfrm>
+            <a:off x="1331640" y="2283718"/>
+            <a:ext cx="3168352" cy="1800200"/>
+          </a:xfrm>
+          <a:prstGeom prst="roundRect">
+            <a:avLst>
+              <a:gd name="adj" fmla="val 4007"/>
+            </a:avLst>
+          </a:prstGeom>
+          <a:ln w="12700"/>
+        </p:spPr>
+        <p:style>
+          <a:lnRef idx="2">
+            <a:schemeClr val="dk1"/>
+          </a:lnRef>
+          <a:fillRef idx="1">
+            <a:schemeClr val="lt1"/>
+          </a:fillRef>
+          <a:effectRef idx="0">
+            <a:schemeClr val="dk1"/>
+          </a:effectRef>
+          <a:fontRef idx="minor">
+            <a:schemeClr val="dk1"/>
+          </a:fontRef>
+        </p:style>
+        <p:txBody>
+          <a:bodyPr rtlCol="0" anchor="b"/>
+          <a:lstStyle/>
+          <a:p>
+            <a:pPr algn="ctr"/>
+            <a:r>
+              <a:rPr lang="en-US" altLang="ko-KR" sz="1200" b="1"/>
+              <a:t>Worker Node A</a:t>
+            </a:r>
+            <a:endParaRPr lang="ko-KR" altLang="en-US" sz="1200" b="1"/>
+          </a:p>
+        </p:txBody>
+      </p:sp>
+      <p:sp>
+        <p:nvSpPr>
+          <p:cNvPr id="18" name="사각형: 둥근 모서리 17">
+            <a:extLst>
+              <a:ext uri="{FF2B5EF4-FFF2-40B4-BE49-F238E27FC236}">
+                <a16:creationId xmlns:a16="http://schemas.microsoft.com/office/drawing/2014/main" id="{11D2EB22-A5E5-41DE-8A07-C32F9BDDF850}"/>
+              </a:ext>
+            </a:extLst>
+          </p:cNvPr>
+          <p:cNvSpPr/>
+          <p:nvPr/>
+        </p:nvSpPr>
+        <p:spPr>
+          <a:xfrm>
+            <a:off x="1418973" y="2371050"/>
+            <a:ext cx="1439500" cy="1352828"/>
+          </a:xfrm>
+          <a:prstGeom prst="roundRect">
+            <a:avLst>
+              <a:gd name="adj" fmla="val 6172"/>
+            </a:avLst>
+          </a:prstGeom>
+          <a:ln w="12700">
+            <a:solidFill>
+              <a:schemeClr val="tx1"/>
+            </a:solidFill>
+          </a:ln>
+        </p:spPr>
+        <p:style>
+          <a:lnRef idx="2">
+            <a:schemeClr val="dk1"/>
+          </a:lnRef>
+          <a:fillRef idx="1">
+            <a:schemeClr val="lt1"/>
+          </a:fillRef>
+          <a:effectRef idx="0">
+            <a:schemeClr val="dk1"/>
+          </a:effectRef>
+          <a:fontRef idx="minor">
+            <a:schemeClr val="dk1"/>
+          </a:fontRef>
+        </p:style>
+        <p:txBody>
+          <a:bodyPr rtlCol="0" anchor="b"/>
+          <a:lstStyle/>
+          <a:p>
+            <a:pPr algn="ctr"/>
+            <a:r>
+              <a:rPr lang="en-US" altLang="ko-KR" sz="1200"/>
+              <a:t>CoreDNS Pod</a:t>
+            </a:r>
+          </a:p>
+        </p:txBody>
+      </p:sp>
+      <p:sp>
+        <p:nvSpPr>
+          <p:cNvPr id="21" name="사각형: 둥근 모서리 20">
+            <a:extLst>
+              <a:ext uri="{FF2B5EF4-FFF2-40B4-BE49-F238E27FC236}">
+                <a16:creationId xmlns:a16="http://schemas.microsoft.com/office/drawing/2014/main" id="{FB3A5FC1-45CC-4FCD-B3D7-87BB7BC6BF46}"/>
+              </a:ext>
+            </a:extLst>
+          </p:cNvPr>
+          <p:cNvSpPr/>
+          <p:nvPr/>
+        </p:nvSpPr>
+        <p:spPr>
+          <a:xfrm>
+            <a:off x="3031160" y="3254019"/>
+            <a:ext cx="1296144" cy="397851"/>
+          </a:xfrm>
+          <a:prstGeom prst="roundRect">
+            <a:avLst>
+              <a:gd name="adj" fmla="val 9318"/>
+            </a:avLst>
+          </a:prstGeom>
+          <a:ln w="12700">
+            <a:solidFill>
+              <a:schemeClr val="tx1"/>
+            </a:solidFill>
+          </a:ln>
+        </p:spPr>
+        <p:style>
+          <a:lnRef idx="2">
+            <a:schemeClr val="dk1"/>
+          </a:lnRef>
+          <a:fillRef idx="1">
+            <a:schemeClr val="lt1"/>
+          </a:fillRef>
+          <a:effectRef idx="0">
+            <a:schemeClr val="dk1"/>
+          </a:effectRef>
+          <a:fontRef idx="minor">
+            <a:schemeClr val="dk1"/>
+          </a:fontRef>
+        </p:style>
+        <p:txBody>
+          <a:bodyPr rtlCol="0" anchor="ctr"/>
+          <a:lstStyle/>
+          <a:p>
+            <a:pPr algn="ctr"/>
+            <a:r>
+              <a:rPr lang="en-US" altLang="ko-KR" sz="1100"/>
+              <a:t>8.8.8.8</a:t>
+            </a:r>
+          </a:p>
+          <a:p>
+            <a:pPr algn="ctr"/>
+            <a:r>
+              <a:rPr lang="en-US" altLang="ko-KR" sz="1100"/>
+              <a:t>/etc/resolv.conf</a:t>
+            </a:r>
+            <a:endParaRPr lang="ko-KR" altLang="en-US" sz="1100"/>
+          </a:p>
+        </p:txBody>
+      </p:sp>
+      <p:sp>
+        <p:nvSpPr>
+          <p:cNvPr id="23" name="사각형: 둥근 모서리 22">
+            <a:extLst>
+              <a:ext uri="{FF2B5EF4-FFF2-40B4-BE49-F238E27FC236}">
+                <a16:creationId xmlns:a16="http://schemas.microsoft.com/office/drawing/2014/main" id="{3F9431C6-C301-4EE0-9C30-76B9D79BB0AB}"/>
+              </a:ext>
+            </a:extLst>
+          </p:cNvPr>
+          <p:cNvSpPr/>
+          <p:nvPr/>
+        </p:nvSpPr>
+        <p:spPr>
+          <a:xfrm>
+            <a:off x="1490651" y="3007347"/>
+            <a:ext cx="1296144" cy="397851"/>
+          </a:xfrm>
+          <a:prstGeom prst="roundRect">
+            <a:avLst>
+              <a:gd name="adj" fmla="val 9318"/>
+            </a:avLst>
+          </a:prstGeom>
+          <a:ln w="12700">
+            <a:solidFill>
+              <a:schemeClr val="tx1"/>
+            </a:solidFill>
+          </a:ln>
+        </p:spPr>
+        <p:style>
+          <a:lnRef idx="2">
+            <a:schemeClr val="dk1"/>
+          </a:lnRef>
+          <a:fillRef idx="1">
+            <a:schemeClr val="lt1"/>
+          </a:fillRef>
+          <a:effectRef idx="0">
+            <a:schemeClr val="dk1"/>
+          </a:effectRef>
+          <a:fontRef idx="minor">
+            <a:schemeClr val="dk1"/>
+          </a:fontRef>
+        </p:style>
+        <p:txBody>
+          <a:bodyPr rtlCol="0" anchor="ctr"/>
+          <a:lstStyle/>
+          <a:p>
+            <a:pPr algn="ctr"/>
+            <a:r>
+              <a:rPr lang="en-US" altLang="ko-KR" sz="1100" b="1"/>
+              <a:t>8.8.8.8</a:t>
+            </a:r>
+          </a:p>
+          <a:p>
+            <a:pPr algn="ctr"/>
+            <a:r>
+              <a:rPr lang="en-US" altLang="ko-KR" sz="1100"/>
+              <a:t>/etc/resolv.conf</a:t>
+            </a:r>
+            <a:endParaRPr lang="ko-KR" altLang="en-US" sz="1100"/>
+          </a:p>
+        </p:txBody>
+      </p:sp>
+      <p:sp>
+        <p:nvSpPr>
+          <p:cNvPr id="24" name="사각형: 둥근 모서리 23">
+            <a:extLst>
+              <a:ext uri="{FF2B5EF4-FFF2-40B4-BE49-F238E27FC236}">
+                <a16:creationId xmlns:a16="http://schemas.microsoft.com/office/drawing/2014/main" id="{D795C607-A951-4722-8597-DB6A58EE9CD2}"/>
+              </a:ext>
+            </a:extLst>
+          </p:cNvPr>
+          <p:cNvSpPr/>
+          <p:nvPr/>
+        </p:nvSpPr>
+        <p:spPr>
+          <a:xfrm>
+            <a:off x="2960626" y="2371051"/>
+            <a:ext cx="1439500" cy="776763"/>
+          </a:xfrm>
+          <a:prstGeom prst="roundRect">
+            <a:avLst>
+              <a:gd name="adj" fmla="val 9318"/>
+            </a:avLst>
+          </a:prstGeom>
+          <a:ln w="12700">
+            <a:solidFill>
+              <a:schemeClr val="tx1"/>
+            </a:solidFill>
+          </a:ln>
+        </p:spPr>
+        <p:style>
+          <a:lnRef idx="2">
+            <a:schemeClr val="dk1"/>
+          </a:lnRef>
+          <a:fillRef idx="1">
+            <a:schemeClr val="lt1"/>
+          </a:fillRef>
+          <a:effectRef idx="0">
+            <a:schemeClr val="dk1"/>
+          </a:effectRef>
+          <a:fontRef idx="minor">
+            <a:schemeClr val="dk1"/>
+          </a:fontRef>
+        </p:style>
+        <p:txBody>
+          <a:bodyPr rtlCol="0" anchor="b"/>
+          <a:lstStyle/>
+          <a:p>
+            <a:pPr algn="ctr"/>
+            <a:r>
+              <a:rPr lang="en-US" altLang="ko-KR" sz="1200"/>
+              <a:t>Pod</a:t>
+            </a:r>
+          </a:p>
+        </p:txBody>
+      </p:sp>
+      <p:sp>
+        <p:nvSpPr>
+          <p:cNvPr id="25" name="사각형: 둥근 모서리 24">
+            <a:extLst>
+              <a:ext uri="{FF2B5EF4-FFF2-40B4-BE49-F238E27FC236}">
+                <a16:creationId xmlns:a16="http://schemas.microsoft.com/office/drawing/2014/main" id="{A3F72A73-3FD7-49A8-AA78-D1004EE1E808}"/>
+              </a:ext>
+            </a:extLst>
+          </p:cNvPr>
+          <p:cNvSpPr/>
+          <p:nvPr/>
+        </p:nvSpPr>
+        <p:spPr>
+          <a:xfrm>
+            <a:off x="3032304" y="2456823"/>
+            <a:ext cx="1296144" cy="397851"/>
+          </a:xfrm>
+          <a:prstGeom prst="roundRect">
+            <a:avLst>
+              <a:gd name="adj" fmla="val 9318"/>
+            </a:avLst>
+          </a:prstGeom>
+          <a:ln w="12700">
+            <a:solidFill>
+              <a:schemeClr val="tx1"/>
+            </a:solidFill>
+          </a:ln>
+        </p:spPr>
+        <p:style>
+          <a:lnRef idx="2">
+            <a:schemeClr val="dk1"/>
+          </a:lnRef>
+          <a:fillRef idx="1">
+            <a:schemeClr val="lt1"/>
+          </a:fillRef>
+          <a:effectRef idx="0">
+            <a:schemeClr val="dk1"/>
+          </a:effectRef>
+          <a:fontRef idx="minor">
+            <a:schemeClr val="dk1"/>
+          </a:fontRef>
+        </p:style>
+        <p:txBody>
+          <a:bodyPr rtlCol="0" anchor="ctr"/>
+          <a:lstStyle/>
+          <a:p>
+            <a:pPr algn="ctr"/>
+            <a:r>
+              <a:rPr lang="en-US" altLang="ko-KR" sz="1100" b="1"/>
+              <a:t>10.96.0.10</a:t>
+            </a:r>
+          </a:p>
+          <a:p>
+            <a:pPr algn="ctr"/>
+            <a:r>
+              <a:rPr lang="en-US" altLang="ko-KR" sz="1100"/>
+              <a:t>/etc/resolv.conf</a:t>
+            </a:r>
+            <a:endParaRPr lang="ko-KR" altLang="en-US" sz="1100"/>
+          </a:p>
+        </p:txBody>
+      </p:sp>
+      <p:sp>
+        <p:nvSpPr>
+          <p:cNvPr id="75" name="사각형: 둥근 모서리 74">
+            <a:extLst>
+              <a:ext uri="{FF2B5EF4-FFF2-40B4-BE49-F238E27FC236}">
+                <a16:creationId xmlns:a16="http://schemas.microsoft.com/office/drawing/2014/main" id="{1745C36B-13DC-4D4F-8FB5-D3CB326E7D5D}"/>
+              </a:ext>
+            </a:extLst>
+          </p:cNvPr>
+          <p:cNvSpPr/>
+          <p:nvPr/>
+        </p:nvSpPr>
+        <p:spPr>
+          <a:xfrm>
+            <a:off x="1490651" y="2729492"/>
+            <a:ext cx="1296144" cy="278379"/>
+          </a:xfrm>
+          <a:prstGeom prst="roundRect">
+            <a:avLst>
+              <a:gd name="adj" fmla="val 14823"/>
+            </a:avLst>
+          </a:prstGeom>
+          <a:ln w="12700">
+            <a:solidFill>
+              <a:schemeClr val="tx1"/>
+            </a:solidFill>
+          </a:ln>
+        </p:spPr>
+        <p:style>
+          <a:lnRef idx="2">
+            <a:schemeClr val="dk1"/>
+          </a:lnRef>
+          <a:fillRef idx="1">
+            <a:schemeClr val="lt1"/>
+          </a:fillRef>
+          <a:effectRef idx="0">
+            <a:schemeClr val="dk1"/>
+          </a:effectRef>
+          <a:fontRef idx="minor">
+            <a:schemeClr val="dk1"/>
+          </a:fontRef>
+        </p:style>
+        <p:txBody>
+          <a:bodyPr rtlCol="0" anchor="ctr"/>
+          <a:lstStyle/>
+          <a:p>
+            <a:pPr algn="ctr"/>
+            <a:r>
+              <a:rPr lang="en-US" altLang="ko-KR" sz="1100"/>
+              <a:t>CoreDNS Config</a:t>
+            </a:r>
+            <a:endParaRPr lang="ko-KR" altLang="en-US" sz="1100"/>
+          </a:p>
+        </p:txBody>
+      </p:sp>
+      <p:sp>
+        <p:nvSpPr>
+          <p:cNvPr id="76" name="사각형: 둥근 모서리 75">
+            <a:extLst>
+              <a:ext uri="{FF2B5EF4-FFF2-40B4-BE49-F238E27FC236}">
+                <a16:creationId xmlns:a16="http://schemas.microsoft.com/office/drawing/2014/main" id="{55D7DF13-BA60-4171-92B8-AF7D6FA056E0}"/>
+              </a:ext>
+            </a:extLst>
+          </p:cNvPr>
+          <p:cNvSpPr/>
+          <p:nvPr/>
+        </p:nvSpPr>
+        <p:spPr>
+          <a:xfrm>
+            <a:off x="1490651" y="2450851"/>
+            <a:ext cx="1296144" cy="278379"/>
+          </a:xfrm>
+          <a:prstGeom prst="roundRect">
+            <a:avLst>
+              <a:gd name="adj" fmla="val 14823"/>
+            </a:avLst>
+          </a:prstGeom>
+          <a:ln w="12700">
+            <a:solidFill>
+              <a:schemeClr val="tx1"/>
+            </a:solidFill>
+          </a:ln>
+        </p:spPr>
+        <p:style>
+          <a:lnRef idx="2">
+            <a:schemeClr val="dk1"/>
+          </a:lnRef>
+          <a:fillRef idx="1">
+            <a:schemeClr val="lt1"/>
+          </a:fillRef>
+          <a:effectRef idx="0">
+            <a:schemeClr val="dk1"/>
+          </a:effectRef>
+          <a:fontRef idx="minor">
+            <a:schemeClr val="dk1"/>
+          </a:fontRef>
+        </p:style>
+        <p:txBody>
+          <a:bodyPr rtlCol="0" anchor="ctr"/>
+          <a:lstStyle/>
+          <a:p>
+            <a:pPr algn="ctr"/>
+            <a:r>
+              <a:rPr lang="en-US" altLang="ko-KR" sz="1100"/>
+              <a:t>CoreDNS</a:t>
+            </a:r>
+            <a:endParaRPr lang="ko-KR" altLang="en-US" sz="1100"/>
+          </a:p>
+        </p:txBody>
+      </p:sp>
+      <p:sp>
+        <p:nvSpPr>
+          <p:cNvPr id="84" name="사각형: 둥근 모서리 83">
+            <a:extLst>
+              <a:ext uri="{FF2B5EF4-FFF2-40B4-BE49-F238E27FC236}">
+                <a16:creationId xmlns:a16="http://schemas.microsoft.com/office/drawing/2014/main" id="{32714130-B837-4076-A581-218296D0A3C2}"/>
+              </a:ext>
+            </a:extLst>
+          </p:cNvPr>
+          <p:cNvSpPr/>
+          <p:nvPr/>
+        </p:nvSpPr>
+        <p:spPr>
+          <a:xfrm>
+            <a:off x="4644008" y="2283718"/>
+            <a:ext cx="3168352" cy="1800200"/>
+          </a:xfrm>
+          <a:prstGeom prst="roundRect">
+            <a:avLst>
+              <a:gd name="adj" fmla="val 4007"/>
+            </a:avLst>
+          </a:prstGeom>
+          <a:ln w="12700"/>
+        </p:spPr>
+        <p:style>
+          <a:lnRef idx="2">
+            <a:schemeClr val="dk1"/>
+          </a:lnRef>
+          <a:fillRef idx="1">
+            <a:schemeClr val="lt1"/>
+          </a:fillRef>
+          <a:effectRef idx="0">
+            <a:schemeClr val="dk1"/>
+          </a:effectRef>
+          <a:fontRef idx="minor">
+            <a:schemeClr val="dk1"/>
+          </a:fontRef>
+        </p:style>
+        <p:txBody>
+          <a:bodyPr rtlCol="0" anchor="b"/>
+          <a:lstStyle/>
+          <a:p>
+            <a:pPr algn="ctr"/>
+            <a:r>
+              <a:rPr lang="en-US" altLang="ko-KR" sz="1200" b="1"/>
+              <a:t>Worker Node B</a:t>
+            </a:r>
+            <a:endParaRPr lang="ko-KR" altLang="en-US" sz="1200" b="1"/>
+          </a:p>
+        </p:txBody>
+      </p:sp>
+      <p:sp>
+        <p:nvSpPr>
+          <p:cNvPr id="85" name="사각형: 둥근 모서리 84">
+            <a:extLst>
+              <a:ext uri="{FF2B5EF4-FFF2-40B4-BE49-F238E27FC236}">
+                <a16:creationId xmlns:a16="http://schemas.microsoft.com/office/drawing/2014/main" id="{EA53FE2B-0A6D-49AD-9710-62B141CD003A}"/>
+              </a:ext>
+            </a:extLst>
+          </p:cNvPr>
+          <p:cNvSpPr/>
+          <p:nvPr/>
+        </p:nvSpPr>
+        <p:spPr>
+          <a:xfrm>
+            <a:off x="4731341" y="2371050"/>
+            <a:ext cx="1439500" cy="1352828"/>
+          </a:xfrm>
+          <a:prstGeom prst="roundRect">
+            <a:avLst>
+              <a:gd name="adj" fmla="val 6172"/>
+            </a:avLst>
+          </a:prstGeom>
+          <a:ln w="12700">
+            <a:solidFill>
+              <a:schemeClr val="tx1"/>
+            </a:solidFill>
+          </a:ln>
+        </p:spPr>
+        <p:style>
+          <a:lnRef idx="2">
+            <a:schemeClr val="dk1"/>
+          </a:lnRef>
+          <a:fillRef idx="1">
+            <a:schemeClr val="lt1"/>
+          </a:fillRef>
+          <a:effectRef idx="0">
+            <a:schemeClr val="dk1"/>
+          </a:effectRef>
+          <a:fontRef idx="minor">
+            <a:schemeClr val="dk1"/>
+          </a:fontRef>
+        </p:style>
+        <p:txBody>
+          <a:bodyPr rtlCol="0" anchor="b"/>
+          <a:lstStyle/>
+          <a:p>
+            <a:pPr algn="ctr"/>
+            <a:r>
+              <a:rPr lang="en-US" altLang="ko-KR" sz="1200"/>
+              <a:t>CoreDNS Pod</a:t>
+            </a:r>
+          </a:p>
+        </p:txBody>
+      </p:sp>
+      <p:sp>
+        <p:nvSpPr>
+          <p:cNvPr id="86" name="사각형: 둥근 모서리 85">
+            <a:extLst>
+              <a:ext uri="{FF2B5EF4-FFF2-40B4-BE49-F238E27FC236}">
+                <a16:creationId xmlns:a16="http://schemas.microsoft.com/office/drawing/2014/main" id="{4402F469-A30C-4F03-B350-302F8FB08D71}"/>
+              </a:ext>
+            </a:extLst>
+          </p:cNvPr>
+          <p:cNvSpPr/>
+          <p:nvPr/>
+        </p:nvSpPr>
+        <p:spPr>
+          <a:xfrm>
+            <a:off x="6343528" y="3254019"/>
+            <a:ext cx="1296144" cy="397851"/>
+          </a:xfrm>
+          <a:prstGeom prst="roundRect">
+            <a:avLst>
+              <a:gd name="adj" fmla="val 9318"/>
+            </a:avLst>
+          </a:prstGeom>
+          <a:ln w="12700">
+            <a:solidFill>
+              <a:schemeClr val="tx1"/>
+            </a:solidFill>
+          </a:ln>
+        </p:spPr>
+        <p:style>
+          <a:lnRef idx="2">
+            <a:schemeClr val="dk1"/>
+          </a:lnRef>
+          <a:fillRef idx="1">
+            <a:schemeClr val="lt1"/>
+          </a:fillRef>
+          <a:effectRef idx="0">
+            <a:schemeClr val="dk1"/>
+          </a:effectRef>
+          <a:fontRef idx="minor">
+            <a:schemeClr val="dk1"/>
+          </a:fontRef>
+        </p:style>
+        <p:txBody>
+          <a:bodyPr rtlCol="0" anchor="ctr"/>
+          <a:lstStyle/>
+          <a:p>
+            <a:pPr algn="ctr"/>
+            <a:r>
+              <a:rPr lang="en-US" altLang="ko-KR" sz="1100"/>
+              <a:t>8.8.8.8</a:t>
+            </a:r>
+          </a:p>
+          <a:p>
+            <a:pPr algn="ctr"/>
+            <a:r>
+              <a:rPr lang="en-US" altLang="ko-KR" sz="1100"/>
+              <a:t>/etc/resolv.conf</a:t>
+            </a:r>
+            <a:endParaRPr lang="ko-KR" altLang="en-US" sz="1100"/>
+          </a:p>
+        </p:txBody>
+      </p:sp>
+      <p:sp>
+        <p:nvSpPr>
+          <p:cNvPr id="87" name="사각형: 둥근 모서리 86">
+            <a:extLst>
+              <a:ext uri="{FF2B5EF4-FFF2-40B4-BE49-F238E27FC236}">
+                <a16:creationId xmlns:a16="http://schemas.microsoft.com/office/drawing/2014/main" id="{9AB0A42E-64B9-43ED-AE71-B6B1024FABCE}"/>
+              </a:ext>
+            </a:extLst>
+          </p:cNvPr>
+          <p:cNvSpPr/>
+          <p:nvPr/>
+        </p:nvSpPr>
+        <p:spPr>
+          <a:xfrm>
+            <a:off x="4803019" y="3007347"/>
+            <a:ext cx="1296144" cy="397851"/>
+          </a:xfrm>
+          <a:prstGeom prst="roundRect">
+            <a:avLst>
+              <a:gd name="adj" fmla="val 9318"/>
+            </a:avLst>
+          </a:prstGeom>
+          <a:ln w="12700">
+            <a:solidFill>
+              <a:schemeClr val="tx1"/>
+            </a:solidFill>
+          </a:ln>
+        </p:spPr>
+        <p:style>
+          <a:lnRef idx="2">
+            <a:schemeClr val="dk1"/>
+          </a:lnRef>
+          <a:fillRef idx="1">
+            <a:schemeClr val="lt1"/>
+          </a:fillRef>
+          <a:effectRef idx="0">
+            <a:schemeClr val="dk1"/>
+          </a:effectRef>
+          <a:fontRef idx="minor">
+            <a:schemeClr val="dk1"/>
+          </a:fontRef>
+        </p:style>
+        <p:txBody>
+          <a:bodyPr rtlCol="0" anchor="ctr"/>
+          <a:lstStyle/>
+          <a:p>
+            <a:pPr algn="ctr"/>
+            <a:r>
+              <a:rPr lang="en-US" altLang="ko-KR" sz="1100" b="1"/>
+              <a:t>8.8.8.8</a:t>
+            </a:r>
+          </a:p>
+          <a:p>
+            <a:pPr algn="ctr"/>
+            <a:r>
+              <a:rPr lang="en-US" altLang="ko-KR" sz="1100"/>
+              <a:t>/etc/resolv.conf</a:t>
+            </a:r>
+            <a:endParaRPr lang="ko-KR" altLang="en-US" sz="1100"/>
+          </a:p>
+        </p:txBody>
+      </p:sp>
+      <p:sp>
+        <p:nvSpPr>
+          <p:cNvPr id="88" name="사각형: 둥근 모서리 87">
+            <a:extLst>
+              <a:ext uri="{FF2B5EF4-FFF2-40B4-BE49-F238E27FC236}">
+                <a16:creationId xmlns:a16="http://schemas.microsoft.com/office/drawing/2014/main" id="{DFF6966F-BE93-4498-8665-127FC560470D}"/>
+              </a:ext>
+            </a:extLst>
+          </p:cNvPr>
+          <p:cNvSpPr/>
+          <p:nvPr/>
+        </p:nvSpPr>
+        <p:spPr>
+          <a:xfrm>
+            <a:off x="6272994" y="2371051"/>
+            <a:ext cx="1439500" cy="776763"/>
+          </a:xfrm>
+          <a:prstGeom prst="roundRect">
+            <a:avLst>
+              <a:gd name="adj" fmla="val 9318"/>
+            </a:avLst>
+          </a:prstGeom>
+          <a:ln w="12700">
+            <a:solidFill>
+              <a:schemeClr val="tx1"/>
+            </a:solidFill>
+          </a:ln>
+        </p:spPr>
+        <p:style>
+          <a:lnRef idx="2">
+            <a:schemeClr val="dk1"/>
+          </a:lnRef>
+          <a:fillRef idx="1">
+            <a:schemeClr val="lt1"/>
+          </a:fillRef>
+          <a:effectRef idx="0">
+            <a:schemeClr val="dk1"/>
+          </a:effectRef>
+          <a:fontRef idx="minor">
+            <a:schemeClr val="dk1"/>
+          </a:fontRef>
+        </p:style>
+        <p:txBody>
+          <a:bodyPr rtlCol="0" anchor="b"/>
+          <a:lstStyle/>
+          <a:p>
+            <a:pPr algn="ctr"/>
+            <a:r>
+              <a:rPr lang="en-US" altLang="ko-KR" sz="1200"/>
+              <a:t>Pod</a:t>
+            </a:r>
+          </a:p>
+        </p:txBody>
+      </p:sp>
+      <p:sp>
+        <p:nvSpPr>
+          <p:cNvPr id="89" name="사각형: 둥근 모서리 88">
+            <a:extLst>
+              <a:ext uri="{FF2B5EF4-FFF2-40B4-BE49-F238E27FC236}">
+                <a16:creationId xmlns:a16="http://schemas.microsoft.com/office/drawing/2014/main" id="{D273A666-2B5E-415E-8A01-A0A441D1B3C5}"/>
+              </a:ext>
+            </a:extLst>
+          </p:cNvPr>
+          <p:cNvSpPr/>
+          <p:nvPr/>
+        </p:nvSpPr>
+        <p:spPr>
+          <a:xfrm>
+            <a:off x="6344672" y="2456823"/>
+            <a:ext cx="1296144" cy="397851"/>
+          </a:xfrm>
+          <a:prstGeom prst="roundRect">
+            <a:avLst>
+              <a:gd name="adj" fmla="val 9318"/>
+            </a:avLst>
+          </a:prstGeom>
+          <a:ln w="12700">
+            <a:solidFill>
+              <a:schemeClr val="tx1"/>
+            </a:solidFill>
+          </a:ln>
+        </p:spPr>
+        <p:style>
+          <a:lnRef idx="2">
+            <a:schemeClr val="dk1"/>
+          </a:lnRef>
+          <a:fillRef idx="1">
+            <a:schemeClr val="lt1"/>
+          </a:fillRef>
+          <a:effectRef idx="0">
+            <a:schemeClr val="dk1"/>
+          </a:effectRef>
+          <a:fontRef idx="minor">
+            <a:schemeClr val="dk1"/>
+          </a:fontRef>
+        </p:style>
+        <p:txBody>
+          <a:bodyPr rtlCol="0" anchor="ctr"/>
+          <a:lstStyle/>
+          <a:p>
+            <a:pPr algn="ctr"/>
+            <a:r>
+              <a:rPr lang="en-US" altLang="ko-KR" sz="1100" b="1"/>
+              <a:t>10.96.0.10</a:t>
+            </a:r>
+          </a:p>
+          <a:p>
+            <a:pPr algn="ctr"/>
+            <a:r>
+              <a:rPr lang="en-US" altLang="ko-KR" sz="1100"/>
+              <a:t>/etc/resolv.conf</a:t>
+            </a:r>
+            <a:endParaRPr lang="ko-KR" altLang="en-US" sz="1100"/>
+          </a:p>
+        </p:txBody>
+      </p:sp>
+      <p:sp>
+        <p:nvSpPr>
+          <p:cNvPr id="90" name="사각형: 둥근 모서리 89">
+            <a:extLst>
+              <a:ext uri="{FF2B5EF4-FFF2-40B4-BE49-F238E27FC236}">
+                <a16:creationId xmlns:a16="http://schemas.microsoft.com/office/drawing/2014/main" id="{53B6AE80-0E49-44EB-9444-D363F8A494F2}"/>
+              </a:ext>
+            </a:extLst>
+          </p:cNvPr>
+          <p:cNvSpPr/>
+          <p:nvPr/>
+        </p:nvSpPr>
+        <p:spPr>
+          <a:xfrm>
+            <a:off x="4803019" y="2729492"/>
+            <a:ext cx="1296144" cy="278379"/>
+          </a:xfrm>
+          <a:prstGeom prst="roundRect">
+            <a:avLst>
+              <a:gd name="adj" fmla="val 14823"/>
+            </a:avLst>
+          </a:prstGeom>
+          <a:ln w="12700">
+            <a:solidFill>
+              <a:schemeClr val="tx1"/>
+            </a:solidFill>
+          </a:ln>
+        </p:spPr>
+        <p:style>
+          <a:lnRef idx="2">
+            <a:schemeClr val="dk1"/>
+          </a:lnRef>
+          <a:fillRef idx="1">
+            <a:schemeClr val="lt1"/>
+          </a:fillRef>
+          <a:effectRef idx="0">
+            <a:schemeClr val="dk1"/>
+          </a:effectRef>
+          <a:fontRef idx="minor">
+            <a:schemeClr val="dk1"/>
+          </a:fontRef>
+        </p:style>
+        <p:txBody>
+          <a:bodyPr rtlCol="0" anchor="ctr"/>
+          <a:lstStyle/>
+          <a:p>
+            <a:pPr algn="ctr"/>
+            <a:r>
+              <a:rPr lang="en-US" altLang="ko-KR" sz="1100"/>
+              <a:t>CoreDNS Config</a:t>
+            </a:r>
+            <a:endParaRPr lang="ko-KR" altLang="en-US" sz="1100"/>
+          </a:p>
+        </p:txBody>
+      </p:sp>
+      <p:sp>
+        <p:nvSpPr>
+          <p:cNvPr id="91" name="사각형: 둥근 모서리 90">
+            <a:extLst>
+              <a:ext uri="{FF2B5EF4-FFF2-40B4-BE49-F238E27FC236}">
+                <a16:creationId xmlns:a16="http://schemas.microsoft.com/office/drawing/2014/main" id="{1DF497C8-EDFC-4771-A9B6-D420BC34F367}"/>
+              </a:ext>
+            </a:extLst>
+          </p:cNvPr>
+          <p:cNvSpPr/>
+          <p:nvPr/>
+        </p:nvSpPr>
+        <p:spPr>
+          <a:xfrm>
+            <a:off x="4803019" y="2450851"/>
+            <a:ext cx="1296144" cy="278379"/>
+          </a:xfrm>
+          <a:prstGeom prst="roundRect">
+            <a:avLst>
+              <a:gd name="adj" fmla="val 14823"/>
+            </a:avLst>
+          </a:prstGeom>
+          <a:ln w="12700">
+            <a:solidFill>
+              <a:schemeClr val="tx1"/>
+            </a:solidFill>
+          </a:ln>
+        </p:spPr>
+        <p:style>
+          <a:lnRef idx="2">
+            <a:schemeClr val="dk1"/>
+          </a:lnRef>
+          <a:fillRef idx="1">
+            <a:schemeClr val="lt1"/>
+          </a:fillRef>
+          <a:effectRef idx="0">
+            <a:schemeClr val="dk1"/>
+          </a:effectRef>
+          <a:fontRef idx="minor">
+            <a:schemeClr val="dk1"/>
+          </a:fontRef>
+        </p:style>
+        <p:txBody>
+          <a:bodyPr rtlCol="0" anchor="ctr"/>
+          <a:lstStyle/>
+          <a:p>
+            <a:pPr algn="ctr"/>
+            <a:r>
+              <a:rPr lang="en-US" altLang="ko-KR" sz="1100"/>
+              <a:t>CoreDNS</a:t>
+            </a:r>
+            <a:endParaRPr lang="ko-KR" altLang="en-US" sz="1100"/>
+          </a:p>
+        </p:txBody>
+      </p:sp>
+      <p:cxnSp>
+        <p:nvCxnSpPr>
+          <p:cNvPr id="56" name="직선 화살표 연결선 55">
+            <a:extLst>
+              <a:ext uri="{FF2B5EF4-FFF2-40B4-BE49-F238E27FC236}">
+                <a16:creationId xmlns:a16="http://schemas.microsoft.com/office/drawing/2014/main" id="{AA74F86D-5958-4ED9-812A-F98CD9D13362}"/>
+              </a:ext>
+            </a:extLst>
+          </p:cNvPr>
+          <p:cNvCxnSpPr>
+            <a:cxnSpLocks/>
+            <a:stCxn id="76" idx="0"/>
+            <a:endCxn id="54" idx="2"/>
+          </p:cNvCxnSpPr>
+          <p:nvPr/>
+        </p:nvCxnSpPr>
+        <p:spPr>
+          <a:xfrm flipV="1">
+            <a:off x="2138723" y="1902341"/>
+            <a:ext cx="770827" cy="548510"/>
+          </a:xfrm>
+          <a:prstGeom prst="straightConnector1">
+            <a:avLst/>
+          </a:prstGeom>
+          <a:ln w="12700">
+            <a:solidFill>
+              <a:srgbClr val="C00000"/>
+            </a:solidFill>
+            <a:headEnd type="none" w="med" len="med"/>
+            <a:tailEnd type="triangle" w="med" len="med"/>
+          </a:ln>
+        </p:spPr>
+        <p:style>
+          <a:lnRef idx="1">
+            <a:schemeClr val="accent1"/>
+          </a:lnRef>
+          <a:fillRef idx="0">
+            <a:schemeClr val="accent1"/>
+          </a:fillRef>
+          <a:effectRef idx="0">
+            <a:schemeClr val="accent1"/>
+          </a:effectRef>
+          <a:fontRef idx="minor">
+            <a:schemeClr val="tx1"/>
+          </a:fontRef>
+        </p:style>
+      </p:cxnSp>
+      <p:cxnSp>
+        <p:nvCxnSpPr>
+          <p:cNvPr id="60" name="직선 화살표 연결선 59">
+            <a:extLst>
+              <a:ext uri="{FF2B5EF4-FFF2-40B4-BE49-F238E27FC236}">
+                <a16:creationId xmlns:a16="http://schemas.microsoft.com/office/drawing/2014/main" id="{5F10235F-1096-4F6A-824E-63C219CA3C00}"/>
+              </a:ext>
+            </a:extLst>
+          </p:cNvPr>
+          <p:cNvCxnSpPr>
+            <a:cxnSpLocks/>
+            <a:stCxn id="91" idx="0"/>
+            <a:endCxn id="54" idx="2"/>
+          </p:cNvCxnSpPr>
+          <p:nvPr/>
+        </p:nvCxnSpPr>
+        <p:spPr>
+          <a:xfrm flipH="1" flipV="1">
+            <a:off x="2909550" y="1902341"/>
+            <a:ext cx="2541541" cy="548510"/>
+          </a:xfrm>
+          <a:prstGeom prst="straightConnector1">
+            <a:avLst/>
+          </a:prstGeom>
+          <a:ln w="12700">
+            <a:solidFill>
+              <a:srgbClr val="C00000"/>
+            </a:solidFill>
+            <a:headEnd type="none" w="med" len="med"/>
+            <a:tailEnd type="triangle" w="med" len="med"/>
+          </a:ln>
+        </p:spPr>
+        <p:style>
+          <a:lnRef idx="1">
+            <a:schemeClr val="accent1"/>
+          </a:lnRef>
+          <a:fillRef idx="0">
+            <a:schemeClr val="accent1"/>
+          </a:fillRef>
+          <a:effectRef idx="0">
+            <a:schemeClr val="accent1"/>
+          </a:effectRef>
+          <a:fontRef idx="minor">
+            <a:schemeClr val="tx1"/>
+          </a:fontRef>
+        </p:style>
+      </p:cxnSp>
+      <p:cxnSp>
+        <p:nvCxnSpPr>
+          <p:cNvPr id="35" name="직선 화살표 연결선 34">
+            <a:extLst>
+              <a:ext uri="{FF2B5EF4-FFF2-40B4-BE49-F238E27FC236}">
+                <a16:creationId xmlns:a16="http://schemas.microsoft.com/office/drawing/2014/main" id="{57725DC8-052F-4665-9331-7B8645D7AA1D}"/>
+              </a:ext>
+            </a:extLst>
+          </p:cNvPr>
+          <p:cNvCxnSpPr>
+            <a:cxnSpLocks/>
+            <a:stCxn id="33" idx="1"/>
+            <a:endCxn id="76" idx="0"/>
+          </p:cNvCxnSpPr>
+          <p:nvPr/>
+        </p:nvCxnSpPr>
+        <p:spPr>
+          <a:xfrm flipH="1">
+            <a:off x="2138723" y="1699119"/>
+            <a:ext cx="3363445" cy="751732"/>
+          </a:xfrm>
+          <a:prstGeom prst="straightConnector1">
+            <a:avLst/>
+          </a:prstGeom>
+          <a:ln w="12700">
+            <a:solidFill>
+              <a:schemeClr val="tx2"/>
+            </a:solidFill>
+            <a:headEnd type="none" w="med" len="med"/>
+            <a:tailEnd type="triangle" w="med" len="med"/>
+          </a:ln>
+        </p:spPr>
+        <p:style>
+          <a:lnRef idx="1">
+            <a:schemeClr val="accent1"/>
+          </a:lnRef>
+          <a:fillRef idx="0">
+            <a:schemeClr val="accent1"/>
+          </a:fillRef>
+          <a:effectRef idx="0">
+            <a:schemeClr val="accent1"/>
+          </a:effectRef>
+          <a:fontRef idx="minor">
+            <a:schemeClr val="tx1"/>
+          </a:fontRef>
+        </p:style>
+      </p:cxnSp>
+      <p:cxnSp>
+        <p:nvCxnSpPr>
+          <p:cNvPr id="39" name="직선 화살표 연결선 38">
+            <a:extLst>
+              <a:ext uri="{FF2B5EF4-FFF2-40B4-BE49-F238E27FC236}">
+                <a16:creationId xmlns:a16="http://schemas.microsoft.com/office/drawing/2014/main" id="{D62D45DF-792B-4DC0-A360-7575A0C89958}"/>
+              </a:ext>
+            </a:extLst>
+          </p:cNvPr>
+          <p:cNvCxnSpPr>
+            <a:cxnSpLocks/>
+            <a:stCxn id="25" idx="0"/>
+            <a:endCxn id="33" idx="2"/>
+          </p:cNvCxnSpPr>
+          <p:nvPr/>
+        </p:nvCxnSpPr>
+        <p:spPr>
+          <a:xfrm flipV="1">
+            <a:off x="3680376" y="1923678"/>
+            <a:ext cx="2541542" cy="533145"/>
+          </a:xfrm>
+          <a:prstGeom prst="straightConnector1">
+            <a:avLst/>
+          </a:prstGeom>
+          <a:ln w="12700">
+            <a:solidFill>
+              <a:schemeClr val="tx2"/>
+            </a:solidFill>
+            <a:headEnd type="none" w="med" len="med"/>
+            <a:tailEnd type="triangle" w="med" len="med"/>
+          </a:ln>
+        </p:spPr>
+        <p:style>
+          <a:lnRef idx="1">
+            <a:schemeClr val="accent1"/>
+          </a:lnRef>
+          <a:fillRef idx="0">
+            <a:schemeClr val="accent1"/>
+          </a:fillRef>
+          <a:effectRef idx="0">
+            <a:schemeClr val="accent1"/>
+          </a:effectRef>
+          <a:fontRef idx="minor">
+            <a:schemeClr val="tx1"/>
+          </a:fontRef>
+        </p:style>
+      </p:cxnSp>
+      <p:cxnSp>
+        <p:nvCxnSpPr>
+          <p:cNvPr id="43" name="직선 화살표 연결선 42">
+            <a:extLst>
+              <a:ext uri="{FF2B5EF4-FFF2-40B4-BE49-F238E27FC236}">
+                <a16:creationId xmlns:a16="http://schemas.microsoft.com/office/drawing/2014/main" id="{286A37A7-3D82-4CB4-B605-F58F31CFE735}"/>
+              </a:ext>
+            </a:extLst>
+          </p:cNvPr>
+          <p:cNvCxnSpPr>
+            <a:cxnSpLocks/>
+            <a:stCxn id="89" idx="0"/>
+            <a:endCxn id="33" idx="2"/>
+          </p:cNvCxnSpPr>
+          <p:nvPr/>
+        </p:nvCxnSpPr>
+        <p:spPr>
+          <a:xfrm flipH="1" flipV="1">
+            <a:off x="6221918" y="1923678"/>
+            <a:ext cx="770826" cy="533145"/>
+          </a:xfrm>
+          <a:prstGeom prst="straightConnector1">
+            <a:avLst/>
+          </a:prstGeom>
+          <a:ln w="12700">
+            <a:solidFill>
+              <a:schemeClr val="tx2"/>
+            </a:solidFill>
+            <a:headEnd type="none" w="med" len="med"/>
+            <a:tailEnd type="triangle" w="med" len="med"/>
+          </a:ln>
+        </p:spPr>
+        <p:style>
+          <a:lnRef idx="1">
+            <a:schemeClr val="accent1"/>
+          </a:lnRef>
+          <a:fillRef idx="0">
+            <a:schemeClr val="accent1"/>
+          </a:fillRef>
+          <a:effectRef idx="0">
+            <a:schemeClr val="accent1"/>
+          </a:effectRef>
+          <a:fontRef idx="minor">
+            <a:schemeClr val="tx1"/>
+          </a:fontRef>
+        </p:style>
+      </p:cxnSp>
+      <p:cxnSp>
+        <p:nvCxnSpPr>
+          <p:cNvPr id="36" name="직선 화살표 연결선 35">
+            <a:extLst>
+              <a:ext uri="{FF2B5EF4-FFF2-40B4-BE49-F238E27FC236}">
+                <a16:creationId xmlns:a16="http://schemas.microsoft.com/office/drawing/2014/main" id="{2AA69811-BD1A-464F-BAB1-D8344E81709B}"/>
+              </a:ext>
+            </a:extLst>
+          </p:cNvPr>
+          <p:cNvCxnSpPr>
+            <a:cxnSpLocks/>
+            <a:stCxn id="33" idx="1"/>
+            <a:endCxn id="91" idx="0"/>
+          </p:cNvCxnSpPr>
+          <p:nvPr/>
+        </p:nvCxnSpPr>
+        <p:spPr>
+          <a:xfrm flipH="1">
+            <a:off x="5451091" y="1699119"/>
+            <a:ext cx="51077" cy="751732"/>
+          </a:xfrm>
+          <a:prstGeom prst="straightConnector1">
+            <a:avLst/>
+          </a:prstGeom>
+          <a:ln w="12700">
+            <a:solidFill>
+              <a:schemeClr val="tx2"/>
+            </a:solidFill>
+            <a:headEnd type="none" w="med" len="med"/>
+            <a:tailEnd type="triangle" w="med" len="med"/>
+          </a:ln>
+        </p:spPr>
+        <p:style>
+          <a:lnRef idx="1">
+            <a:schemeClr val="accent1"/>
+          </a:lnRef>
+          <a:fillRef idx="0">
+            <a:schemeClr val="accent1"/>
+          </a:fillRef>
+          <a:effectRef idx="0">
+            <a:schemeClr val="accent1"/>
+          </a:effectRef>
+          <a:fontRef idx="minor">
+            <a:schemeClr val="tx1"/>
+          </a:fontRef>
+        </p:style>
+      </p:cxnSp>
+      <p:sp>
+        <p:nvSpPr>
+          <p:cNvPr id="109" name="TextBox 108">
+            <a:extLst>
+              <a:ext uri="{FF2B5EF4-FFF2-40B4-BE49-F238E27FC236}">
+                <a16:creationId xmlns:a16="http://schemas.microsoft.com/office/drawing/2014/main" id="{1FD665BB-9EB4-4F57-BDCA-7DE312A1E929}"/>
+              </a:ext>
+            </a:extLst>
+          </p:cNvPr>
+          <p:cNvSpPr txBox="1"/>
+          <p:nvPr/>
+        </p:nvSpPr>
+        <p:spPr>
+          <a:xfrm>
+            <a:off x="5724128" y="1934710"/>
+            <a:ext cx="739818" cy="276999"/>
+          </a:xfrm>
+          <a:prstGeom prst="rect">
+            <a:avLst/>
+          </a:prstGeom>
+          <a:noFill/>
+          <a:ln>
+            <a:noFill/>
+          </a:ln>
+        </p:spPr>
+        <p:txBody>
+          <a:bodyPr wrap="none" rtlCol="0">
+            <a:spAutoFit/>
+          </a:bodyPr>
+          <a:lstStyle/>
+          <a:p>
+            <a:r>
+              <a:rPr lang="en-US" altLang="ko-KR" sz="1200" b="1">
+                <a:solidFill>
+                  <a:schemeClr val="tx2"/>
+                </a:solidFill>
+              </a:rPr>
+              <a:t>Resolve</a:t>
+            </a:r>
+            <a:endParaRPr lang="ko-KR" altLang="en-US" sz="1200" b="1">
+              <a:solidFill>
+                <a:schemeClr val="tx2"/>
+              </a:solidFill>
+            </a:endParaRPr>
+          </a:p>
+        </p:txBody>
+      </p:sp>
+      <p:sp>
+        <p:nvSpPr>
+          <p:cNvPr id="42" name="사각형: 둥근 모서리 46">
+            <a:extLst>
+              <a:ext uri="{FF2B5EF4-FFF2-40B4-BE49-F238E27FC236}">
+                <a16:creationId xmlns:a16="http://schemas.microsoft.com/office/drawing/2014/main" id="{3DB1526F-18D5-894B-9352-9FF2CC1B2E3B}"/>
+              </a:ext>
+            </a:extLst>
+          </p:cNvPr>
+          <p:cNvSpPr/>
+          <p:nvPr/>
+        </p:nvSpPr>
+        <p:spPr>
+          <a:xfrm>
+            <a:off x="3852250" y="432063"/>
+            <a:ext cx="1439500" cy="449119"/>
+          </a:xfrm>
+          <a:prstGeom prst="roundRect">
+            <a:avLst>
+              <a:gd name="adj" fmla="val 8959"/>
+            </a:avLst>
+          </a:prstGeom>
+          <a:ln w="12700"/>
+        </p:spPr>
+        <p:style>
+          <a:lnRef idx="2">
+            <a:schemeClr val="dk1"/>
+          </a:lnRef>
+          <a:fillRef idx="1">
+            <a:schemeClr val="lt1"/>
+          </a:fillRef>
+          <a:effectRef idx="0">
+            <a:schemeClr val="dk1"/>
+          </a:effectRef>
+          <a:fontRef idx="minor">
+            <a:schemeClr val="dk1"/>
+          </a:fontRef>
+        </p:style>
+        <p:txBody>
+          <a:bodyPr rtlCol="0" anchor="ctr"/>
+          <a:lstStyle/>
+          <a:p>
+            <a:pPr algn="ctr"/>
+            <a:r>
+              <a:rPr lang="en-US" altLang="ko-KR" sz="1200"/>
+              <a:t>External DNS</a:t>
+            </a:r>
+          </a:p>
+          <a:p>
+            <a:pPr algn="ctr"/>
+            <a:r>
+              <a:rPr lang="en-US" altLang="ko-KR" sz="1200" b="1"/>
+              <a:t>8.8.8.8</a:t>
+            </a:r>
+            <a:endParaRPr lang="ko-KR" altLang="en-US" sz="1200" b="1"/>
+          </a:p>
+        </p:txBody>
+      </p:sp>
+      <p:cxnSp>
+        <p:nvCxnSpPr>
+          <p:cNvPr id="44" name="직선 화살표 연결선 34">
+            <a:extLst>
+              <a:ext uri="{FF2B5EF4-FFF2-40B4-BE49-F238E27FC236}">
+                <a16:creationId xmlns:a16="http://schemas.microsoft.com/office/drawing/2014/main" id="{4E2C029A-4D87-2549-B19A-B834D01F7F92}"/>
+              </a:ext>
+            </a:extLst>
+          </p:cNvPr>
+          <p:cNvCxnSpPr>
+            <a:cxnSpLocks/>
+            <a:stCxn id="91" idx="0"/>
+            <a:endCxn id="42" idx="2"/>
+          </p:cNvCxnSpPr>
+          <p:nvPr/>
+        </p:nvCxnSpPr>
+        <p:spPr>
+          <a:xfrm flipH="1" flipV="1">
+            <a:off x="4572000" y="881182"/>
+            <a:ext cx="879091" cy="1569669"/>
+          </a:xfrm>
+          <a:prstGeom prst="straightConnector1">
+            <a:avLst/>
+          </a:prstGeom>
+          <a:ln w="12700">
+            <a:solidFill>
+              <a:schemeClr val="tx2"/>
+            </a:solidFill>
+            <a:headEnd type="none" w="med" len="med"/>
+            <a:tailEnd type="triangle" w="med" len="med"/>
+          </a:ln>
+        </p:spPr>
+        <p:style>
+          <a:lnRef idx="1">
+            <a:schemeClr val="accent1"/>
+          </a:lnRef>
+          <a:fillRef idx="0">
+            <a:schemeClr val="accent1"/>
+          </a:fillRef>
+          <a:effectRef idx="0">
+            <a:schemeClr val="accent1"/>
+          </a:effectRef>
+          <a:fontRef idx="minor">
+            <a:schemeClr val="tx1"/>
+          </a:fontRef>
+        </p:style>
+      </p:cxnSp>
+      <p:cxnSp>
+        <p:nvCxnSpPr>
+          <p:cNvPr id="49" name="직선 화살표 연결선 34">
+            <a:extLst>
+              <a:ext uri="{FF2B5EF4-FFF2-40B4-BE49-F238E27FC236}">
+                <a16:creationId xmlns:a16="http://schemas.microsoft.com/office/drawing/2014/main" id="{865AD0B7-1FA1-164C-A406-08BBA139D031}"/>
+              </a:ext>
+            </a:extLst>
+          </p:cNvPr>
+          <p:cNvCxnSpPr>
+            <a:cxnSpLocks/>
+            <a:stCxn id="76" idx="0"/>
+            <a:endCxn id="42" idx="2"/>
+          </p:cNvCxnSpPr>
+          <p:nvPr/>
+        </p:nvCxnSpPr>
+        <p:spPr>
+          <a:xfrm flipV="1">
+            <a:off x="2138723" y="881182"/>
+            <a:ext cx="2433277" cy="1569669"/>
+          </a:xfrm>
+          <a:prstGeom prst="straightConnector1">
+            <a:avLst/>
+          </a:prstGeom>
+          <a:ln w="12700">
+            <a:solidFill>
+              <a:schemeClr val="tx2"/>
+            </a:solidFill>
+            <a:headEnd type="none" w="med" len="med"/>
+            <a:tailEnd type="triangle" w="med" len="med"/>
+          </a:ln>
+        </p:spPr>
+        <p:style>
+          <a:lnRef idx="1">
+            <a:schemeClr val="accent1"/>
+          </a:lnRef>
+          <a:fillRef idx="0">
+            <a:schemeClr val="accent1"/>
+          </a:fillRef>
+          <a:effectRef idx="0">
+            <a:schemeClr val="accent1"/>
+          </a:effectRef>
+          <a:fontRef idx="minor">
+            <a:schemeClr val="tx1"/>
+          </a:fontRef>
+        </p:style>
+      </p:cxnSp>
+    </p:spTree>
+    <p:extLst>
+      <p:ext uri="{BB962C8B-B14F-4D97-AF65-F5344CB8AC3E}">
+        <p14:creationId xmlns:p14="http://schemas.microsoft.com/office/powerpoint/2010/main" val="1938522419"/>
+      </p:ext>
+    </p:extLst>
+  </p:cSld>
+  <p:clrMapOvr>
+    <a:masterClrMapping/>
+  </p:clrMapOvr>
+</p:sld>
+</file>
+
+<file path=ppt/slides/slide7.xml><?xml version="1.0" encoding="utf-8"?>
+<p:sld xmlns:a="http://schemas.openxmlformats.org/drawingml/2006/main" xmlns:r="http://schemas.openxmlformats.org/officeDocument/2006/relationships" xmlns:p="http://schemas.openxmlformats.org/presentationml/2006/main">
+  <p:cSld>
+    <p:spTree>
+      <p:nvGrpSpPr>
+        <p:cNvPr id="1" name=""/>
+        <p:cNvGrpSpPr/>
+        <p:nvPr/>
+      </p:nvGrpSpPr>
+      <p:grpSpPr>
+        <a:xfrm>
+          <a:off x="0" y="0"/>
+          <a:ext cx="0" cy="0"/>
+          <a:chOff x="0" y="0"/>
+          <a:chExt cx="0" cy="0"/>
+        </a:xfrm>
+      </p:grpSpPr>
+      <p:sp>
+        <p:nvSpPr>
+          <p:cNvPr id="33" name="사각형: 둥근 모서리 32">
+            <a:extLst>
+              <a:ext uri="{FF2B5EF4-FFF2-40B4-BE49-F238E27FC236}">
+                <a16:creationId xmlns:a16="http://schemas.microsoft.com/office/drawing/2014/main" id="{DC11C9C1-1BEB-4DD2-ADD8-9092EE5997B8}"/>
+              </a:ext>
+            </a:extLst>
+          </p:cNvPr>
+          <p:cNvSpPr/>
+          <p:nvPr/>
+        </p:nvSpPr>
+        <p:spPr>
+          <a:xfrm>
+            <a:off x="5502168" y="1474559"/>
+            <a:ext cx="1439500" cy="449119"/>
+          </a:xfrm>
+          <a:prstGeom prst="roundRect">
+            <a:avLst>
+              <a:gd name="adj" fmla="val 9318"/>
+            </a:avLst>
+          </a:prstGeom>
+          <a:ln>
+            <a:solidFill>
+              <a:schemeClr val="tx1"/>
+            </a:solidFill>
+          </a:ln>
+        </p:spPr>
+        <p:style>
+          <a:lnRef idx="2">
+            <a:schemeClr val="dk1"/>
+          </a:lnRef>
+          <a:fillRef idx="1">
+            <a:schemeClr val="lt1"/>
+          </a:fillRef>
+          <a:effectRef idx="0">
+            <a:schemeClr val="dk1"/>
+          </a:effectRef>
+          <a:fontRef idx="minor">
+            <a:schemeClr val="dk1"/>
+          </a:fontRef>
+        </p:style>
+        <p:txBody>
+          <a:bodyPr rtlCol="0" anchor="t"/>
+          <a:lstStyle/>
+          <a:p>
+            <a:pPr algn="ctr"/>
+            <a:r>
+              <a:rPr lang="en-US" altLang="ko-KR" sz="1200"/>
+              <a:t>CoreDNS Service</a:t>
+            </a:r>
+          </a:p>
+          <a:p>
+            <a:pPr algn="ctr"/>
+            <a:r>
+              <a:rPr lang="en-US" altLang="ko-KR" sz="1200"/>
+              <a:t>10.96.0.10</a:t>
+            </a:r>
+          </a:p>
+        </p:txBody>
+      </p:sp>
+      <p:sp>
+        <p:nvSpPr>
+          <p:cNvPr id="47" name="사각형: 둥근 모서리 46">
+            <a:extLst>
+              <a:ext uri="{FF2B5EF4-FFF2-40B4-BE49-F238E27FC236}">
+                <a16:creationId xmlns:a16="http://schemas.microsoft.com/office/drawing/2014/main" id="{1D72265D-3716-4CA6-9E4F-2FDC3EDBDEDF}"/>
+              </a:ext>
+            </a:extLst>
+          </p:cNvPr>
+          <p:cNvSpPr/>
+          <p:nvPr/>
+        </p:nvSpPr>
+        <p:spPr>
+          <a:xfrm>
+            <a:off x="2107877" y="1162792"/>
+            <a:ext cx="1603346" cy="832894"/>
+          </a:xfrm>
+          <a:prstGeom prst="roundRect">
+            <a:avLst>
+              <a:gd name="adj" fmla="val 8959"/>
+            </a:avLst>
+          </a:prstGeom>
+        </p:spPr>
+        <p:style>
+          <a:lnRef idx="2">
+            <a:schemeClr val="dk1"/>
+          </a:lnRef>
+          <a:fillRef idx="1">
+            <a:schemeClr val="lt1"/>
+          </a:fillRef>
+          <a:effectRef idx="0">
+            <a:schemeClr val="dk1"/>
+          </a:effectRef>
+          <a:fontRef idx="minor">
+            <a:schemeClr val="dk1"/>
+          </a:fontRef>
+        </p:style>
+        <p:txBody>
+          <a:bodyPr rtlCol="0" anchor="t"/>
+          <a:lstStyle/>
+          <a:p>
+            <a:pPr algn="ctr"/>
+            <a:r>
+              <a:rPr lang="en-US" altLang="ko-KR" sz="1400" b="1"/>
+              <a:t>Master Node</a:t>
+            </a:r>
+            <a:endParaRPr lang="ko-KR" altLang="en-US" sz="1400" b="1"/>
+          </a:p>
+        </p:txBody>
+      </p:sp>
+      <p:sp>
+        <p:nvSpPr>
+          <p:cNvPr id="54" name="사각형: 둥근 모서리 53">
+            <a:extLst>
+              <a:ext uri="{FF2B5EF4-FFF2-40B4-BE49-F238E27FC236}">
+                <a16:creationId xmlns:a16="http://schemas.microsoft.com/office/drawing/2014/main" id="{CBFBD54E-577A-4E12-B1EA-CA94261F39D0}"/>
+              </a:ext>
+            </a:extLst>
+          </p:cNvPr>
+          <p:cNvSpPr/>
+          <p:nvPr/>
+        </p:nvSpPr>
+        <p:spPr>
+          <a:xfrm>
+            <a:off x="2261808" y="1522832"/>
+            <a:ext cx="1295484" cy="379509"/>
+          </a:xfrm>
+          <a:prstGeom prst="roundRect">
+            <a:avLst>
+              <a:gd name="adj" fmla="val 9318"/>
+            </a:avLst>
+          </a:prstGeom>
+          <a:ln>
+            <a:solidFill>
+              <a:schemeClr val="tx1"/>
+            </a:solidFill>
+          </a:ln>
+        </p:spPr>
+        <p:style>
+          <a:lnRef idx="2">
+            <a:schemeClr val="dk1"/>
+          </a:lnRef>
+          <a:fillRef idx="1">
+            <a:schemeClr val="lt1"/>
+          </a:fillRef>
+          <a:effectRef idx="0">
+            <a:schemeClr val="dk1"/>
+          </a:effectRef>
+          <a:fontRef idx="minor">
+            <a:schemeClr val="dk1"/>
+          </a:fontRef>
+        </p:style>
+        <p:txBody>
+          <a:bodyPr rtlCol="0" anchor="ctr"/>
+          <a:lstStyle/>
+          <a:p>
+            <a:pPr algn="ctr"/>
+            <a:r>
+              <a:rPr lang="en-US" altLang="ko-KR" sz="1200"/>
+              <a:t>K8s API Server</a:t>
+            </a:r>
+          </a:p>
+        </p:txBody>
+      </p:sp>
+      <p:sp>
+        <p:nvSpPr>
+          <p:cNvPr id="67" name="TextBox 66">
+            <a:extLst>
+              <a:ext uri="{FF2B5EF4-FFF2-40B4-BE49-F238E27FC236}">
+                <a16:creationId xmlns:a16="http://schemas.microsoft.com/office/drawing/2014/main" id="{20AE42F4-C3B8-4A2C-96DF-EDCE3332630D}"/>
+              </a:ext>
+            </a:extLst>
+          </p:cNvPr>
+          <p:cNvSpPr txBox="1"/>
+          <p:nvPr/>
+        </p:nvSpPr>
+        <p:spPr>
+          <a:xfrm>
+            <a:off x="2729070" y="1934711"/>
+            <a:ext cx="643831" cy="276999"/>
+          </a:xfrm>
+          <a:prstGeom prst="rect">
+            <a:avLst/>
+          </a:prstGeom>
+          <a:noFill/>
+          <a:ln>
+            <a:noFill/>
+          </a:ln>
+        </p:spPr>
+        <p:txBody>
+          <a:bodyPr wrap="none" rtlCol="0">
+            <a:spAutoFit/>
+          </a:bodyPr>
+          <a:lstStyle/>
+          <a:p>
+            <a:r>
+              <a:rPr lang="en-US" altLang="ko-KR" sz="1200" b="1">
+                <a:solidFill>
+                  <a:srgbClr val="C00000"/>
+                </a:solidFill>
+              </a:rPr>
+              <a:t>Watch</a:t>
+            </a:r>
+            <a:endParaRPr lang="ko-KR" altLang="en-US" sz="1200" b="1">
+              <a:solidFill>
+                <a:srgbClr val="C00000"/>
+              </a:solidFill>
+            </a:endParaRPr>
+          </a:p>
+        </p:txBody>
+      </p:sp>
       <p:sp>
         <p:nvSpPr>
           <p:cNvPr id="3" name="사각형: 둥근 모서리 2">
@@ -4839,7 +13410,7 @@
     </p:spTree>
     <p:extLst>
       <p:ext uri="{BB962C8B-B14F-4D97-AF65-F5344CB8AC3E}">
-        <p14:creationId xmlns:p14="http://schemas.microsoft.com/office/powerpoint/2010/main" val="3240817009"/>
+        <p14:creationId xmlns:p14="http://schemas.microsoft.com/office/powerpoint/2010/main" val="1076947856"/>
       </p:ext>
     </p:extLst>
   </p:cSld>
